--- a/Исключения_v1.pptx
+++ b/Исключения_v1.pptx
@@ -5,16 +5,20 @@
     <p:sldMasterId id="2147483696" r:id="rId1"/>
   </p:sldMasterIdLst>
   <p:notesMasterIdLst>
-    <p:notesMasterId r:id="rId9"/>
+    <p:notesMasterId r:id="rId13"/>
   </p:notesMasterIdLst>
   <p:sldIdLst>
     <p:sldId id="289" r:id="rId2"/>
     <p:sldId id="290" r:id="rId3"/>
-    <p:sldId id="291" r:id="rId4"/>
-    <p:sldId id="292" r:id="rId5"/>
-    <p:sldId id="293" r:id="rId6"/>
-    <p:sldId id="294" r:id="rId7"/>
+    <p:sldId id="299" r:id="rId4"/>
+    <p:sldId id="296" r:id="rId5"/>
+    <p:sldId id="297" r:id="rId6"/>
+    <p:sldId id="298" r:id="rId7"/>
     <p:sldId id="295" r:id="rId8"/>
+    <p:sldId id="291" r:id="rId9"/>
+    <p:sldId id="292" r:id="rId10"/>
+    <p:sldId id="294" r:id="rId11"/>
+    <p:sldId id="293" r:id="rId12"/>
   </p:sldIdLst>
   <p:sldSz cx="12192000" cy="6858000"/>
   <p:notesSz cx="6858000" cy="9144000"/>
@@ -120,11 +124,15 @@
           <p14:sldIdLst>
             <p14:sldId id="289"/>
             <p14:sldId id="290"/>
+            <p14:sldId id="299"/>
+            <p14:sldId id="296"/>
+            <p14:sldId id="297"/>
+            <p14:sldId id="298"/>
+            <p14:sldId id="295"/>
             <p14:sldId id="291"/>
             <p14:sldId id="292"/>
+            <p14:sldId id="294"/>
             <p14:sldId id="293"/>
-            <p14:sldId id="294"/>
-            <p14:sldId id="295"/>
           </p14:sldIdLst>
         </p14:section>
       </p14:sectionLst>
@@ -218,7 +226,7 @@
           <a:p>
             <a:fld id="{547B99C5-9E73-4D85-8495-5EC431CC6481}" type="datetimeFigureOut">
               <a:rPr lang="ru-RU" smtClean="0"/>
-              <a:t>03.02.2025</a:t>
+              <a:t>04.02.2025</a:t>
             </a:fld>
             <a:endParaRPr lang="ru-RU"/>
           </a:p>
@@ -569,6 +577,174 @@
 </p:notes>
 </file>
 
+<file path=ppt/notesSlides/notesSlide10.xml><?xml version="1.0" encoding="utf-8"?>
+<p:notes xmlns:a="http://schemas.openxmlformats.org/drawingml/2006/main" xmlns:r="http://schemas.openxmlformats.org/officeDocument/2006/relationships" xmlns:p="http://schemas.openxmlformats.org/presentationml/2006/main">
+  <p:cSld>
+    <p:spTree>
+      <p:nvGrpSpPr>
+        <p:cNvPr id="1" name=""/>
+        <p:cNvGrpSpPr/>
+        <p:nvPr/>
+      </p:nvGrpSpPr>
+      <p:grpSpPr>
+        <a:xfrm>
+          <a:off x="0" y="0"/>
+          <a:ext cx="0" cy="0"/>
+          <a:chOff x="0" y="0"/>
+          <a:chExt cx="0" cy="0"/>
+        </a:xfrm>
+      </p:grpSpPr>
+      <p:sp>
+        <p:nvSpPr>
+          <p:cNvPr id="2" name="Образ слайда 1"/>
+          <p:cNvSpPr>
+            <a:spLocks noGrp="1" noRot="1" noChangeAspect="1"/>
+          </p:cNvSpPr>
+          <p:nvPr>
+            <p:ph type="sldImg"/>
+          </p:nvPr>
+        </p:nvSpPr>
+        <p:spPr/>
+      </p:sp>
+      <p:sp>
+        <p:nvSpPr>
+          <p:cNvPr id="3" name="Заметки 2"/>
+          <p:cNvSpPr>
+            <a:spLocks noGrp="1"/>
+          </p:cNvSpPr>
+          <p:nvPr>
+            <p:ph type="body" idx="1"/>
+          </p:nvPr>
+        </p:nvSpPr>
+        <p:spPr/>
+        <p:txBody>
+          <a:bodyPr/>
+          <a:lstStyle/>
+          <a:p>
+            <a:endParaRPr lang="ru-RU" dirty="0"/>
+          </a:p>
+        </p:txBody>
+      </p:sp>
+      <p:sp>
+        <p:nvSpPr>
+          <p:cNvPr id="4" name="Номер слайда 3"/>
+          <p:cNvSpPr>
+            <a:spLocks noGrp="1"/>
+          </p:cNvSpPr>
+          <p:nvPr>
+            <p:ph type="sldNum" sz="quarter" idx="5"/>
+          </p:nvPr>
+        </p:nvSpPr>
+        <p:spPr/>
+        <p:txBody>
+          <a:bodyPr/>
+          <a:lstStyle/>
+          <a:p>
+            <a:fld id="{5F729189-23CE-4022-A357-B9239DF82E10}" type="slidenum">
+              <a:rPr lang="ru-RU" smtClean="0"/>
+              <a:t>10</a:t>
+            </a:fld>
+            <a:endParaRPr lang="ru-RU"/>
+          </a:p>
+        </p:txBody>
+      </p:sp>
+    </p:spTree>
+    <p:extLst>
+      <p:ext uri="{BB962C8B-B14F-4D97-AF65-F5344CB8AC3E}">
+        <p14:creationId xmlns:p14="http://schemas.microsoft.com/office/powerpoint/2010/main" val="1182898602"/>
+      </p:ext>
+    </p:extLst>
+  </p:cSld>
+  <p:clrMapOvr>
+    <a:masterClrMapping/>
+  </p:clrMapOvr>
+</p:notes>
+</file>
+
+<file path=ppt/notesSlides/notesSlide11.xml><?xml version="1.0" encoding="utf-8"?>
+<p:notes xmlns:a="http://schemas.openxmlformats.org/drawingml/2006/main" xmlns:r="http://schemas.openxmlformats.org/officeDocument/2006/relationships" xmlns:p="http://schemas.openxmlformats.org/presentationml/2006/main">
+  <p:cSld>
+    <p:spTree>
+      <p:nvGrpSpPr>
+        <p:cNvPr id="1" name=""/>
+        <p:cNvGrpSpPr/>
+        <p:nvPr/>
+      </p:nvGrpSpPr>
+      <p:grpSpPr>
+        <a:xfrm>
+          <a:off x="0" y="0"/>
+          <a:ext cx="0" cy="0"/>
+          <a:chOff x="0" y="0"/>
+          <a:chExt cx="0" cy="0"/>
+        </a:xfrm>
+      </p:grpSpPr>
+      <p:sp>
+        <p:nvSpPr>
+          <p:cNvPr id="2" name="Образ слайда 1"/>
+          <p:cNvSpPr>
+            <a:spLocks noGrp="1" noRot="1" noChangeAspect="1"/>
+          </p:cNvSpPr>
+          <p:nvPr>
+            <p:ph type="sldImg"/>
+          </p:nvPr>
+        </p:nvSpPr>
+        <p:spPr/>
+      </p:sp>
+      <p:sp>
+        <p:nvSpPr>
+          <p:cNvPr id="3" name="Заметки 2"/>
+          <p:cNvSpPr>
+            <a:spLocks noGrp="1"/>
+          </p:cNvSpPr>
+          <p:nvPr>
+            <p:ph type="body" idx="1"/>
+          </p:nvPr>
+        </p:nvSpPr>
+        <p:spPr/>
+        <p:txBody>
+          <a:bodyPr/>
+          <a:lstStyle/>
+          <a:p>
+            <a:endParaRPr lang="ru-RU" dirty="0"/>
+          </a:p>
+        </p:txBody>
+      </p:sp>
+      <p:sp>
+        <p:nvSpPr>
+          <p:cNvPr id="4" name="Номер слайда 3"/>
+          <p:cNvSpPr>
+            <a:spLocks noGrp="1"/>
+          </p:cNvSpPr>
+          <p:nvPr>
+            <p:ph type="sldNum" sz="quarter" idx="5"/>
+          </p:nvPr>
+        </p:nvSpPr>
+        <p:spPr/>
+        <p:txBody>
+          <a:bodyPr/>
+          <a:lstStyle/>
+          <a:p>
+            <a:fld id="{5F729189-23CE-4022-A357-B9239DF82E10}" type="slidenum">
+              <a:rPr lang="ru-RU" smtClean="0"/>
+              <a:t>11</a:t>
+            </a:fld>
+            <a:endParaRPr lang="ru-RU"/>
+          </a:p>
+        </p:txBody>
+      </p:sp>
+    </p:spTree>
+    <p:extLst>
+      <p:ext uri="{BB962C8B-B14F-4D97-AF65-F5344CB8AC3E}">
+        <p14:creationId xmlns:p14="http://schemas.microsoft.com/office/powerpoint/2010/main" val="517702460"/>
+      </p:ext>
+    </p:extLst>
+  </p:cSld>
+  <p:clrMapOvr>
+    <a:masterClrMapping/>
+  </p:clrMapOvr>
+</p:notes>
+</file>
+
 <file path=ppt/notesSlides/notesSlide2.xml><?xml version="1.0" encoding="utf-8"?>
 <p:notes xmlns:a="http://schemas.openxmlformats.org/drawingml/2006/main" xmlns:r="http://schemas.openxmlformats.org/officeDocument/2006/relationships" xmlns:p="http://schemas.openxmlformats.org/presentationml/2006/main">
   <p:cSld>
@@ -942,7 +1118,7 @@
     </p:spTree>
     <p:extLst>
       <p:ext uri="{BB962C8B-B14F-4D97-AF65-F5344CB8AC3E}">
-        <p14:creationId xmlns:p14="http://schemas.microsoft.com/office/powerpoint/2010/main" val="2687739752"/>
+        <p14:creationId xmlns:p14="http://schemas.microsoft.com/office/powerpoint/2010/main" val="422300928"/>
       </p:ext>
     </p:extLst>
   </p:cSld>
@@ -1026,7 +1202,7 @@
     </p:spTree>
     <p:extLst>
       <p:ext uri="{BB962C8B-B14F-4D97-AF65-F5344CB8AC3E}">
-        <p14:creationId xmlns:p14="http://schemas.microsoft.com/office/powerpoint/2010/main" val="4204374455"/>
+        <p14:creationId xmlns:p14="http://schemas.microsoft.com/office/powerpoint/2010/main" val="3332361978"/>
       </p:ext>
     </p:extLst>
   </p:cSld>
@@ -1110,7 +1286,7 @@
     </p:spTree>
     <p:extLst>
       <p:ext uri="{BB962C8B-B14F-4D97-AF65-F5344CB8AC3E}">
-        <p14:creationId xmlns:p14="http://schemas.microsoft.com/office/powerpoint/2010/main" val="517702460"/>
+        <p14:creationId xmlns:p14="http://schemas.microsoft.com/office/powerpoint/2010/main" val="159587873"/>
       </p:ext>
     </p:extLst>
   </p:cSld>
@@ -1194,7 +1370,7 @@
     </p:spTree>
     <p:extLst>
       <p:ext uri="{BB962C8B-B14F-4D97-AF65-F5344CB8AC3E}">
-        <p14:creationId xmlns:p14="http://schemas.microsoft.com/office/powerpoint/2010/main" val="1182898602"/>
+        <p14:creationId xmlns:p14="http://schemas.microsoft.com/office/powerpoint/2010/main" val="1235839872"/>
       </p:ext>
     </p:extLst>
   </p:cSld>
@@ -1279,6 +1455,174 @@
     <p:extLst>
       <p:ext uri="{BB962C8B-B14F-4D97-AF65-F5344CB8AC3E}">
         <p14:creationId xmlns:p14="http://schemas.microsoft.com/office/powerpoint/2010/main" val="2911837543"/>
+      </p:ext>
+    </p:extLst>
+  </p:cSld>
+  <p:clrMapOvr>
+    <a:masterClrMapping/>
+  </p:clrMapOvr>
+</p:notes>
+</file>
+
+<file path=ppt/notesSlides/notesSlide8.xml><?xml version="1.0" encoding="utf-8"?>
+<p:notes xmlns:a="http://schemas.openxmlformats.org/drawingml/2006/main" xmlns:r="http://schemas.openxmlformats.org/officeDocument/2006/relationships" xmlns:p="http://schemas.openxmlformats.org/presentationml/2006/main">
+  <p:cSld>
+    <p:spTree>
+      <p:nvGrpSpPr>
+        <p:cNvPr id="1" name=""/>
+        <p:cNvGrpSpPr/>
+        <p:nvPr/>
+      </p:nvGrpSpPr>
+      <p:grpSpPr>
+        <a:xfrm>
+          <a:off x="0" y="0"/>
+          <a:ext cx="0" cy="0"/>
+          <a:chOff x="0" y="0"/>
+          <a:chExt cx="0" cy="0"/>
+        </a:xfrm>
+      </p:grpSpPr>
+      <p:sp>
+        <p:nvSpPr>
+          <p:cNvPr id="2" name="Образ слайда 1"/>
+          <p:cNvSpPr>
+            <a:spLocks noGrp="1" noRot="1" noChangeAspect="1"/>
+          </p:cNvSpPr>
+          <p:nvPr>
+            <p:ph type="sldImg"/>
+          </p:nvPr>
+        </p:nvSpPr>
+        <p:spPr/>
+      </p:sp>
+      <p:sp>
+        <p:nvSpPr>
+          <p:cNvPr id="3" name="Заметки 2"/>
+          <p:cNvSpPr>
+            <a:spLocks noGrp="1"/>
+          </p:cNvSpPr>
+          <p:nvPr>
+            <p:ph type="body" idx="1"/>
+          </p:nvPr>
+        </p:nvSpPr>
+        <p:spPr/>
+        <p:txBody>
+          <a:bodyPr/>
+          <a:lstStyle/>
+          <a:p>
+            <a:endParaRPr lang="ru-RU" dirty="0"/>
+          </a:p>
+        </p:txBody>
+      </p:sp>
+      <p:sp>
+        <p:nvSpPr>
+          <p:cNvPr id="4" name="Номер слайда 3"/>
+          <p:cNvSpPr>
+            <a:spLocks noGrp="1"/>
+          </p:cNvSpPr>
+          <p:nvPr>
+            <p:ph type="sldNum" sz="quarter" idx="5"/>
+          </p:nvPr>
+        </p:nvSpPr>
+        <p:spPr/>
+        <p:txBody>
+          <a:bodyPr/>
+          <a:lstStyle/>
+          <a:p>
+            <a:fld id="{5F729189-23CE-4022-A357-B9239DF82E10}" type="slidenum">
+              <a:rPr lang="ru-RU" smtClean="0"/>
+              <a:t>8</a:t>
+            </a:fld>
+            <a:endParaRPr lang="ru-RU"/>
+          </a:p>
+        </p:txBody>
+      </p:sp>
+    </p:spTree>
+    <p:extLst>
+      <p:ext uri="{BB962C8B-B14F-4D97-AF65-F5344CB8AC3E}">
+        <p14:creationId xmlns:p14="http://schemas.microsoft.com/office/powerpoint/2010/main" val="2687739752"/>
+      </p:ext>
+    </p:extLst>
+  </p:cSld>
+  <p:clrMapOvr>
+    <a:masterClrMapping/>
+  </p:clrMapOvr>
+</p:notes>
+</file>
+
+<file path=ppt/notesSlides/notesSlide9.xml><?xml version="1.0" encoding="utf-8"?>
+<p:notes xmlns:a="http://schemas.openxmlformats.org/drawingml/2006/main" xmlns:r="http://schemas.openxmlformats.org/officeDocument/2006/relationships" xmlns:p="http://schemas.openxmlformats.org/presentationml/2006/main">
+  <p:cSld>
+    <p:spTree>
+      <p:nvGrpSpPr>
+        <p:cNvPr id="1" name=""/>
+        <p:cNvGrpSpPr/>
+        <p:nvPr/>
+      </p:nvGrpSpPr>
+      <p:grpSpPr>
+        <a:xfrm>
+          <a:off x="0" y="0"/>
+          <a:ext cx="0" cy="0"/>
+          <a:chOff x="0" y="0"/>
+          <a:chExt cx="0" cy="0"/>
+        </a:xfrm>
+      </p:grpSpPr>
+      <p:sp>
+        <p:nvSpPr>
+          <p:cNvPr id="2" name="Образ слайда 1"/>
+          <p:cNvSpPr>
+            <a:spLocks noGrp="1" noRot="1" noChangeAspect="1"/>
+          </p:cNvSpPr>
+          <p:nvPr>
+            <p:ph type="sldImg"/>
+          </p:nvPr>
+        </p:nvSpPr>
+        <p:spPr/>
+      </p:sp>
+      <p:sp>
+        <p:nvSpPr>
+          <p:cNvPr id="3" name="Заметки 2"/>
+          <p:cNvSpPr>
+            <a:spLocks noGrp="1"/>
+          </p:cNvSpPr>
+          <p:nvPr>
+            <p:ph type="body" idx="1"/>
+          </p:nvPr>
+        </p:nvSpPr>
+        <p:spPr/>
+        <p:txBody>
+          <a:bodyPr/>
+          <a:lstStyle/>
+          <a:p>
+            <a:endParaRPr lang="ru-RU" dirty="0"/>
+          </a:p>
+        </p:txBody>
+      </p:sp>
+      <p:sp>
+        <p:nvSpPr>
+          <p:cNvPr id="4" name="Номер слайда 3"/>
+          <p:cNvSpPr>
+            <a:spLocks noGrp="1"/>
+          </p:cNvSpPr>
+          <p:nvPr>
+            <p:ph type="sldNum" sz="quarter" idx="5"/>
+          </p:nvPr>
+        </p:nvSpPr>
+        <p:spPr/>
+        <p:txBody>
+          <a:bodyPr/>
+          <a:lstStyle/>
+          <a:p>
+            <a:fld id="{5F729189-23CE-4022-A357-B9239DF82E10}" type="slidenum">
+              <a:rPr lang="ru-RU" smtClean="0"/>
+              <a:t>9</a:t>
+            </a:fld>
+            <a:endParaRPr lang="ru-RU"/>
+          </a:p>
+        </p:txBody>
+      </p:sp>
+    </p:spTree>
+    <p:extLst>
+      <p:ext uri="{BB962C8B-B14F-4D97-AF65-F5344CB8AC3E}">
+        <p14:creationId xmlns:p14="http://schemas.microsoft.com/office/powerpoint/2010/main" val="4204374455"/>
       </p:ext>
     </p:extLst>
   </p:cSld>
@@ -1419,7 +1763,7 @@
           <a:p>
             <a:fld id="{6D05CBBA-D782-497D-B3B5-452762B3B9E7}" type="datetimeFigureOut">
               <a:rPr lang="ru-RU" smtClean="0"/>
-              <a:t>03.02.2025</a:t>
+              <a:t>04.02.2025</a:t>
             </a:fld>
             <a:endParaRPr lang="ru-RU"/>
           </a:p>
@@ -1589,7 +1933,7 @@
           <a:p>
             <a:fld id="{6D05CBBA-D782-497D-B3B5-452762B3B9E7}" type="datetimeFigureOut">
               <a:rPr lang="ru-RU" smtClean="0"/>
-              <a:t>03.02.2025</a:t>
+              <a:t>04.02.2025</a:t>
             </a:fld>
             <a:endParaRPr lang="ru-RU"/>
           </a:p>
@@ -1769,7 +2113,7 @@
           <a:p>
             <a:fld id="{6D05CBBA-D782-497D-B3B5-452762B3B9E7}" type="datetimeFigureOut">
               <a:rPr lang="ru-RU" smtClean="0"/>
-              <a:t>03.02.2025</a:t>
+              <a:t>04.02.2025</a:t>
             </a:fld>
             <a:endParaRPr lang="ru-RU"/>
           </a:p>
@@ -1985,7 +2329,7 @@
           <a:p>
             <a:fld id="{6D05CBBA-D782-497D-B3B5-452762B3B9E7}" type="datetimeFigureOut">
               <a:rPr lang="ru-RU" smtClean="0"/>
-              <a:t>03.02.2025</a:t>
+              <a:t>04.02.2025</a:t>
             </a:fld>
             <a:endParaRPr lang="ru-RU"/>
           </a:p>
@@ -2252,7 +2596,7 @@
           <a:p>
             <a:fld id="{6D05CBBA-D782-497D-B3B5-452762B3B9E7}" type="datetimeFigureOut">
               <a:rPr lang="ru-RU" smtClean="0"/>
-              <a:t>03.02.2025</a:t>
+              <a:t>04.02.2025</a:t>
             </a:fld>
             <a:endParaRPr lang="ru-RU"/>
           </a:p>
@@ -2484,7 +2828,7 @@
           <a:p>
             <a:fld id="{6D05CBBA-D782-497D-B3B5-452762B3B9E7}" type="datetimeFigureOut">
               <a:rPr lang="ru-RU" smtClean="0"/>
-              <a:t>03.02.2025</a:t>
+              <a:t>04.02.2025</a:t>
             </a:fld>
             <a:endParaRPr lang="ru-RU"/>
           </a:p>
@@ -2851,7 +3195,7 @@
           <a:p>
             <a:fld id="{6D05CBBA-D782-497D-B3B5-452762B3B9E7}" type="datetimeFigureOut">
               <a:rPr lang="ru-RU" smtClean="0"/>
-              <a:t>03.02.2025</a:t>
+              <a:t>04.02.2025</a:t>
             </a:fld>
             <a:endParaRPr lang="ru-RU"/>
           </a:p>
@@ -2969,7 +3313,7 @@
           <a:p>
             <a:fld id="{6D05CBBA-D782-497D-B3B5-452762B3B9E7}" type="datetimeFigureOut">
               <a:rPr lang="ru-RU" smtClean="0"/>
-              <a:t>03.02.2025</a:t>
+              <a:t>04.02.2025</a:t>
             </a:fld>
             <a:endParaRPr lang="ru-RU"/>
           </a:p>
@@ -3064,7 +3408,7 @@
           <a:p>
             <a:fld id="{6D05CBBA-D782-497D-B3B5-452762B3B9E7}" type="datetimeFigureOut">
               <a:rPr lang="ru-RU" smtClean="0"/>
-              <a:t>03.02.2025</a:t>
+              <a:t>04.02.2025</a:t>
             </a:fld>
             <a:endParaRPr lang="ru-RU"/>
           </a:p>
@@ -3341,7 +3685,7 @@
           <a:p>
             <a:fld id="{6D05CBBA-D782-497D-B3B5-452762B3B9E7}" type="datetimeFigureOut">
               <a:rPr lang="ru-RU" smtClean="0"/>
-              <a:t>03.02.2025</a:t>
+              <a:t>04.02.2025</a:t>
             </a:fld>
             <a:endParaRPr lang="ru-RU"/>
           </a:p>
@@ -3598,7 +3942,7 @@
           <a:p>
             <a:fld id="{6D05CBBA-D782-497D-B3B5-452762B3B9E7}" type="datetimeFigureOut">
               <a:rPr lang="ru-RU" smtClean="0"/>
-              <a:t>03.02.2025</a:t>
+              <a:t>04.02.2025</a:t>
             </a:fld>
             <a:endParaRPr lang="ru-RU"/>
           </a:p>
@@ -3825,7 +4169,7 @@
           <a:p>
             <a:fld id="{6D05CBBA-D782-497D-B3B5-452762B3B9E7}" type="datetimeFigureOut">
               <a:rPr lang="ru-RU" smtClean="0"/>
-              <a:t>03.02.2025</a:t>
+              <a:t>04.02.2025</a:t>
             </a:fld>
             <a:endParaRPr lang="ru-RU"/>
           </a:p>
@@ -4898,1547 +5242,7 @@
 </p:sld>
 </file>
 
-<file path=ppt/slides/slide2.xml><?xml version="1.0" encoding="utf-8"?>
-<p:sld xmlns:a="http://schemas.openxmlformats.org/drawingml/2006/main" xmlns:r="http://schemas.openxmlformats.org/officeDocument/2006/relationships" xmlns:p="http://schemas.openxmlformats.org/presentationml/2006/main">
-  <p:cSld>
-    <p:spTree>
-      <p:nvGrpSpPr>
-        <p:cNvPr id="1" name=""/>
-        <p:cNvGrpSpPr/>
-        <p:nvPr/>
-      </p:nvGrpSpPr>
-      <p:grpSpPr>
-        <a:xfrm>
-          <a:off x="0" y="0"/>
-          <a:ext cx="0" cy="0"/>
-          <a:chOff x="0" y="0"/>
-          <a:chExt cx="0" cy="0"/>
-        </a:xfrm>
-      </p:grpSpPr>
-      <p:sp>
-        <p:nvSpPr>
-          <p:cNvPr id="2" name="Заголовок 1">
-            <a:extLst>
-              <a:ext uri="{FF2B5EF4-FFF2-40B4-BE49-F238E27FC236}">
-                <a16:creationId xmlns:a16="http://schemas.microsoft.com/office/drawing/2014/main" id="{E2FE65B6-44BA-6974-F610-DAB03FCD3803}"/>
-              </a:ext>
-            </a:extLst>
-          </p:cNvPr>
-          <p:cNvSpPr>
-            <a:spLocks noGrp="1"/>
-          </p:cNvSpPr>
-          <p:nvPr>
-            <p:ph type="title"/>
-          </p:nvPr>
-        </p:nvSpPr>
-        <p:spPr/>
-        <p:txBody>
-          <a:bodyPr/>
-          <a:lstStyle/>
-          <a:p>
-            <a:r>
-              <a:rPr lang="ru-RU" dirty="0">
-                <a:solidFill>
-                  <a:srgbClr val="DDDDDD"/>
-                </a:solidFill>
-              </a:rPr>
-              <a:t>Виды исключений</a:t>
-            </a:r>
-          </a:p>
-        </p:txBody>
-      </p:sp>
-      <p:pic>
-        <p:nvPicPr>
-          <p:cNvPr id="9" name="Рисунок 8">
-            <a:extLst>
-              <a:ext uri="{FF2B5EF4-FFF2-40B4-BE49-F238E27FC236}">
-                <a16:creationId xmlns:a16="http://schemas.microsoft.com/office/drawing/2014/main" id="{E6BFF640-F458-0105-6E74-1D55A49420BA}"/>
-              </a:ext>
-            </a:extLst>
-          </p:cNvPr>
-          <p:cNvPicPr>
-            <a:picLocks noChangeAspect="1"/>
-          </p:cNvPicPr>
-          <p:nvPr/>
-        </p:nvPicPr>
-        <p:blipFill>
-          <a:blip r:embed="rId3"/>
-          <a:srcRect t="6852"/>
-          <a:stretch/>
-        </p:blipFill>
-        <p:spPr>
-          <a:xfrm>
-            <a:off x="454887" y="657224"/>
-            <a:ext cx="11221175" cy="5610225"/>
-          </a:xfrm>
-          <a:prstGeom prst="rect">
-            <a:avLst/>
-          </a:prstGeom>
-        </p:spPr>
-      </p:pic>
-    </p:spTree>
-    <p:extLst>
-      <p:ext uri="{BB962C8B-B14F-4D97-AF65-F5344CB8AC3E}">
-        <p14:creationId xmlns:p14="http://schemas.microsoft.com/office/powerpoint/2010/main" val="3745668460"/>
-      </p:ext>
-    </p:extLst>
-  </p:cSld>
-  <p:clrMapOvr>
-    <a:masterClrMapping/>
-  </p:clrMapOvr>
-</p:sld>
-</file>
-
-<file path=ppt/slides/slide3.xml><?xml version="1.0" encoding="utf-8"?>
-<p:sld xmlns:a="http://schemas.openxmlformats.org/drawingml/2006/main" xmlns:r="http://schemas.openxmlformats.org/officeDocument/2006/relationships" xmlns:p="http://schemas.openxmlformats.org/presentationml/2006/main">
-  <p:cSld>
-    <p:spTree>
-      <p:nvGrpSpPr>
-        <p:cNvPr id="1" name=""/>
-        <p:cNvGrpSpPr/>
-        <p:nvPr/>
-      </p:nvGrpSpPr>
-      <p:grpSpPr>
-        <a:xfrm>
-          <a:off x="0" y="0"/>
-          <a:ext cx="0" cy="0"/>
-          <a:chOff x="0" y="0"/>
-          <a:chExt cx="0" cy="0"/>
-        </a:xfrm>
-      </p:grpSpPr>
-      <p:sp>
-        <p:nvSpPr>
-          <p:cNvPr id="2" name="Заголовок 1">
-            <a:extLst>
-              <a:ext uri="{FF2B5EF4-FFF2-40B4-BE49-F238E27FC236}">
-                <a16:creationId xmlns:a16="http://schemas.microsoft.com/office/drawing/2014/main" id="{E2FE65B6-44BA-6974-F610-DAB03FCD3803}"/>
-              </a:ext>
-            </a:extLst>
-          </p:cNvPr>
-          <p:cNvSpPr>
-            <a:spLocks noGrp="1"/>
-          </p:cNvSpPr>
-          <p:nvPr>
-            <p:ph type="title"/>
-          </p:nvPr>
-        </p:nvSpPr>
-        <p:spPr/>
-        <p:txBody>
-          <a:bodyPr/>
-          <a:lstStyle/>
-          <a:p>
-            <a:r>
-              <a:rPr lang="ru-RU" dirty="0">
-                <a:solidFill>
-                  <a:srgbClr val="DDDDDD"/>
-                </a:solidFill>
-              </a:rPr>
-              <a:t>Отличия</a:t>
-            </a:r>
-            <a:r>
-              <a:rPr lang="en-US" dirty="0">
-                <a:solidFill>
-                  <a:srgbClr val="DDDDDD"/>
-                </a:solidFill>
-              </a:rPr>
-              <a:t> checked </a:t>
-            </a:r>
-            <a:r>
-              <a:rPr lang="ru-RU" dirty="0">
-                <a:solidFill>
-                  <a:srgbClr val="DDDDDD"/>
-                </a:solidFill>
-              </a:rPr>
-              <a:t>от</a:t>
-            </a:r>
-            <a:r>
-              <a:rPr lang="en-US" dirty="0">
-                <a:solidFill>
-                  <a:srgbClr val="DDDDDD"/>
-                </a:solidFill>
-              </a:rPr>
-              <a:t> unchecked </a:t>
-            </a:r>
-            <a:endParaRPr lang="ru-RU" dirty="0">
-              <a:solidFill>
-                <a:srgbClr val="DDDDDD"/>
-              </a:solidFill>
-            </a:endParaRPr>
-          </a:p>
-        </p:txBody>
-      </p:sp>
-      <p:sp>
-        <p:nvSpPr>
-          <p:cNvPr id="18" name="Объект 2">
-            <a:extLst>
-              <a:ext uri="{FF2B5EF4-FFF2-40B4-BE49-F238E27FC236}">
-                <a16:creationId xmlns:a16="http://schemas.microsoft.com/office/drawing/2014/main" id="{26A79860-9805-7924-0E54-0F8D8AA9482A}"/>
-              </a:ext>
-            </a:extLst>
-          </p:cNvPr>
-          <p:cNvSpPr txBox="1">
-            <a:spLocks/>
-          </p:cNvSpPr>
-          <p:nvPr/>
-        </p:nvSpPr>
-        <p:spPr>
-          <a:xfrm>
-            <a:off x="515939" y="657225"/>
-            <a:ext cx="11160124" cy="1260475"/>
-          </a:xfrm>
-          <a:prstGeom prst="rect">
-            <a:avLst/>
-          </a:prstGeom>
-          <a:solidFill>
-            <a:srgbClr val="171717"/>
-          </a:solidFill>
-        </p:spPr>
-        <p:txBody>
-          <a:bodyPr vert="horz" lIns="91440" tIns="45720" rIns="91440" bIns="45720" rtlCol="0">
-            <a:normAutofit/>
-          </a:bodyPr>
-          <a:lstStyle>
-            <a:lvl1pPr marL="228600" indent="-228600" algn="l" defTabSz="914400" rtl="0" eaLnBrk="1" latinLnBrk="0" hangingPunct="1">
-              <a:lnSpc>
-                <a:spcPct val="90000"/>
-              </a:lnSpc>
-              <a:spcBef>
-                <a:spcPts val="1000"/>
-              </a:spcBef>
-              <a:buFont typeface="Arial" panose="020B0604020202020204" pitchFamily="34" charset="0"/>
-              <a:buChar char="•"/>
-              <a:defRPr sz="1600" kern="1200">
-                <a:solidFill>
-                  <a:srgbClr val="DDDDDD"/>
-                </a:solidFill>
-                <a:latin typeface="Arial" panose="020B0604020202020204" pitchFamily="34" charset="0"/>
-                <a:ea typeface="+mn-ea"/>
-                <a:cs typeface="Arial" panose="020B0604020202020204" pitchFamily="34" charset="0"/>
-              </a:defRPr>
-            </a:lvl1pPr>
-            <a:lvl2pPr marL="685800" indent="-228600" algn="l" defTabSz="914400" rtl="0" eaLnBrk="1" latinLnBrk="0" hangingPunct="1">
-              <a:lnSpc>
-                <a:spcPct val="90000"/>
-              </a:lnSpc>
-              <a:spcBef>
-                <a:spcPts val="500"/>
-              </a:spcBef>
-              <a:buFont typeface="Arial" panose="020B0604020202020204" pitchFamily="34" charset="0"/>
-              <a:buChar char="•"/>
-              <a:defRPr sz="1600" kern="1200">
-                <a:solidFill>
-                  <a:srgbClr val="DDDDDD"/>
-                </a:solidFill>
-                <a:latin typeface="Arial" panose="020B0604020202020204" pitchFamily="34" charset="0"/>
-                <a:ea typeface="+mn-ea"/>
-                <a:cs typeface="Arial" panose="020B0604020202020204" pitchFamily="34" charset="0"/>
-              </a:defRPr>
-            </a:lvl2pPr>
-            <a:lvl3pPr marL="1143000" indent="-228600" algn="l" defTabSz="914400" rtl="0" eaLnBrk="1" latinLnBrk="0" hangingPunct="1">
-              <a:lnSpc>
-                <a:spcPct val="90000"/>
-              </a:lnSpc>
-              <a:spcBef>
-                <a:spcPts val="500"/>
-              </a:spcBef>
-              <a:buFont typeface="Arial" panose="020B0604020202020204" pitchFamily="34" charset="0"/>
-              <a:buChar char="•"/>
-              <a:defRPr sz="1600" kern="1200">
-                <a:solidFill>
-                  <a:srgbClr val="DDDDDD"/>
-                </a:solidFill>
-                <a:latin typeface="Arial" panose="020B0604020202020204" pitchFamily="34" charset="0"/>
-                <a:ea typeface="+mn-ea"/>
-                <a:cs typeface="Arial" panose="020B0604020202020204" pitchFamily="34" charset="0"/>
-              </a:defRPr>
-            </a:lvl3pPr>
-            <a:lvl4pPr marL="1600200" indent="-228600" algn="l" defTabSz="914400" rtl="0" eaLnBrk="1" latinLnBrk="0" hangingPunct="1">
-              <a:lnSpc>
-                <a:spcPct val="90000"/>
-              </a:lnSpc>
-              <a:spcBef>
-                <a:spcPts val="500"/>
-              </a:spcBef>
-              <a:buFont typeface="Arial" panose="020B0604020202020204" pitchFamily="34" charset="0"/>
-              <a:buChar char="•"/>
-              <a:defRPr sz="1400" kern="1200">
-                <a:solidFill>
-                  <a:srgbClr val="DDDDDD"/>
-                </a:solidFill>
-                <a:latin typeface="Arial" panose="020B0604020202020204" pitchFamily="34" charset="0"/>
-                <a:ea typeface="+mn-ea"/>
-                <a:cs typeface="Arial" panose="020B0604020202020204" pitchFamily="34" charset="0"/>
-              </a:defRPr>
-            </a:lvl4pPr>
-            <a:lvl5pPr marL="2057400" indent="-228600" algn="l" defTabSz="914400" rtl="0" eaLnBrk="1" latinLnBrk="0" hangingPunct="1">
-              <a:lnSpc>
-                <a:spcPct val="90000"/>
-              </a:lnSpc>
-              <a:spcBef>
-                <a:spcPts val="500"/>
-              </a:spcBef>
-              <a:buFont typeface="Arial" panose="020B0604020202020204" pitchFamily="34" charset="0"/>
-              <a:buChar char="•"/>
-              <a:defRPr sz="1400" kern="1200">
-                <a:solidFill>
-                  <a:srgbClr val="DDDDDD"/>
-                </a:solidFill>
-                <a:latin typeface="Arial" panose="020B0604020202020204" pitchFamily="34" charset="0"/>
-                <a:ea typeface="+mn-ea"/>
-                <a:cs typeface="Arial" panose="020B0604020202020204" pitchFamily="34" charset="0"/>
-              </a:defRPr>
-            </a:lvl5pPr>
-            <a:lvl6pPr marL="2514600" indent="-228600" algn="l" defTabSz="914400" rtl="0" eaLnBrk="1" latinLnBrk="0" hangingPunct="1">
-              <a:lnSpc>
-                <a:spcPct val="90000"/>
-              </a:lnSpc>
-              <a:spcBef>
-                <a:spcPts val="500"/>
-              </a:spcBef>
-              <a:buFont typeface="Arial" panose="020B0604020202020204" pitchFamily="34" charset="0"/>
-              <a:buChar char="•"/>
-              <a:defRPr sz="1800" kern="1200">
-                <a:solidFill>
-                  <a:schemeClr val="tx1"/>
-                </a:solidFill>
-                <a:latin typeface="+mn-lt"/>
-                <a:ea typeface="+mn-ea"/>
-                <a:cs typeface="+mn-cs"/>
-              </a:defRPr>
-            </a:lvl6pPr>
-            <a:lvl7pPr marL="2971800" indent="-228600" algn="l" defTabSz="914400" rtl="0" eaLnBrk="1" latinLnBrk="0" hangingPunct="1">
-              <a:lnSpc>
-                <a:spcPct val="90000"/>
-              </a:lnSpc>
-              <a:spcBef>
-                <a:spcPts val="500"/>
-              </a:spcBef>
-              <a:buFont typeface="Arial" panose="020B0604020202020204" pitchFamily="34" charset="0"/>
-              <a:buChar char="•"/>
-              <a:defRPr sz="1800" kern="1200">
-                <a:solidFill>
-                  <a:schemeClr val="tx1"/>
-                </a:solidFill>
-                <a:latin typeface="+mn-lt"/>
-                <a:ea typeface="+mn-ea"/>
-                <a:cs typeface="+mn-cs"/>
-              </a:defRPr>
-            </a:lvl7pPr>
-            <a:lvl8pPr marL="3429000" indent="-228600" algn="l" defTabSz="914400" rtl="0" eaLnBrk="1" latinLnBrk="0" hangingPunct="1">
-              <a:lnSpc>
-                <a:spcPct val="90000"/>
-              </a:lnSpc>
-              <a:spcBef>
-                <a:spcPts val="500"/>
-              </a:spcBef>
-              <a:buFont typeface="Arial" panose="020B0604020202020204" pitchFamily="34" charset="0"/>
-              <a:buChar char="•"/>
-              <a:defRPr sz="1800" kern="1200">
-                <a:solidFill>
-                  <a:schemeClr val="tx1"/>
-                </a:solidFill>
-                <a:latin typeface="+mn-lt"/>
-                <a:ea typeface="+mn-ea"/>
-                <a:cs typeface="+mn-cs"/>
-              </a:defRPr>
-            </a:lvl8pPr>
-            <a:lvl9pPr marL="3886200" indent="-228600" algn="l" defTabSz="914400" rtl="0" eaLnBrk="1" latinLnBrk="0" hangingPunct="1">
-              <a:lnSpc>
-                <a:spcPct val="90000"/>
-              </a:lnSpc>
-              <a:spcBef>
-                <a:spcPts val="500"/>
-              </a:spcBef>
-              <a:buFont typeface="Arial" panose="020B0604020202020204" pitchFamily="34" charset="0"/>
-              <a:buChar char="•"/>
-              <a:defRPr sz="1800" kern="1200">
-                <a:solidFill>
-                  <a:schemeClr val="tx1"/>
-                </a:solidFill>
-                <a:latin typeface="+mn-lt"/>
-                <a:ea typeface="+mn-ea"/>
-                <a:cs typeface="+mn-cs"/>
-              </a:defRPr>
-            </a:lvl9pPr>
-          </a:lstStyle>
-          <a:p>
-            <a:pPr marL="0" indent="0">
-              <a:buNone/>
-            </a:pPr>
-            <a:r>
-              <a:rPr lang="ru-RU" dirty="0"/>
-              <a:t>Если метод выбрасывает </a:t>
-            </a:r>
-            <a:r>
-              <a:rPr lang="en-US" dirty="0">
-                <a:solidFill>
-                  <a:srgbClr val="FF423F"/>
-                </a:solidFill>
-              </a:rPr>
-              <a:t>checked</a:t>
-            </a:r>
-            <a:r>
-              <a:rPr lang="en-US" dirty="0"/>
-              <a:t> </a:t>
-            </a:r>
-            <a:r>
-              <a:rPr lang="ru-RU" dirty="0"/>
-              <a:t>исключение, то он должен содержать в своем заголовке тип этого исключения (в сигнатуре) после </a:t>
-            </a:r>
-            <a:r>
-              <a:rPr lang="en-US" dirty="0">
-                <a:solidFill>
-                  <a:srgbClr val="CC7832"/>
-                </a:solidFill>
-              </a:rPr>
-              <a:t>throws</a:t>
-            </a:r>
-            <a:r>
-              <a:rPr lang="ru-RU" dirty="0"/>
-              <a:t>. Вызывающие методы должны быть в курсе возможного исключения.</a:t>
-            </a:r>
-          </a:p>
-          <a:p>
-            <a:pPr marL="0" indent="0">
-              <a:buNone/>
-            </a:pPr>
-            <a:r>
-              <a:rPr lang="en-US" dirty="0"/>
-              <a:t> </a:t>
-            </a:r>
-            <a:endParaRPr lang="ru-RU" dirty="0"/>
-          </a:p>
-          <a:p>
-            <a:pPr marL="0" indent="0">
-              <a:buNone/>
-            </a:pPr>
-            <a:r>
-              <a:rPr lang="ru-RU" dirty="0"/>
-              <a:t>Если метод планирует выкинуть несколько исключений, то их можно </a:t>
-            </a:r>
-            <a:r>
-              <a:rPr lang="ru-RU" dirty="0">
-                <a:solidFill>
-                  <a:srgbClr val="BC5CFF"/>
-                </a:solidFill>
-              </a:rPr>
-              <a:t>перечислить через запятую.</a:t>
-            </a:r>
-          </a:p>
-          <a:p>
-            <a:pPr marL="342900" indent="-342900">
-              <a:buFont typeface="+mj-lt"/>
-              <a:buAutoNum type="arabicPeriod"/>
-            </a:pPr>
-            <a:endParaRPr lang="ru-RU" dirty="0"/>
-          </a:p>
-        </p:txBody>
-      </p:sp>
-      <p:pic>
-        <p:nvPicPr>
-          <p:cNvPr id="20" name="Рисунок 19">
-            <a:extLst>
-              <a:ext uri="{FF2B5EF4-FFF2-40B4-BE49-F238E27FC236}">
-                <a16:creationId xmlns:a16="http://schemas.microsoft.com/office/drawing/2014/main" id="{F2DE9B13-7C68-7D4F-7C07-0E1B129CA39A}"/>
-              </a:ext>
-            </a:extLst>
-          </p:cNvPr>
-          <p:cNvPicPr>
-            <a:picLocks noChangeAspect="1"/>
-          </p:cNvPicPr>
-          <p:nvPr/>
-        </p:nvPicPr>
-        <p:blipFill>
-          <a:blip r:embed="rId3"/>
-          <a:srcRect r="9440"/>
-          <a:stretch/>
-        </p:blipFill>
-        <p:spPr>
-          <a:xfrm>
-            <a:off x="2751138" y="2180664"/>
-            <a:ext cx="6176962" cy="4020111"/>
-          </a:xfrm>
-          <a:prstGeom prst="rect">
-            <a:avLst/>
-          </a:prstGeom>
-        </p:spPr>
-      </p:pic>
-    </p:spTree>
-    <p:extLst>
-      <p:ext uri="{BB962C8B-B14F-4D97-AF65-F5344CB8AC3E}">
-        <p14:creationId xmlns:p14="http://schemas.microsoft.com/office/powerpoint/2010/main" val="1220026050"/>
-      </p:ext>
-    </p:extLst>
-  </p:cSld>
-  <p:clrMapOvr>
-    <a:masterClrMapping/>
-  </p:clrMapOvr>
-</p:sld>
-</file>
-
-<file path=ppt/slides/slide4.xml><?xml version="1.0" encoding="utf-8"?>
-<p:sld xmlns:a="http://schemas.openxmlformats.org/drawingml/2006/main" xmlns:r="http://schemas.openxmlformats.org/officeDocument/2006/relationships" xmlns:p="http://schemas.openxmlformats.org/presentationml/2006/main">
-  <p:cSld>
-    <p:spTree>
-      <p:nvGrpSpPr>
-        <p:cNvPr id="1" name=""/>
-        <p:cNvGrpSpPr/>
-        <p:nvPr/>
-      </p:nvGrpSpPr>
-      <p:grpSpPr>
-        <a:xfrm>
-          <a:off x="0" y="0"/>
-          <a:ext cx="0" cy="0"/>
-          <a:chOff x="0" y="0"/>
-          <a:chExt cx="0" cy="0"/>
-        </a:xfrm>
-      </p:grpSpPr>
-      <p:sp>
-        <p:nvSpPr>
-          <p:cNvPr id="2" name="Заголовок 1">
-            <a:extLst>
-              <a:ext uri="{FF2B5EF4-FFF2-40B4-BE49-F238E27FC236}">
-                <a16:creationId xmlns:a16="http://schemas.microsoft.com/office/drawing/2014/main" id="{E2FE65B6-44BA-6974-F610-DAB03FCD3803}"/>
-              </a:ext>
-            </a:extLst>
-          </p:cNvPr>
-          <p:cNvSpPr>
-            <a:spLocks noGrp="1"/>
-          </p:cNvSpPr>
-          <p:nvPr>
-            <p:ph type="title"/>
-          </p:nvPr>
-        </p:nvSpPr>
-        <p:spPr/>
-        <p:txBody>
-          <a:bodyPr/>
-          <a:lstStyle/>
-          <a:p>
-            <a:r>
-              <a:rPr lang="ru-RU" dirty="0">
-                <a:solidFill>
-                  <a:srgbClr val="DDDDDD"/>
-                </a:solidFill>
-              </a:rPr>
-              <a:t>Отличия</a:t>
-            </a:r>
-            <a:r>
-              <a:rPr lang="en-US" dirty="0">
-                <a:solidFill>
-                  <a:srgbClr val="DDDDDD"/>
-                </a:solidFill>
-              </a:rPr>
-              <a:t> checked </a:t>
-            </a:r>
-            <a:r>
-              <a:rPr lang="ru-RU" dirty="0">
-                <a:solidFill>
-                  <a:srgbClr val="DDDDDD"/>
-                </a:solidFill>
-              </a:rPr>
-              <a:t>от</a:t>
-            </a:r>
-            <a:r>
-              <a:rPr lang="en-US" dirty="0">
-                <a:solidFill>
-                  <a:srgbClr val="DDDDDD"/>
-                </a:solidFill>
-              </a:rPr>
-              <a:t> unchecked </a:t>
-            </a:r>
-            <a:endParaRPr lang="ru-RU" dirty="0">
-              <a:solidFill>
-                <a:srgbClr val="DDDDDD"/>
-              </a:solidFill>
-            </a:endParaRPr>
-          </a:p>
-        </p:txBody>
-      </p:sp>
-      <p:sp>
-        <p:nvSpPr>
-          <p:cNvPr id="18" name="Объект 2">
-            <a:extLst>
-              <a:ext uri="{FF2B5EF4-FFF2-40B4-BE49-F238E27FC236}">
-                <a16:creationId xmlns:a16="http://schemas.microsoft.com/office/drawing/2014/main" id="{26A79860-9805-7924-0E54-0F8D8AA9482A}"/>
-              </a:ext>
-            </a:extLst>
-          </p:cNvPr>
-          <p:cNvSpPr txBox="1">
-            <a:spLocks/>
-          </p:cNvSpPr>
-          <p:nvPr/>
-        </p:nvSpPr>
-        <p:spPr>
-          <a:xfrm>
-            <a:off x="515939" y="657225"/>
-            <a:ext cx="11160124" cy="765175"/>
-          </a:xfrm>
-          <a:prstGeom prst="rect">
-            <a:avLst/>
-          </a:prstGeom>
-          <a:solidFill>
-            <a:srgbClr val="171717"/>
-          </a:solidFill>
-        </p:spPr>
-        <p:txBody>
-          <a:bodyPr vert="horz" lIns="91440" tIns="45720" rIns="91440" bIns="45720" rtlCol="0">
-            <a:normAutofit/>
-          </a:bodyPr>
-          <a:lstStyle>
-            <a:lvl1pPr marL="228600" indent="-228600" algn="l" defTabSz="914400" rtl="0" eaLnBrk="1" latinLnBrk="0" hangingPunct="1">
-              <a:lnSpc>
-                <a:spcPct val="90000"/>
-              </a:lnSpc>
-              <a:spcBef>
-                <a:spcPts val="1000"/>
-              </a:spcBef>
-              <a:buFont typeface="Arial" panose="020B0604020202020204" pitchFamily="34" charset="0"/>
-              <a:buChar char="•"/>
-              <a:defRPr sz="1600" kern="1200">
-                <a:solidFill>
-                  <a:srgbClr val="DDDDDD"/>
-                </a:solidFill>
-                <a:latin typeface="Arial" panose="020B0604020202020204" pitchFamily="34" charset="0"/>
-                <a:ea typeface="+mn-ea"/>
-                <a:cs typeface="Arial" panose="020B0604020202020204" pitchFamily="34" charset="0"/>
-              </a:defRPr>
-            </a:lvl1pPr>
-            <a:lvl2pPr marL="685800" indent="-228600" algn="l" defTabSz="914400" rtl="0" eaLnBrk="1" latinLnBrk="0" hangingPunct="1">
-              <a:lnSpc>
-                <a:spcPct val="90000"/>
-              </a:lnSpc>
-              <a:spcBef>
-                <a:spcPts val="500"/>
-              </a:spcBef>
-              <a:buFont typeface="Arial" panose="020B0604020202020204" pitchFamily="34" charset="0"/>
-              <a:buChar char="•"/>
-              <a:defRPr sz="1600" kern="1200">
-                <a:solidFill>
-                  <a:srgbClr val="DDDDDD"/>
-                </a:solidFill>
-                <a:latin typeface="Arial" panose="020B0604020202020204" pitchFamily="34" charset="0"/>
-                <a:ea typeface="+mn-ea"/>
-                <a:cs typeface="Arial" panose="020B0604020202020204" pitchFamily="34" charset="0"/>
-              </a:defRPr>
-            </a:lvl2pPr>
-            <a:lvl3pPr marL="1143000" indent="-228600" algn="l" defTabSz="914400" rtl="0" eaLnBrk="1" latinLnBrk="0" hangingPunct="1">
-              <a:lnSpc>
-                <a:spcPct val="90000"/>
-              </a:lnSpc>
-              <a:spcBef>
-                <a:spcPts val="500"/>
-              </a:spcBef>
-              <a:buFont typeface="Arial" panose="020B0604020202020204" pitchFamily="34" charset="0"/>
-              <a:buChar char="•"/>
-              <a:defRPr sz="1600" kern="1200">
-                <a:solidFill>
-                  <a:srgbClr val="DDDDDD"/>
-                </a:solidFill>
-                <a:latin typeface="Arial" panose="020B0604020202020204" pitchFamily="34" charset="0"/>
-                <a:ea typeface="+mn-ea"/>
-                <a:cs typeface="Arial" panose="020B0604020202020204" pitchFamily="34" charset="0"/>
-              </a:defRPr>
-            </a:lvl3pPr>
-            <a:lvl4pPr marL="1600200" indent="-228600" algn="l" defTabSz="914400" rtl="0" eaLnBrk="1" latinLnBrk="0" hangingPunct="1">
-              <a:lnSpc>
-                <a:spcPct val="90000"/>
-              </a:lnSpc>
-              <a:spcBef>
-                <a:spcPts val="500"/>
-              </a:spcBef>
-              <a:buFont typeface="Arial" panose="020B0604020202020204" pitchFamily="34" charset="0"/>
-              <a:buChar char="•"/>
-              <a:defRPr sz="1400" kern="1200">
-                <a:solidFill>
-                  <a:srgbClr val="DDDDDD"/>
-                </a:solidFill>
-                <a:latin typeface="Arial" panose="020B0604020202020204" pitchFamily="34" charset="0"/>
-                <a:ea typeface="+mn-ea"/>
-                <a:cs typeface="Arial" panose="020B0604020202020204" pitchFamily="34" charset="0"/>
-              </a:defRPr>
-            </a:lvl4pPr>
-            <a:lvl5pPr marL="2057400" indent="-228600" algn="l" defTabSz="914400" rtl="0" eaLnBrk="1" latinLnBrk="0" hangingPunct="1">
-              <a:lnSpc>
-                <a:spcPct val="90000"/>
-              </a:lnSpc>
-              <a:spcBef>
-                <a:spcPts val="500"/>
-              </a:spcBef>
-              <a:buFont typeface="Arial" panose="020B0604020202020204" pitchFamily="34" charset="0"/>
-              <a:buChar char="•"/>
-              <a:defRPr sz="1400" kern="1200">
-                <a:solidFill>
-                  <a:srgbClr val="DDDDDD"/>
-                </a:solidFill>
-                <a:latin typeface="Arial" panose="020B0604020202020204" pitchFamily="34" charset="0"/>
-                <a:ea typeface="+mn-ea"/>
-                <a:cs typeface="Arial" panose="020B0604020202020204" pitchFamily="34" charset="0"/>
-              </a:defRPr>
-            </a:lvl5pPr>
-            <a:lvl6pPr marL="2514600" indent="-228600" algn="l" defTabSz="914400" rtl="0" eaLnBrk="1" latinLnBrk="0" hangingPunct="1">
-              <a:lnSpc>
-                <a:spcPct val="90000"/>
-              </a:lnSpc>
-              <a:spcBef>
-                <a:spcPts val="500"/>
-              </a:spcBef>
-              <a:buFont typeface="Arial" panose="020B0604020202020204" pitchFamily="34" charset="0"/>
-              <a:buChar char="•"/>
-              <a:defRPr sz="1800" kern="1200">
-                <a:solidFill>
-                  <a:schemeClr val="tx1"/>
-                </a:solidFill>
-                <a:latin typeface="+mn-lt"/>
-                <a:ea typeface="+mn-ea"/>
-                <a:cs typeface="+mn-cs"/>
-              </a:defRPr>
-            </a:lvl6pPr>
-            <a:lvl7pPr marL="2971800" indent="-228600" algn="l" defTabSz="914400" rtl="0" eaLnBrk="1" latinLnBrk="0" hangingPunct="1">
-              <a:lnSpc>
-                <a:spcPct val="90000"/>
-              </a:lnSpc>
-              <a:spcBef>
-                <a:spcPts val="500"/>
-              </a:spcBef>
-              <a:buFont typeface="Arial" panose="020B0604020202020204" pitchFamily="34" charset="0"/>
-              <a:buChar char="•"/>
-              <a:defRPr sz="1800" kern="1200">
-                <a:solidFill>
-                  <a:schemeClr val="tx1"/>
-                </a:solidFill>
-                <a:latin typeface="+mn-lt"/>
-                <a:ea typeface="+mn-ea"/>
-                <a:cs typeface="+mn-cs"/>
-              </a:defRPr>
-            </a:lvl7pPr>
-            <a:lvl8pPr marL="3429000" indent="-228600" algn="l" defTabSz="914400" rtl="0" eaLnBrk="1" latinLnBrk="0" hangingPunct="1">
-              <a:lnSpc>
-                <a:spcPct val="90000"/>
-              </a:lnSpc>
-              <a:spcBef>
-                <a:spcPts val="500"/>
-              </a:spcBef>
-              <a:buFont typeface="Arial" panose="020B0604020202020204" pitchFamily="34" charset="0"/>
-              <a:buChar char="•"/>
-              <a:defRPr sz="1800" kern="1200">
-                <a:solidFill>
-                  <a:schemeClr val="tx1"/>
-                </a:solidFill>
-                <a:latin typeface="+mn-lt"/>
-                <a:ea typeface="+mn-ea"/>
-                <a:cs typeface="+mn-cs"/>
-              </a:defRPr>
-            </a:lvl8pPr>
-            <a:lvl9pPr marL="3886200" indent="-228600" algn="l" defTabSz="914400" rtl="0" eaLnBrk="1" latinLnBrk="0" hangingPunct="1">
-              <a:lnSpc>
-                <a:spcPct val="90000"/>
-              </a:lnSpc>
-              <a:spcBef>
-                <a:spcPts val="500"/>
-              </a:spcBef>
-              <a:buFont typeface="Arial" panose="020B0604020202020204" pitchFamily="34" charset="0"/>
-              <a:buChar char="•"/>
-              <a:defRPr sz="1800" kern="1200">
-                <a:solidFill>
-                  <a:schemeClr val="tx1"/>
-                </a:solidFill>
-                <a:latin typeface="+mn-lt"/>
-                <a:ea typeface="+mn-ea"/>
-                <a:cs typeface="+mn-cs"/>
-              </a:defRPr>
-            </a:lvl9pPr>
-          </a:lstStyle>
-          <a:p>
-            <a:pPr marL="0" indent="0">
-              <a:buNone/>
-            </a:pPr>
-            <a:r>
-              <a:rPr lang="en-US" b="1" dirty="0">
-                <a:solidFill>
-                  <a:srgbClr val="FF423F"/>
-                </a:solidFill>
-              </a:rPr>
-              <a:t>Checked</a:t>
-            </a:r>
-            <a:r>
-              <a:rPr lang="en-US" dirty="0"/>
-              <a:t> </a:t>
-            </a:r>
-            <a:r>
-              <a:rPr lang="ru-RU" dirty="0"/>
-              <a:t>исключения проверяются на этапе компиляции: компилятор требует, чтобы </a:t>
-            </a:r>
-            <a:r>
-              <a:rPr lang="ru-RU" b="1" dirty="0" err="1">
-                <a:solidFill>
-                  <a:srgbClr val="FF423F"/>
-                </a:solidFill>
-              </a:rPr>
-              <a:t>checked</a:t>
-            </a:r>
-            <a:r>
-              <a:rPr lang="ru-RU" dirty="0"/>
-              <a:t> исключения либо были обработаны с помощью </a:t>
-            </a:r>
-            <a:r>
-              <a:rPr lang="ru-RU" dirty="0" err="1">
-                <a:solidFill>
-                  <a:srgbClr val="BC5CFF"/>
-                </a:solidFill>
-              </a:rPr>
-              <a:t>try-catch</a:t>
-            </a:r>
-            <a:r>
-              <a:rPr lang="ru-RU" dirty="0"/>
-              <a:t>, либо проброшены и объявлены в сигнатуре метода с помощью </a:t>
-            </a:r>
-            <a:r>
-              <a:rPr lang="ru-RU" dirty="0" err="1">
-                <a:solidFill>
-                  <a:srgbClr val="BC5CFF"/>
-                </a:solidFill>
-              </a:rPr>
-              <a:t>throws</a:t>
-            </a:r>
-            <a:r>
-              <a:rPr lang="ru-RU" dirty="0"/>
-              <a:t>.</a:t>
-            </a:r>
-          </a:p>
-          <a:p>
-            <a:pPr marL="0" indent="0">
-              <a:buNone/>
-            </a:pPr>
-            <a:endParaRPr lang="ru-RU" dirty="0"/>
-          </a:p>
-        </p:txBody>
-      </p:sp>
-      <p:pic>
-        <p:nvPicPr>
-          <p:cNvPr id="4" name="Рисунок 3">
-            <a:extLst>
-              <a:ext uri="{FF2B5EF4-FFF2-40B4-BE49-F238E27FC236}">
-                <a16:creationId xmlns:a16="http://schemas.microsoft.com/office/drawing/2014/main" id="{8417A67A-E84C-B1FD-663D-49AB4EFF0DF2}"/>
-              </a:ext>
-            </a:extLst>
-          </p:cNvPr>
-          <p:cNvPicPr>
-            <a:picLocks noChangeAspect="1"/>
-          </p:cNvPicPr>
-          <p:nvPr/>
-        </p:nvPicPr>
-        <p:blipFill>
-          <a:blip r:embed="rId3"/>
-          <a:stretch>
-            <a:fillRect/>
-          </a:stretch>
-        </p:blipFill>
-        <p:spPr>
-          <a:xfrm>
-            <a:off x="2437874" y="1585829"/>
-            <a:ext cx="7544853" cy="2257740"/>
-          </a:xfrm>
-          <a:prstGeom prst="rect">
-            <a:avLst/>
-          </a:prstGeom>
-        </p:spPr>
-      </p:pic>
-      <p:sp>
-        <p:nvSpPr>
-          <p:cNvPr id="5" name="Объект 2">
-            <a:extLst>
-              <a:ext uri="{FF2B5EF4-FFF2-40B4-BE49-F238E27FC236}">
-                <a16:creationId xmlns:a16="http://schemas.microsoft.com/office/drawing/2014/main" id="{EA5A3950-0F0A-C92E-323F-376BFA497E2E}"/>
-              </a:ext>
-            </a:extLst>
-          </p:cNvPr>
-          <p:cNvSpPr txBox="1">
-            <a:spLocks/>
-          </p:cNvSpPr>
-          <p:nvPr/>
-        </p:nvSpPr>
-        <p:spPr>
-          <a:xfrm>
-            <a:off x="630239" y="4259327"/>
-            <a:ext cx="11160124" cy="1941448"/>
-          </a:xfrm>
-          <a:prstGeom prst="rect">
-            <a:avLst/>
-          </a:prstGeom>
-          <a:solidFill>
-            <a:srgbClr val="171717"/>
-          </a:solidFill>
-        </p:spPr>
-        <p:txBody>
-          <a:bodyPr vert="horz" lIns="91440" tIns="45720" rIns="91440" bIns="45720" rtlCol="0">
-            <a:normAutofit/>
-          </a:bodyPr>
-          <a:lstStyle>
-            <a:lvl1pPr marL="228600" indent="-228600" algn="l" defTabSz="914400" rtl="0" eaLnBrk="1" latinLnBrk="0" hangingPunct="1">
-              <a:lnSpc>
-                <a:spcPct val="90000"/>
-              </a:lnSpc>
-              <a:spcBef>
-                <a:spcPts val="1000"/>
-              </a:spcBef>
-              <a:buFont typeface="Arial" panose="020B0604020202020204" pitchFamily="34" charset="0"/>
-              <a:buChar char="•"/>
-              <a:defRPr sz="1600" kern="1200">
-                <a:solidFill>
-                  <a:srgbClr val="DDDDDD"/>
-                </a:solidFill>
-                <a:latin typeface="Arial" panose="020B0604020202020204" pitchFamily="34" charset="0"/>
-                <a:ea typeface="+mn-ea"/>
-                <a:cs typeface="Arial" panose="020B0604020202020204" pitchFamily="34" charset="0"/>
-              </a:defRPr>
-            </a:lvl1pPr>
-            <a:lvl2pPr marL="685800" indent="-228600" algn="l" defTabSz="914400" rtl="0" eaLnBrk="1" latinLnBrk="0" hangingPunct="1">
-              <a:lnSpc>
-                <a:spcPct val="90000"/>
-              </a:lnSpc>
-              <a:spcBef>
-                <a:spcPts val="500"/>
-              </a:spcBef>
-              <a:buFont typeface="Arial" panose="020B0604020202020204" pitchFamily="34" charset="0"/>
-              <a:buChar char="•"/>
-              <a:defRPr sz="1600" kern="1200">
-                <a:solidFill>
-                  <a:srgbClr val="DDDDDD"/>
-                </a:solidFill>
-                <a:latin typeface="Arial" panose="020B0604020202020204" pitchFamily="34" charset="0"/>
-                <a:ea typeface="+mn-ea"/>
-                <a:cs typeface="Arial" panose="020B0604020202020204" pitchFamily="34" charset="0"/>
-              </a:defRPr>
-            </a:lvl2pPr>
-            <a:lvl3pPr marL="1143000" indent="-228600" algn="l" defTabSz="914400" rtl="0" eaLnBrk="1" latinLnBrk="0" hangingPunct="1">
-              <a:lnSpc>
-                <a:spcPct val="90000"/>
-              </a:lnSpc>
-              <a:spcBef>
-                <a:spcPts val="500"/>
-              </a:spcBef>
-              <a:buFont typeface="Arial" panose="020B0604020202020204" pitchFamily="34" charset="0"/>
-              <a:buChar char="•"/>
-              <a:defRPr sz="1600" kern="1200">
-                <a:solidFill>
-                  <a:srgbClr val="DDDDDD"/>
-                </a:solidFill>
-                <a:latin typeface="Arial" panose="020B0604020202020204" pitchFamily="34" charset="0"/>
-                <a:ea typeface="+mn-ea"/>
-                <a:cs typeface="Arial" panose="020B0604020202020204" pitchFamily="34" charset="0"/>
-              </a:defRPr>
-            </a:lvl3pPr>
-            <a:lvl4pPr marL="1600200" indent="-228600" algn="l" defTabSz="914400" rtl="0" eaLnBrk="1" latinLnBrk="0" hangingPunct="1">
-              <a:lnSpc>
-                <a:spcPct val="90000"/>
-              </a:lnSpc>
-              <a:spcBef>
-                <a:spcPts val="500"/>
-              </a:spcBef>
-              <a:buFont typeface="Arial" panose="020B0604020202020204" pitchFamily="34" charset="0"/>
-              <a:buChar char="•"/>
-              <a:defRPr sz="1400" kern="1200">
-                <a:solidFill>
-                  <a:srgbClr val="DDDDDD"/>
-                </a:solidFill>
-                <a:latin typeface="Arial" panose="020B0604020202020204" pitchFamily="34" charset="0"/>
-                <a:ea typeface="+mn-ea"/>
-                <a:cs typeface="Arial" panose="020B0604020202020204" pitchFamily="34" charset="0"/>
-              </a:defRPr>
-            </a:lvl4pPr>
-            <a:lvl5pPr marL="2057400" indent="-228600" algn="l" defTabSz="914400" rtl="0" eaLnBrk="1" latinLnBrk="0" hangingPunct="1">
-              <a:lnSpc>
-                <a:spcPct val="90000"/>
-              </a:lnSpc>
-              <a:spcBef>
-                <a:spcPts val="500"/>
-              </a:spcBef>
-              <a:buFont typeface="Arial" panose="020B0604020202020204" pitchFamily="34" charset="0"/>
-              <a:buChar char="•"/>
-              <a:defRPr sz="1400" kern="1200">
-                <a:solidFill>
-                  <a:srgbClr val="DDDDDD"/>
-                </a:solidFill>
-                <a:latin typeface="Arial" panose="020B0604020202020204" pitchFamily="34" charset="0"/>
-                <a:ea typeface="+mn-ea"/>
-                <a:cs typeface="Arial" panose="020B0604020202020204" pitchFamily="34" charset="0"/>
-              </a:defRPr>
-            </a:lvl5pPr>
-            <a:lvl6pPr marL="2514600" indent="-228600" algn="l" defTabSz="914400" rtl="0" eaLnBrk="1" latinLnBrk="0" hangingPunct="1">
-              <a:lnSpc>
-                <a:spcPct val="90000"/>
-              </a:lnSpc>
-              <a:spcBef>
-                <a:spcPts val="500"/>
-              </a:spcBef>
-              <a:buFont typeface="Arial" panose="020B0604020202020204" pitchFamily="34" charset="0"/>
-              <a:buChar char="•"/>
-              <a:defRPr sz="1800" kern="1200">
-                <a:solidFill>
-                  <a:schemeClr val="tx1"/>
-                </a:solidFill>
-                <a:latin typeface="+mn-lt"/>
-                <a:ea typeface="+mn-ea"/>
-                <a:cs typeface="+mn-cs"/>
-              </a:defRPr>
-            </a:lvl6pPr>
-            <a:lvl7pPr marL="2971800" indent="-228600" algn="l" defTabSz="914400" rtl="0" eaLnBrk="1" latinLnBrk="0" hangingPunct="1">
-              <a:lnSpc>
-                <a:spcPct val="90000"/>
-              </a:lnSpc>
-              <a:spcBef>
-                <a:spcPts val="500"/>
-              </a:spcBef>
-              <a:buFont typeface="Arial" panose="020B0604020202020204" pitchFamily="34" charset="0"/>
-              <a:buChar char="•"/>
-              <a:defRPr sz="1800" kern="1200">
-                <a:solidFill>
-                  <a:schemeClr val="tx1"/>
-                </a:solidFill>
-                <a:latin typeface="+mn-lt"/>
-                <a:ea typeface="+mn-ea"/>
-                <a:cs typeface="+mn-cs"/>
-              </a:defRPr>
-            </a:lvl7pPr>
-            <a:lvl8pPr marL="3429000" indent="-228600" algn="l" defTabSz="914400" rtl="0" eaLnBrk="1" latinLnBrk="0" hangingPunct="1">
-              <a:lnSpc>
-                <a:spcPct val="90000"/>
-              </a:lnSpc>
-              <a:spcBef>
-                <a:spcPts val="500"/>
-              </a:spcBef>
-              <a:buFont typeface="Arial" panose="020B0604020202020204" pitchFamily="34" charset="0"/>
-              <a:buChar char="•"/>
-              <a:defRPr sz="1800" kern="1200">
-                <a:solidFill>
-                  <a:schemeClr val="tx1"/>
-                </a:solidFill>
-                <a:latin typeface="+mn-lt"/>
-                <a:ea typeface="+mn-ea"/>
-                <a:cs typeface="+mn-cs"/>
-              </a:defRPr>
-            </a:lvl8pPr>
-            <a:lvl9pPr marL="3886200" indent="-228600" algn="l" defTabSz="914400" rtl="0" eaLnBrk="1" latinLnBrk="0" hangingPunct="1">
-              <a:lnSpc>
-                <a:spcPct val="90000"/>
-              </a:lnSpc>
-              <a:spcBef>
-                <a:spcPts val="500"/>
-              </a:spcBef>
-              <a:buFont typeface="Arial" panose="020B0604020202020204" pitchFamily="34" charset="0"/>
-              <a:buChar char="•"/>
-              <a:defRPr sz="1800" kern="1200">
-                <a:solidFill>
-                  <a:schemeClr val="tx1"/>
-                </a:solidFill>
-                <a:latin typeface="+mn-lt"/>
-                <a:ea typeface="+mn-ea"/>
-                <a:cs typeface="+mn-cs"/>
-              </a:defRPr>
-            </a:lvl9pPr>
-          </a:lstStyle>
-          <a:p>
-            <a:pPr marL="0" indent="0">
-              <a:buNone/>
-            </a:pPr>
-            <a:r>
-              <a:rPr lang="ru-RU" dirty="0"/>
-              <a:t>Можно выполнить обработку </a:t>
-            </a:r>
-            <a:r>
-              <a:rPr lang="ru-RU" dirty="0">
-                <a:solidFill>
-                  <a:srgbClr val="FF423F"/>
-                </a:solidFill>
-              </a:rPr>
-              <a:t>тремя способами:</a:t>
-            </a:r>
-          </a:p>
-          <a:p>
-            <a:pPr marL="342900" indent="-342900">
-              <a:buAutoNum type="arabicParenR"/>
-            </a:pPr>
-            <a:r>
-              <a:rPr lang="ru-RU" dirty="0"/>
-              <a:t>Не перехватываем возникающие исключения, просто добавить к себе </a:t>
-            </a:r>
-            <a:r>
-              <a:rPr lang="en-US" dirty="0">
-                <a:solidFill>
-                  <a:srgbClr val="BC5CFF"/>
-                </a:solidFill>
-              </a:rPr>
-              <a:t>throws</a:t>
-            </a:r>
-            <a:r>
-              <a:rPr lang="ru-RU" dirty="0"/>
-              <a:t> и прокинуть их дальше</a:t>
-            </a:r>
-            <a:r>
-              <a:rPr lang="en-US" dirty="0"/>
-              <a:t>.</a:t>
-            </a:r>
-            <a:endParaRPr lang="ru-RU" dirty="0"/>
-          </a:p>
-          <a:p>
-            <a:pPr marL="342900" indent="-342900">
-              <a:buAutoNum type="arabicParenR"/>
-            </a:pPr>
-            <a:r>
-              <a:rPr lang="ru-RU" dirty="0"/>
-              <a:t>Перехватить в блоке </a:t>
-            </a:r>
-            <a:r>
-              <a:rPr lang="en-US" dirty="0">
-                <a:solidFill>
-                  <a:srgbClr val="BC5CFF"/>
-                </a:solidFill>
-              </a:rPr>
-              <a:t>catch</a:t>
-            </a:r>
-            <a:r>
-              <a:rPr lang="en-US" dirty="0"/>
-              <a:t> </a:t>
-            </a:r>
-            <a:r>
-              <a:rPr lang="ru-RU" dirty="0"/>
-              <a:t>нужные исключение, а остальные прокинуть через </a:t>
-            </a:r>
-            <a:r>
-              <a:rPr lang="en-US" dirty="0" err="1">
-                <a:solidFill>
-                  <a:srgbClr val="BC5CFF"/>
-                </a:solidFill>
-              </a:rPr>
-              <a:t>thorws</a:t>
-            </a:r>
-            <a:r>
-              <a:rPr lang="en-US" dirty="0"/>
-              <a:t>.</a:t>
-            </a:r>
-            <a:endParaRPr lang="ru-RU" dirty="0"/>
-          </a:p>
-          <a:p>
-            <a:pPr marL="342900" indent="-342900">
-              <a:buAutoNum type="arabicParenR"/>
-            </a:pPr>
-            <a:r>
-              <a:rPr lang="ru-RU" dirty="0"/>
-              <a:t>Перехватить в блоке </a:t>
-            </a:r>
-            <a:r>
-              <a:rPr lang="en-US" dirty="0">
-                <a:solidFill>
-                  <a:srgbClr val="BC5CFF"/>
-                </a:solidFill>
-              </a:rPr>
-              <a:t>catch</a:t>
-            </a:r>
-            <a:r>
-              <a:rPr lang="en-US" dirty="0"/>
-              <a:t> </a:t>
-            </a:r>
-            <a:r>
-              <a:rPr lang="ru-RU" dirty="0"/>
-              <a:t>все исключения</a:t>
-            </a:r>
-            <a:r>
-              <a:rPr lang="en-US" dirty="0"/>
-              <a:t>.</a:t>
-            </a:r>
-            <a:endParaRPr lang="ru-RU" dirty="0"/>
-          </a:p>
-          <a:p>
-            <a:pPr marL="0" indent="0">
-              <a:buNone/>
-            </a:pPr>
-            <a:endParaRPr lang="ru-RU" dirty="0"/>
-          </a:p>
-        </p:txBody>
-      </p:sp>
-    </p:spTree>
-    <p:extLst>
-      <p:ext uri="{BB962C8B-B14F-4D97-AF65-F5344CB8AC3E}">
-        <p14:creationId xmlns:p14="http://schemas.microsoft.com/office/powerpoint/2010/main" val="3766287481"/>
-      </p:ext>
-    </p:extLst>
-  </p:cSld>
-  <p:clrMapOvr>
-    <a:masterClrMapping/>
-  </p:clrMapOvr>
-</p:sld>
-</file>
-
-<file path=ppt/slides/slide5.xml><?xml version="1.0" encoding="utf-8"?>
-<p:sld xmlns:a="http://schemas.openxmlformats.org/drawingml/2006/main" xmlns:r="http://schemas.openxmlformats.org/officeDocument/2006/relationships" xmlns:p="http://schemas.openxmlformats.org/presentationml/2006/main">
-  <p:cSld>
-    <p:spTree>
-      <p:nvGrpSpPr>
-        <p:cNvPr id="1" name=""/>
-        <p:cNvGrpSpPr/>
-        <p:nvPr/>
-      </p:nvGrpSpPr>
-      <p:grpSpPr>
-        <a:xfrm>
-          <a:off x="0" y="0"/>
-          <a:ext cx="0" cy="0"/>
-          <a:chOff x="0" y="0"/>
-          <a:chExt cx="0" cy="0"/>
-        </a:xfrm>
-      </p:grpSpPr>
-      <p:sp>
-        <p:nvSpPr>
-          <p:cNvPr id="2" name="Заголовок 1">
-            <a:extLst>
-              <a:ext uri="{FF2B5EF4-FFF2-40B4-BE49-F238E27FC236}">
-                <a16:creationId xmlns:a16="http://schemas.microsoft.com/office/drawing/2014/main" id="{E2FE65B6-44BA-6974-F610-DAB03FCD3803}"/>
-              </a:ext>
-            </a:extLst>
-          </p:cNvPr>
-          <p:cNvSpPr>
-            <a:spLocks noGrp="1"/>
-          </p:cNvSpPr>
-          <p:nvPr>
-            <p:ph type="title"/>
-          </p:nvPr>
-        </p:nvSpPr>
-        <p:spPr/>
-        <p:txBody>
-          <a:bodyPr/>
-          <a:lstStyle/>
-          <a:p>
-            <a:r>
-              <a:rPr lang="ru-RU" dirty="0">
-                <a:solidFill>
-                  <a:srgbClr val="DDDDDD"/>
-                </a:solidFill>
-              </a:rPr>
-              <a:t>Обертка</a:t>
-            </a:r>
-            <a:r>
-              <a:rPr lang="en-US" dirty="0">
-                <a:solidFill>
-                  <a:srgbClr val="DDDDDD"/>
-                </a:solidFill>
-              </a:rPr>
-              <a:t> checked </a:t>
-            </a:r>
-            <a:r>
-              <a:rPr lang="ru-RU" dirty="0">
-                <a:solidFill>
-                  <a:srgbClr val="DDDDDD"/>
-                </a:solidFill>
-              </a:rPr>
-              <a:t>в</a:t>
-            </a:r>
-            <a:r>
-              <a:rPr lang="en-US" dirty="0">
-                <a:solidFill>
-                  <a:srgbClr val="DDDDDD"/>
-                </a:solidFill>
-              </a:rPr>
-              <a:t> unchecked </a:t>
-            </a:r>
-            <a:endParaRPr lang="ru-RU" dirty="0">
-              <a:solidFill>
-                <a:srgbClr val="DDDDDD"/>
-              </a:solidFill>
-            </a:endParaRPr>
-          </a:p>
-        </p:txBody>
-      </p:sp>
-      <p:sp>
-        <p:nvSpPr>
-          <p:cNvPr id="18" name="Объект 2">
-            <a:extLst>
-              <a:ext uri="{FF2B5EF4-FFF2-40B4-BE49-F238E27FC236}">
-                <a16:creationId xmlns:a16="http://schemas.microsoft.com/office/drawing/2014/main" id="{26A79860-9805-7924-0E54-0F8D8AA9482A}"/>
-              </a:ext>
-            </a:extLst>
-          </p:cNvPr>
-          <p:cNvSpPr txBox="1">
-            <a:spLocks/>
-          </p:cNvSpPr>
-          <p:nvPr/>
-        </p:nvSpPr>
-        <p:spPr>
-          <a:xfrm>
-            <a:off x="515939" y="657225"/>
-            <a:ext cx="11160124" cy="650875"/>
-          </a:xfrm>
-          <a:prstGeom prst="rect">
-            <a:avLst/>
-          </a:prstGeom>
-          <a:solidFill>
-            <a:srgbClr val="171717"/>
-          </a:solidFill>
-        </p:spPr>
-        <p:txBody>
-          <a:bodyPr vert="horz" lIns="91440" tIns="45720" rIns="91440" bIns="45720" rtlCol="0">
-            <a:normAutofit/>
-          </a:bodyPr>
-          <a:lstStyle>
-            <a:lvl1pPr marL="228600" indent="-228600" algn="l" defTabSz="914400" rtl="0" eaLnBrk="1" latinLnBrk="0" hangingPunct="1">
-              <a:lnSpc>
-                <a:spcPct val="90000"/>
-              </a:lnSpc>
-              <a:spcBef>
-                <a:spcPts val="1000"/>
-              </a:spcBef>
-              <a:buFont typeface="Arial" panose="020B0604020202020204" pitchFamily="34" charset="0"/>
-              <a:buChar char="•"/>
-              <a:defRPr sz="1600" kern="1200">
-                <a:solidFill>
-                  <a:srgbClr val="DDDDDD"/>
-                </a:solidFill>
-                <a:latin typeface="Arial" panose="020B0604020202020204" pitchFamily="34" charset="0"/>
-                <a:ea typeface="+mn-ea"/>
-                <a:cs typeface="Arial" panose="020B0604020202020204" pitchFamily="34" charset="0"/>
-              </a:defRPr>
-            </a:lvl1pPr>
-            <a:lvl2pPr marL="685800" indent="-228600" algn="l" defTabSz="914400" rtl="0" eaLnBrk="1" latinLnBrk="0" hangingPunct="1">
-              <a:lnSpc>
-                <a:spcPct val="90000"/>
-              </a:lnSpc>
-              <a:spcBef>
-                <a:spcPts val="500"/>
-              </a:spcBef>
-              <a:buFont typeface="Arial" panose="020B0604020202020204" pitchFamily="34" charset="0"/>
-              <a:buChar char="•"/>
-              <a:defRPr sz="1600" kern="1200">
-                <a:solidFill>
-                  <a:srgbClr val="DDDDDD"/>
-                </a:solidFill>
-                <a:latin typeface="Arial" panose="020B0604020202020204" pitchFamily="34" charset="0"/>
-                <a:ea typeface="+mn-ea"/>
-                <a:cs typeface="Arial" panose="020B0604020202020204" pitchFamily="34" charset="0"/>
-              </a:defRPr>
-            </a:lvl2pPr>
-            <a:lvl3pPr marL="1143000" indent="-228600" algn="l" defTabSz="914400" rtl="0" eaLnBrk="1" latinLnBrk="0" hangingPunct="1">
-              <a:lnSpc>
-                <a:spcPct val="90000"/>
-              </a:lnSpc>
-              <a:spcBef>
-                <a:spcPts val="500"/>
-              </a:spcBef>
-              <a:buFont typeface="Arial" panose="020B0604020202020204" pitchFamily="34" charset="0"/>
-              <a:buChar char="•"/>
-              <a:defRPr sz="1600" kern="1200">
-                <a:solidFill>
-                  <a:srgbClr val="DDDDDD"/>
-                </a:solidFill>
-                <a:latin typeface="Arial" panose="020B0604020202020204" pitchFamily="34" charset="0"/>
-                <a:ea typeface="+mn-ea"/>
-                <a:cs typeface="Arial" panose="020B0604020202020204" pitchFamily="34" charset="0"/>
-              </a:defRPr>
-            </a:lvl3pPr>
-            <a:lvl4pPr marL="1600200" indent="-228600" algn="l" defTabSz="914400" rtl="0" eaLnBrk="1" latinLnBrk="0" hangingPunct="1">
-              <a:lnSpc>
-                <a:spcPct val="90000"/>
-              </a:lnSpc>
-              <a:spcBef>
-                <a:spcPts val="500"/>
-              </a:spcBef>
-              <a:buFont typeface="Arial" panose="020B0604020202020204" pitchFamily="34" charset="0"/>
-              <a:buChar char="•"/>
-              <a:defRPr sz="1400" kern="1200">
-                <a:solidFill>
-                  <a:srgbClr val="DDDDDD"/>
-                </a:solidFill>
-                <a:latin typeface="Arial" panose="020B0604020202020204" pitchFamily="34" charset="0"/>
-                <a:ea typeface="+mn-ea"/>
-                <a:cs typeface="Arial" panose="020B0604020202020204" pitchFamily="34" charset="0"/>
-              </a:defRPr>
-            </a:lvl4pPr>
-            <a:lvl5pPr marL="2057400" indent="-228600" algn="l" defTabSz="914400" rtl="0" eaLnBrk="1" latinLnBrk="0" hangingPunct="1">
-              <a:lnSpc>
-                <a:spcPct val="90000"/>
-              </a:lnSpc>
-              <a:spcBef>
-                <a:spcPts val="500"/>
-              </a:spcBef>
-              <a:buFont typeface="Arial" panose="020B0604020202020204" pitchFamily="34" charset="0"/>
-              <a:buChar char="•"/>
-              <a:defRPr sz="1400" kern="1200">
-                <a:solidFill>
-                  <a:srgbClr val="DDDDDD"/>
-                </a:solidFill>
-                <a:latin typeface="Arial" panose="020B0604020202020204" pitchFamily="34" charset="0"/>
-                <a:ea typeface="+mn-ea"/>
-                <a:cs typeface="Arial" panose="020B0604020202020204" pitchFamily="34" charset="0"/>
-              </a:defRPr>
-            </a:lvl5pPr>
-            <a:lvl6pPr marL="2514600" indent="-228600" algn="l" defTabSz="914400" rtl="0" eaLnBrk="1" latinLnBrk="0" hangingPunct="1">
-              <a:lnSpc>
-                <a:spcPct val="90000"/>
-              </a:lnSpc>
-              <a:spcBef>
-                <a:spcPts val="500"/>
-              </a:spcBef>
-              <a:buFont typeface="Arial" panose="020B0604020202020204" pitchFamily="34" charset="0"/>
-              <a:buChar char="•"/>
-              <a:defRPr sz="1800" kern="1200">
-                <a:solidFill>
-                  <a:schemeClr val="tx1"/>
-                </a:solidFill>
-                <a:latin typeface="+mn-lt"/>
-                <a:ea typeface="+mn-ea"/>
-                <a:cs typeface="+mn-cs"/>
-              </a:defRPr>
-            </a:lvl6pPr>
-            <a:lvl7pPr marL="2971800" indent="-228600" algn="l" defTabSz="914400" rtl="0" eaLnBrk="1" latinLnBrk="0" hangingPunct="1">
-              <a:lnSpc>
-                <a:spcPct val="90000"/>
-              </a:lnSpc>
-              <a:spcBef>
-                <a:spcPts val="500"/>
-              </a:spcBef>
-              <a:buFont typeface="Arial" panose="020B0604020202020204" pitchFamily="34" charset="0"/>
-              <a:buChar char="•"/>
-              <a:defRPr sz="1800" kern="1200">
-                <a:solidFill>
-                  <a:schemeClr val="tx1"/>
-                </a:solidFill>
-                <a:latin typeface="+mn-lt"/>
-                <a:ea typeface="+mn-ea"/>
-                <a:cs typeface="+mn-cs"/>
-              </a:defRPr>
-            </a:lvl7pPr>
-            <a:lvl8pPr marL="3429000" indent="-228600" algn="l" defTabSz="914400" rtl="0" eaLnBrk="1" latinLnBrk="0" hangingPunct="1">
-              <a:lnSpc>
-                <a:spcPct val="90000"/>
-              </a:lnSpc>
-              <a:spcBef>
-                <a:spcPts val="500"/>
-              </a:spcBef>
-              <a:buFont typeface="Arial" panose="020B0604020202020204" pitchFamily="34" charset="0"/>
-              <a:buChar char="•"/>
-              <a:defRPr sz="1800" kern="1200">
-                <a:solidFill>
-                  <a:schemeClr val="tx1"/>
-                </a:solidFill>
-                <a:latin typeface="+mn-lt"/>
-                <a:ea typeface="+mn-ea"/>
-                <a:cs typeface="+mn-cs"/>
-              </a:defRPr>
-            </a:lvl8pPr>
-            <a:lvl9pPr marL="3886200" indent="-228600" algn="l" defTabSz="914400" rtl="0" eaLnBrk="1" latinLnBrk="0" hangingPunct="1">
-              <a:lnSpc>
-                <a:spcPct val="90000"/>
-              </a:lnSpc>
-              <a:spcBef>
-                <a:spcPts val="500"/>
-              </a:spcBef>
-              <a:buFont typeface="Arial" panose="020B0604020202020204" pitchFamily="34" charset="0"/>
-              <a:buChar char="•"/>
-              <a:defRPr sz="1800" kern="1200">
-                <a:solidFill>
-                  <a:schemeClr val="tx1"/>
-                </a:solidFill>
-                <a:latin typeface="+mn-lt"/>
-                <a:ea typeface="+mn-ea"/>
-                <a:cs typeface="+mn-cs"/>
-              </a:defRPr>
-            </a:lvl9pPr>
-          </a:lstStyle>
-          <a:p>
-            <a:pPr marL="0" indent="0">
-              <a:buNone/>
-            </a:pPr>
-            <a:r>
-              <a:rPr lang="ru-RU" dirty="0"/>
-              <a:t>Если у метода с </a:t>
-            </a:r>
-            <a:r>
-              <a:rPr lang="en-US" dirty="0">
-                <a:solidFill>
-                  <a:srgbClr val="FF423F"/>
-                </a:solidFill>
-              </a:rPr>
-              <a:t>checked</a:t>
-            </a:r>
-            <a:r>
-              <a:rPr lang="en-US" dirty="0"/>
-              <a:t> </a:t>
-            </a:r>
-            <a:r>
-              <a:rPr lang="ru-RU" dirty="0"/>
-              <a:t>исключением большой стек вызова, программисты часто его оборачивают в </a:t>
-            </a:r>
-            <a:r>
-              <a:rPr lang="en-US" dirty="0">
-                <a:solidFill>
-                  <a:srgbClr val="FF423F"/>
-                </a:solidFill>
-              </a:rPr>
-              <a:t>Unchecked</a:t>
-            </a:r>
-            <a:r>
-              <a:rPr lang="en-US" dirty="0"/>
-              <a:t> </a:t>
-            </a:r>
-            <a:r>
-              <a:rPr lang="ru-RU" dirty="0"/>
-              <a:t>исключение, а потом достают его</a:t>
-            </a:r>
-            <a:r>
-              <a:rPr lang="en-US" dirty="0"/>
-              <a:t>.</a:t>
-            </a:r>
-            <a:endParaRPr lang="ru-RU" dirty="0"/>
-          </a:p>
-          <a:p>
-            <a:pPr marL="0" indent="0">
-              <a:buNone/>
-            </a:pPr>
-            <a:endParaRPr lang="ru-RU" dirty="0"/>
-          </a:p>
-        </p:txBody>
-      </p:sp>
-      <p:pic>
-        <p:nvPicPr>
-          <p:cNvPr id="6" name="Рисунок 5">
-            <a:extLst>
-              <a:ext uri="{FF2B5EF4-FFF2-40B4-BE49-F238E27FC236}">
-                <a16:creationId xmlns:a16="http://schemas.microsoft.com/office/drawing/2014/main" id="{FC7FE685-6DDB-CEEB-29F8-661AFB555E2C}"/>
-              </a:ext>
-            </a:extLst>
-          </p:cNvPr>
-          <p:cNvPicPr>
-            <a:picLocks noChangeAspect="1"/>
-          </p:cNvPicPr>
-          <p:nvPr/>
-        </p:nvPicPr>
-        <p:blipFill>
-          <a:blip r:embed="rId3"/>
-          <a:stretch>
-            <a:fillRect/>
-          </a:stretch>
-        </p:blipFill>
-        <p:spPr>
-          <a:xfrm>
-            <a:off x="2542679" y="1471529"/>
-            <a:ext cx="7106642" cy="5153744"/>
-          </a:xfrm>
-          <a:prstGeom prst="rect">
-            <a:avLst/>
-          </a:prstGeom>
-        </p:spPr>
-      </p:pic>
-    </p:spTree>
-    <p:extLst>
-      <p:ext uri="{BB962C8B-B14F-4D97-AF65-F5344CB8AC3E}">
-        <p14:creationId xmlns:p14="http://schemas.microsoft.com/office/powerpoint/2010/main" val="291957034"/>
-      </p:ext>
-    </p:extLst>
-  </p:cSld>
-  <p:clrMapOvr>
-    <a:masterClrMapping/>
-  </p:clrMapOvr>
-</p:sld>
-</file>
-
-<file path=ppt/slides/slide6.xml><?xml version="1.0" encoding="utf-8"?>
+<file path=ppt/slides/slide10.xml><?xml version="1.0" encoding="utf-8"?>
 <p:sld xmlns:a="http://schemas.openxmlformats.org/drawingml/2006/main" xmlns:r="http://schemas.openxmlformats.org/officeDocument/2006/relationships" xmlns:p="http://schemas.openxmlformats.org/presentationml/2006/main">
   <p:cSld>
     <p:spTree>
@@ -6560,6 +5364,3136 @@
 </p:sld>
 </file>
 
+<file path=ppt/slides/slide11.xml><?xml version="1.0" encoding="utf-8"?>
+<p:sld xmlns:a="http://schemas.openxmlformats.org/drawingml/2006/main" xmlns:r="http://schemas.openxmlformats.org/officeDocument/2006/relationships" xmlns:p="http://schemas.openxmlformats.org/presentationml/2006/main">
+  <p:cSld>
+    <p:spTree>
+      <p:nvGrpSpPr>
+        <p:cNvPr id="1" name=""/>
+        <p:cNvGrpSpPr/>
+        <p:nvPr/>
+      </p:nvGrpSpPr>
+      <p:grpSpPr>
+        <a:xfrm>
+          <a:off x="0" y="0"/>
+          <a:ext cx="0" cy="0"/>
+          <a:chOff x="0" y="0"/>
+          <a:chExt cx="0" cy="0"/>
+        </a:xfrm>
+      </p:grpSpPr>
+      <p:sp>
+        <p:nvSpPr>
+          <p:cNvPr id="2" name="Заголовок 1">
+            <a:extLst>
+              <a:ext uri="{FF2B5EF4-FFF2-40B4-BE49-F238E27FC236}">
+                <a16:creationId xmlns:a16="http://schemas.microsoft.com/office/drawing/2014/main" id="{E2FE65B6-44BA-6974-F610-DAB03FCD3803}"/>
+              </a:ext>
+            </a:extLst>
+          </p:cNvPr>
+          <p:cNvSpPr>
+            <a:spLocks noGrp="1"/>
+          </p:cNvSpPr>
+          <p:nvPr>
+            <p:ph type="title"/>
+          </p:nvPr>
+        </p:nvSpPr>
+        <p:spPr/>
+        <p:txBody>
+          <a:bodyPr/>
+          <a:lstStyle/>
+          <a:p>
+            <a:r>
+              <a:rPr lang="ru-RU" dirty="0">
+                <a:solidFill>
+                  <a:srgbClr val="DDDDDD"/>
+                </a:solidFill>
+              </a:rPr>
+              <a:t>Обертка</a:t>
+            </a:r>
+            <a:r>
+              <a:rPr lang="en-US" dirty="0">
+                <a:solidFill>
+                  <a:srgbClr val="DDDDDD"/>
+                </a:solidFill>
+              </a:rPr>
+              <a:t> checked </a:t>
+            </a:r>
+            <a:r>
+              <a:rPr lang="ru-RU" dirty="0">
+                <a:solidFill>
+                  <a:srgbClr val="DDDDDD"/>
+                </a:solidFill>
+              </a:rPr>
+              <a:t>в</a:t>
+            </a:r>
+            <a:r>
+              <a:rPr lang="en-US" dirty="0">
+                <a:solidFill>
+                  <a:srgbClr val="DDDDDD"/>
+                </a:solidFill>
+              </a:rPr>
+              <a:t> unchecked </a:t>
+            </a:r>
+            <a:endParaRPr lang="ru-RU" dirty="0">
+              <a:solidFill>
+                <a:srgbClr val="DDDDDD"/>
+              </a:solidFill>
+            </a:endParaRPr>
+          </a:p>
+        </p:txBody>
+      </p:sp>
+      <p:sp>
+        <p:nvSpPr>
+          <p:cNvPr id="18" name="Объект 2">
+            <a:extLst>
+              <a:ext uri="{FF2B5EF4-FFF2-40B4-BE49-F238E27FC236}">
+                <a16:creationId xmlns:a16="http://schemas.microsoft.com/office/drawing/2014/main" id="{26A79860-9805-7924-0E54-0F8D8AA9482A}"/>
+              </a:ext>
+            </a:extLst>
+          </p:cNvPr>
+          <p:cNvSpPr txBox="1">
+            <a:spLocks/>
+          </p:cNvSpPr>
+          <p:nvPr/>
+        </p:nvSpPr>
+        <p:spPr>
+          <a:xfrm>
+            <a:off x="515939" y="657225"/>
+            <a:ext cx="11160124" cy="650875"/>
+          </a:xfrm>
+          <a:prstGeom prst="rect">
+            <a:avLst/>
+          </a:prstGeom>
+          <a:solidFill>
+            <a:srgbClr val="171717"/>
+          </a:solidFill>
+        </p:spPr>
+        <p:txBody>
+          <a:bodyPr vert="horz" lIns="91440" tIns="45720" rIns="91440" bIns="45720" rtlCol="0">
+            <a:normAutofit/>
+          </a:bodyPr>
+          <a:lstStyle>
+            <a:lvl1pPr marL="228600" indent="-228600" algn="l" defTabSz="914400" rtl="0" eaLnBrk="1" latinLnBrk="0" hangingPunct="1">
+              <a:lnSpc>
+                <a:spcPct val="90000"/>
+              </a:lnSpc>
+              <a:spcBef>
+                <a:spcPts val="1000"/>
+              </a:spcBef>
+              <a:buFont typeface="Arial" panose="020B0604020202020204" pitchFamily="34" charset="0"/>
+              <a:buChar char="•"/>
+              <a:defRPr sz="1600" kern="1200">
+                <a:solidFill>
+                  <a:srgbClr val="DDDDDD"/>
+                </a:solidFill>
+                <a:latin typeface="Arial" panose="020B0604020202020204" pitchFamily="34" charset="0"/>
+                <a:ea typeface="+mn-ea"/>
+                <a:cs typeface="Arial" panose="020B0604020202020204" pitchFamily="34" charset="0"/>
+              </a:defRPr>
+            </a:lvl1pPr>
+            <a:lvl2pPr marL="685800" indent="-228600" algn="l" defTabSz="914400" rtl="0" eaLnBrk="1" latinLnBrk="0" hangingPunct="1">
+              <a:lnSpc>
+                <a:spcPct val="90000"/>
+              </a:lnSpc>
+              <a:spcBef>
+                <a:spcPts val="500"/>
+              </a:spcBef>
+              <a:buFont typeface="Arial" panose="020B0604020202020204" pitchFamily="34" charset="0"/>
+              <a:buChar char="•"/>
+              <a:defRPr sz="1600" kern="1200">
+                <a:solidFill>
+                  <a:srgbClr val="DDDDDD"/>
+                </a:solidFill>
+                <a:latin typeface="Arial" panose="020B0604020202020204" pitchFamily="34" charset="0"/>
+                <a:ea typeface="+mn-ea"/>
+                <a:cs typeface="Arial" panose="020B0604020202020204" pitchFamily="34" charset="0"/>
+              </a:defRPr>
+            </a:lvl2pPr>
+            <a:lvl3pPr marL="1143000" indent="-228600" algn="l" defTabSz="914400" rtl="0" eaLnBrk="1" latinLnBrk="0" hangingPunct="1">
+              <a:lnSpc>
+                <a:spcPct val="90000"/>
+              </a:lnSpc>
+              <a:spcBef>
+                <a:spcPts val="500"/>
+              </a:spcBef>
+              <a:buFont typeface="Arial" panose="020B0604020202020204" pitchFamily="34" charset="0"/>
+              <a:buChar char="•"/>
+              <a:defRPr sz="1600" kern="1200">
+                <a:solidFill>
+                  <a:srgbClr val="DDDDDD"/>
+                </a:solidFill>
+                <a:latin typeface="Arial" panose="020B0604020202020204" pitchFamily="34" charset="0"/>
+                <a:ea typeface="+mn-ea"/>
+                <a:cs typeface="Arial" panose="020B0604020202020204" pitchFamily="34" charset="0"/>
+              </a:defRPr>
+            </a:lvl3pPr>
+            <a:lvl4pPr marL="1600200" indent="-228600" algn="l" defTabSz="914400" rtl="0" eaLnBrk="1" latinLnBrk="0" hangingPunct="1">
+              <a:lnSpc>
+                <a:spcPct val="90000"/>
+              </a:lnSpc>
+              <a:spcBef>
+                <a:spcPts val="500"/>
+              </a:spcBef>
+              <a:buFont typeface="Arial" panose="020B0604020202020204" pitchFamily="34" charset="0"/>
+              <a:buChar char="•"/>
+              <a:defRPr sz="1400" kern="1200">
+                <a:solidFill>
+                  <a:srgbClr val="DDDDDD"/>
+                </a:solidFill>
+                <a:latin typeface="Arial" panose="020B0604020202020204" pitchFamily="34" charset="0"/>
+                <a:ea typeface="+mn-ea"/>
+                <a:cs typeface="Arial" panose="020B0604020202020204" pitchFamily="34" charset="0"/>
+              </a:defRPr>
+            </a:lvl4pPr>
+            <a:lvl5pPr marL="2057400" indent="-228600" algn="l" defTabSz="914400" rtl="0" eaLnBrk="1" latinLnBrk="0" hangingPunct="1">
+              <a:lnSpc>
+                <a:spcPct val="90000"/>
+              </a:lnSpc>
+              <a:spcBef>
+                <a:spcPts val="500"/>
+              </a:spcBef>
+              <a:buFont typeface="Arial" panose="020B0604020202020204" pitchFamily="34" charset="0"/>
+              <a:buChar char="•"/>
+              <a:defRPr sz="1400" kern="1200">
+                <a:solidFill>
+                  <a:srgbClr val="DDDDDD"/>
+                </a:solidFill>
+                <a:latin typeface="Arial" panose="020B0604020202020204" pitchFamily="34" charset="0"/>
+                <a:ea typeface="+mn-ea"/>
+                <a:cs typeface="Arial" panose="020B0604020202020204" pitchFamily="34" charset="0"/>
+              </a:defRPr>
+            </a:lvl5pPr>
+            <a:lvl6pPr marL="2514600" indent="-228600" algn="l" defTabSz="914400" rtl="0" eaLnBrk="1" latinLnBrk="0" hangingPunct="1">
+              <a:lnSpc>
+                <a:spcPct val="90000"/>
+              </a:lnSpc>
+              <a:spcBef>
+                <a:spcPts val="500"/>
+              </a:spcBef>
+              <a:buFont typeface="Arial" panose="020B0604020202020204" pitchFamily="34" charset="0"/>
+              <a:buChar char="•"/>
+              <a:defRPr sz="1800" kern="1200">
+                <a:solidFill>
+                  <a:schemeClr val="tx1"/>
+                </a:solidFill>
+                <a:latin typeface="+mn-lt"/>
+                <a:ea typeface="+mn-ea"/>
+                <a:cs typeface="+mn-cs"/>
+              </a:defRPr>
+            </a:lvl6pPr>
+            <a:lvl7pPr marL="2971800" indent="-228600" algn="l" defTabSz="914400" rtl="0" eaLnBrk="1" latinLnBrk="0" hangingPunct="1">
+              <a:lnSpc>
+                <a:spcPct val="90000"/>
+              </a:lnSpc>
+              <a:spcBef>
+                <a:spcPts val="500"/>
+              </a:spcBef>
+              <a:buFont typeface="Arial" panose="020B0604020202020204" pitchFamily="34" charset="0"/>
+              <a:buChar char="•"/>
+              <a:defRPr sz="1800" kern="1200">
+                <a:solidFill>
+                  <a:schemeClr val="tx1"/>
+                </a:solidFill>
+                <a:latin typeface="+mn-lt"/>
+                <a:ea typeface="+mn-ea"/>
+                <a:cs typeface="+mn-cs"/>
+              </a:defRPr>
+            </a:lvl7pPr>
+            <a:lvl8pPr marL="3429000" indent="-228600" algn="l" defTabSz="914400" rtl="0" eaLnBrk="1" latinLnBrk="0" hangingPunct="1">
+              <a:lnSpc>
+                <a:spcPct val="90000"/>
+              </a:lnSpc>
+              <a:spcBef>
+                <a:spcPts val="500"/>
+              </a:spcBef>
+              <a:buFont typeface="Arial" panose="020B0604020202020204" pitchFamily="34" charset="0"/>
+              <a:buChar char="•"/>
+              <a:defRPr sz="1800" kern="1200">
+                <a:solidFill>
+                  <a:schemeClr val="tx1"/>
+                </a:solidFill>
+                <a:latin typeface="+mn-lt"/>
+                <a:ea typeface="+mn-ea"/>
+                <a:cs typeface="+mn-cs"/>
+              </a:defRPr>
+            </a:lvl8pPr>
+            <a:lvl9pPr marL="3886200" indent="-228600" algn="l" defTabSz="914400" rtl="0" eaLnBrk="1" latinLnBrk="0" hangingPunct="1">
+              <a:lnSpc>
+                <a:spcPct val="90000"/>
+              </a:lnSpc>
+              <a:spcBef>
+                <a:spcPts val="500"/>
+              </a:spcBef>
+              <a:buFont typeface="Arial" panose="020B0604020202020204" pitchFamily="34" charset="0"/>
+              <a:buChar char="•"/>
+              <a:defRPr sz="1800" kern="1200">
+                <a:solidFill>
+                  <a:schemeClr val="tx1"/>
+                </a:solidFill>
+                <a:latin typeface="+mn-lt"/>
+                <a:ea typeface="+mn-ea"/>
+                <a:cs typeface="+mn-cs"/>
+              </a:defRPr>
+            </a:lvl9pPr>
+          </a:lstStyle>
+          <a:p>
+            <a:pPr marL="0" indent="0">
+              <a:buNone/>
+            </a:pPr>
+            <a:r>
+              <a:rPr lang="ru-RU" dirty="0"/>
+              <a:t>Если у метода с </a:t>
+            </a:r>
+            <a:r>
+              <a:rPr lang="en-US" dirty="0">
+                <a:solidFill>
+                  <a:srgbClr val="FF423F"/>
+                </a:solidFill>
+              </a:rPr>
+              <a:t>checked</a:t>
+            </a:r>
+            <a:r>
+              <a:rPr lang="en-US" dirty="0"/>
+              <a:t> </a:t>
+            </a:r>
+            <a:r>
+              <a:rPr lang="ru-RU" dirty="0"/>
+              <a:t>исключением большой стек вызова, программисты часто его оборачивают в </a:t>
+            </a:r>
+            <a:r>
+              <a:rPr lang="en-US" dirty="0">
+                <a:solidFill>
+                  <a:srgbClr val="FF423F"/>
+                </a:solidFill>
+              </a:rPr>
+              <a:t>Unchecked</a:t>
+            </a:r>
+            <a:r>
+              <a:rPr lang="en-US" dirty="0"/>
+              <a:t> </a:t>
+            </a:r>
+            <a:r>
+              <a:rPr lang="ru-RU" dirty="0"/>
+              <a:t>исключение, а потом достают его</a:t>
+            </a:r>
+            <a:r>
+              <a:rPr lang="en-US" dirty="0"/>
+              <a:t>.</a:t>
+            </a:r>
+            <a:endParaRPr lang="ru-RU" dirty="0"/>
+          </a:p>
+          <a:p>
+            <a:pPr marL="0" indent="0">
+              <a:buNone/>
+            </a:pPr>
+            <a:endParaRPr lang="ru-RU" dirty="0"/>
+          </a:p>
+        </p:txBody>
+      </p:sp>
+      <p:pic>
+        <p:nvPicPr>
+          <p:cNvPr id="6" name="Рисунок 5">
+            <a:extLst>
+              <a:ext uri="{FF2B5EF4-FFF2-40B4-BE49-F238E27FC236}">
+                <a16:creationId xmlns:a16="http://schemas.microsoft.com/office/drawing/2014/main" id="{FC7FE685-6DDB-CEEB-29F8-661AFB555E2C}"/>
+              </a:ext>
+            </a:extLst>
+          </p:cNvPr>
+          <p:cNvPicPr>
+            <a:picLocks noChangeAspect="1"/>
+          </p:cNvPicPr>
+          <p:nvPr/>
+        </p:nvPicPr>
+        <p:blipFill>
+          <a:blip r:embed="rId3"/>
+          <a:stretch>
+            <a:fillRect/>
+          </a:stretch>
+        </p:blipFill>
+        <p:spPr>
+          <a:xfrm>
+            <a:off x="2542679" y="1471529"/>
+            <a:ext cx="7106642" cy="5153744"/>
+          </a:xfrm>
+          <a:prstGeom prst="rect">
+            <a:avLst/>
+          </a:prstGeom>
+        </p:spPr>
+      </p:pic>
+    </p:spTree>
+    <p:extLst>
+      <p:ext uri="{BB962C8B-B14F-4D97-AF65-F5344CB8AC3E}">
+        <p14:creationId xmlns:p14="http://schemas.microsoft.com/office/powerpoint/2010/main" val="291957034"/>
+      </p:ext>
+    </p:extLst>
+  </p:cSld>
+  <p:clrMapOvr>
+    <a:masterClrMapping/>
+  </p:clrMapOvr>
+</p:sld>
+</file>
+
+<file path=ppt/slides/slide2.xml><?xml version="1.0" encoding="utf-8"?>
+<p:sld xmlns:a="http://schemas.openxmlformats.org/drawingml/2006/main" xmlns:r="http://schemas.openxmlformats.org/officeDocument/2006/relationships" xmlns:p="http://schemas.openxmlformats.org/presentationml/2006/main">
+  <p:cSld>
+    <p:spTree>
+      <p:nvGrpSpPr>
+        <p:cNvPr id="1" name=""/>
+        <p:cNvGrpSpPr/>
+        <p:nvPr/>
+      </p:nvGrpSpPr>
+      <p:grpSpPr>
+        <a:xfrm>
+          <a:off x="0" y="0"/>
+          <a:ext cx="0" cy="0"/>
+          <a:chOff x="0" y="0"/>
+          <a:chExt cx="0" cy="0"/>
+        </a:xfrm>
+      </p:grpSpPr>
+      <p:sp>
+        <p:nvSpPr>
+          <p:cNvPr id="2" name="Заголовок 1">
+            <a:extLst>
+              <a:ext uri="{FF2B5EF4-FFF2-40B4-BE49-F238E27FC236}">
+                <a16:creationId xmlns:a16="http://schemas.microsoft.com/office/drawing/2014/main" id="{E2FE65B6-44BA-6974-F610-DAB03FCD3803}"/>
+              </a:ext>
+            </a:extLst>
+          </p:cNvPr>
+          <p:cNvSpPr>
+            <a:spLocks noGrp="1"/>
+          </p:cNvSpPr>
+          <p:nvPr>
+            <p:ph type="title"/>
+          </p:nvPr>
+        </p:nvSpPr>
+        <p:spPr/>
+        <p:txBody>
+          <a:bodyPr/>
+          <a:lstStyle/>
+          <a:p>
+            <a:r>
+              <a:rPr lang="ru-RU" dirty="0">
+                <a:solidFill>
+                  <a:srgbClr val="DDDDDD"/>
+                </a:solidFill>
+              </a:rPr>
+              <a:t>Виды исключений</a:t>
+            </a:r>
+          </a:p>
+        </p:txBody>
+      </p:sp>
+      <p:pic>
+        <p:nvPicPr>
+          <p:cNvPr id="9" name="Рисунок 8">
+            <a:extLst>
+              <a:ext uri="{FF2B5EF4-FFF2-40B4-BE49-F238E27FC236}">
+                <a16:creationId xmlns:a16="http://schemas.microsoft.com/office/drawing/2014/main" id="{E6BFF640-F458-0105-6E74-1D55A49420BA}"/>
+              </a:ext>
+            </a:extLst>
+          </p:cNvPr>
+          <p:cNvPicPr>
+            <a:picLocks noChangeAspect="1"/>
+          </p:cNvPicPr>
+          <p:nvPr/>
+        </p:nvPicPr>
+        <p:blipFill>
+          <a:blip r:embed="rId3"/>
+          <a:srcRect t="6852"/>
+          <a:stretch/>
+        </p:blipFill>
+        <p:spPr>
+          <a:xfrm>
+            <a:off x="454887" y="657224"/>
+            <a:ext cx="11221175" cy="5610225"/>
+          </a:xfrm>
+          <a:prstGeom prst="rect">
+            <a:avLst/>
+          </a:prstGeom>
+        </p:spPr>
+      </p:pic>
+    </p:spTree>
+    <p:extLst>
+      <p:ext uri="{BB962C8B-B14F-4D97-AF65-F5344CB8AC3E}">
+        <p14:creationId xmlns:p14="http://schemas.microsoft.com/office/powerpoint/2010/main" val="3745668460"/>
+      </p:ext>
+    </p:extLst>
+  </p:cSld>
+  <p:clrMapOvr>
+    <a:masterClrMapping/>
+  </p:clrMapOvr>
+</p:sld>
+</file>
+
+<file path=ppt/slides/slide3.xml><?xml version="1.0" encoding="utf-8"?>
+<p:sld xmlns:a="http://schemas.openxmlformats.org/drawingml/2006/main" xmlns:r="http://schemas.openxmlformats.org/officeDocument/2006/relationships" xmlns:p="http://schemas.openxmlformats.org/presentationml/2006/main">
+  <p:cSld>
+    <p:spTree>
+      <p:nvGrpSpPr>
+        <p:cNvPr id="1" name=""/>
+        <p:cNvGrpSpPr/>
+        <p:nvPr/>
+      </p:nvGrpSpPr>
+      <p:grpSpPr>
+        <a:xfrm>
+          <a:off x="0" y="0"/>
+          <a:ext cx="0" cy="0"/>
+          <a:chOff x="0" y="0"/>
+          <a:chExt cx="0" cy="0"/>
+        </a:xfrm>
+      </p:grpSpPr>
+      <p:sp>
+        <p:nvSpPr>
+          <p:cNvPr id="2" name="Заголовок 1">
+            <a:extLst>
+              <a:ext uri="{FF2B5EF4-FFF2-40B4-BE49-F238E27FC236}">
+                <a16:creationId xmlns:a16="http://schemas.microsoft.com/office/drawing/2014/main" id="{E2FE65B6-44BA-6974-F610-DAB03FCD3803}"/>
+              </a:ext>
+            </a:extLst>
+          </p:cNvPr>
+          <p:cNvSpPr>
+            <a:spLocks noGrp="1"/>
+          </p:cNvSpPr>
+          <p:nvPr>
+            <p:ph type="title"/>
+          </p:nvPr>
+        </p:nvSpPr>
+        <p:spPr/>
+        <p:txBody>
+          <a:bodyPr/>
+          <a:lstStyle/>
+          <a:p>
+            <a:r>
+              <a:rPr lang="ru-RU" dirty="0">
+                <a:solidFill>
+                  <a:srgbClr val="DDDDDD"/>
+                </a:solidFill>
+              </a:rPr>
+              <a:t>Базовый шаблон</a:t>
+            </a:r>
+          </a:p>
+        </p:txBody>
+      </p:sp>
+      <p:pic>
+        <p:nvPicPr>
+          <p:cNvPr id="6" name="Рисунок 5">
+            <a:extLst>
+              <a:ext uri="{FF2B5EF4-FFF2-40B4-BE49-F238E27FC236}">
+                <a16:creationId xmlns:a16="http://schemas.microsoft.com/office/drawing/2014/main" id="{4F33EC96-1ACB-18B0-1CCA-5AFA458F7C99}"/>
+              </a:ext>
+            </a:extLst>
+          </p:cNvPr>
+          <p:cNvPicPr>
+            <a:picLocks noChangeAspect="1"/>
+          </p:cNvPicPr>
+          <p:nvPr/>
+        </p:nvPicPr>
+        <p:blipFill>
+          <a:blip r:embed="rId3"/>
+          <a:srcRect b="35293"/>
+          <a:stretch/>
+        </p:blipFill>
+        <p:spPr>
+          <a:xfrm>
+            <a:off x="1508817" y="6033862"/>
+            <a:ext cx="9697868" cy="695467"/>
+          </a:xfrm>
+          <a:prstGeom prst="rect">
+            <a:avLst/>
+          </a:prstGeom>
+        </p:spPr>
+      </p:pic>
+      <p:sp>
+        <p:nvSpPr>
+          <p:cNvPr id="7" name="Объект 2">
+            <a:extLst>
+              <a:ext uri="{FF2B5EF4-FFF2-40B4-BE49-F238E27FC236}">
+                <a16:creationId xmlns:a16="http://schemas.microsoft.com/office/drawing/2014/main" id="{B9BC647E-F518-8DCA-B0AE-881E046DE67F}"/>
+              </a:ext>
+            </a:extLst>
+          </p:cNvPr>
+          <p:cNvSpPr txBox="1">
+            <a:spLocks/>
+          </p:cNvSpPr>
+          <p:nvPr/>
+        </p:nvSpPr>
+        <p:spPr>
+          <a:xfrm>
+            <a:off x="515938" y="4777020"/>
+            <a:ext cx="11160124" cy="1074797"/>
+          </a:xfrm>
+          <a:prstGeom prst="rect">
+            <a:avLst/>
+          </a:prstGeom>
+          <a:solidFill>
+            <a:srgbClr val="171717"/>
+          </a:solidFill>
+        </p:spPr>
+        <p:txBody>
+          <a:bodyPr vert="horz" lIns="91440" tIns="45720" rIns="91440" bIns="45720" rtlCol="0">
+            <a:normAutofit lnSpcReduction="10000"/>
+          </a:bodyPr>
+          <a:lstStyle>
+            <a:lvl1pPr marL="228600" indent="-228600" algn="l" defTabSz="914400" rtl="0" eaLnBrk="1" latinLnBrk="0" hangingPunct="1">
+              <a:lnSpc>
+                <a:spcPct val="90000"/>
+              </a:lnSpc>
+              <a:spcBef>
+                <a:spcPts val="1000"/>
+              </a:spcBef>
+              <a:buFont typeface="Arial" panose="020B0604020202020204" pitchFamily="34" charset="0"/>
+              <a:buChar char="•"/>
+              <a:defRPr sz="1600" kern="1200">
+                <a:solidFill>
+                  <a:srgbClr val="DDDDDD"/>
+                </a:solidFill>
+                <a:latin typeface="Arial" panose="020B0604020202020204" pitchFamily="34" charset="0"/>
+                <a:ea typeface="+mn-ea"/>
+                <a:cs typeface="Arial" panose="020B0604020202020204" pitchFamily="34" charset="0"/>
+              </a:defRPr>
+            </a:lvl1pPr>
+            <a:lvl2pPr marL="685800" indent="-228600" algn="l" defTabSz="914400" rtl="0" eaLnBrk="1" latinLnBrk="0" hangingPunct="1">
+              <a:lnSpc>
+                <a:spcPct val="90000"/>
+              </a:lnSpc>
+              <a:spcBef>
+                <a:spcPts val="500"/>
+              </a:spcBef>
+              <a:buFont typeface="Arial" panose="020B0604020202020204" pitchFamily="34" charset="0"/>
+              <a:buChar char="•"/>
+              <a:defRPr sz="1600" kern="1200">
+                <a:solidFill>
+                  <a:srgbClr val="DDDDDD"/>
+                </a:solidFill>
+                <a:latin typeface="Arial" panose="020B0604020202020204" pitchFamily="34" charset="0"/>
+                <a:ea typeface="+mn-ea"/>
+                <a:cs typeface="Arial" panose="020B0604020202020204" pitchFamily="34" charset="0"/>
+              </a:defRPr>
+            </a:lvl2pPr>
+            <a:lvl3pPr marL="1143000" indent="-228600" algn="l" defTabSz="914400" rtl="0" eaLnBrk="1" latinLnBrk="0" hangingPunct="1">
+              <a:lnSpc>
+                <a:spcPct val="90000"/>
+              </a:lnSpc>
+              <a:spcBef>
+                <a:spcPts val="500"/>
+              </a:spcBef>
+              <a:buFont typeface="Arial" panose="020B0604020202020204" pitchFamily="34" charset="0"/>
+              <a:buChar char="•"/>
+              <a:defRPr sz="1600" kern="1200">
+                <a:solidFill>
+                  <a:srgbClr val="DDDDDD"/>
+                </a:solidFill>
+                <a:latin typeface="Arial" panose="020B0604020202020204" pitchFamily="34" charset="0"/>
+                <a:ea typeface="+mn-ea"/>
+                <a:cs typeface="Arial" panose="020B0604020202020204" pitchFamily="34" charset="0"/>
+              </a:defRPr>
+            </a:lvl3pPr>
+            <a:lvl4pPr marL="1600200" indent="-228600" algn="l" defTabSz="914400" rtl="0" eaLnBrk="1" latinLnBrk="0" hangingPunct="1">
+              <a:lnSpc>
+                <a:spcPct val="90000"/>
+              </a:lnSpc>
+              <a:spcBef>
+                <a:spcPts val="500"/>
+              </a:spcBef>
+              <a:buFont typeface="Arial" panose="020B0604020202020204" pitchFamily="34" charset="0"/>
+              <a:buChar char="•"/>
+              <a:defRPr sz="1400" kern="1200">
+                <a:solidFill>
+                  <a:srgbClr val="DDDDDD"/>
+                </a:solidFill>
+                <a:latin typeface="Arial" panose="020B0604020202020204" pitchFamily="34" charset="0"/>
+                <a:ea typeface="+mn-ea"/>
+                <a:cs typeface="Arial" panose="020B0604020202020204" pitchFamily="34" charset="0"/>
+              </a:defRPr>
+            </a:lvl4pPr>
+            <a:lvl5pPr marL="2057400" indent="-228600" algn="l" defTabSz="914400" rtl="0" eaLnBrk="1" latinLnBrk="0" hangingPunct="1">
+              <a:lnSpc>
+                <a:spcPct val="90000"/>
+              </a:lnSpc>
+              <a:spcBef>
+                <a:spcPts val="500"/>
+              </a:spcBef>
+              <a:buFont typeface="Arial" panose="020B0604020202020204" pitchFamily="34" charset="0"/>
+              <a:buChar char="•"/>
+              <a:defRPr sz="1400" kern="1200">
+                <a:solidFill>
+                  <a:srgbClr val="DDDDDD"/>
+                </a:solidFill>
+                <a:latin typeface="Arial" panose="020B0604020202020204" pitchFamily="34" charset="0"/>
+                <a:ea typeface="+mn-ea"/>
+                <a:cs typeface="Arial" panose="020B0604020202020204" pitchFamily="34" charset="0"/>
+              </a:defRPr>
+            </a:lvl5pPr>
+            <a:lvl6pPr marL="2514600" indent="-228600" algn="l" defTabSz="914400" rtl="0" eaLnBrk="1" latinLnBrk="0" hangingPunct="1">
+              <a:lnSpc>
+                <a:spcPct val="90000"/>
+              </a:lnSpc>
+              <a:spcBef>
+                <a:spcPts val="500"/>
+              </a:spcBef>
+              <a:buFont typeface="Arial" panose="020B0604020202020204" pitchFamily="34" charset="0"/>
+              <a:buChar char="•"/>
+              <a:defRPr sz="1800" kern="1200">
+                <a:solidFill>
+                  <a:schemeClr val="tx1"/>
+                </a:solidFill>
+                <a:latin typeface="+mn-lt"/>
+                <a:ea typeface="+mn-ea"/>
+                <a:cs typeface="+mn-cs"/>
+              </a:defRPr>
+            </a:lvl6pPr>
+            <a:lvl7pPr marL="2971800" indent="-228600" algn="l" defTabSz="914400" rtl="0" eaLnBrk="1" latinLnBrk="0" hangingPunct="1">
+              <a:lnSpc>
+                <a:spcPct val="90000"/>
+              </a:lnSpc>
+              <a:spcBef>
+                <a:spcPts val="500"/>
+              </a:spcBef>
+              <a:buFont typeface="Arial" panose="020B0604020202020204" pitchFamily="34" charset="0"/>
+              <a:buChar char="•"/>
+              <a:defRPr sz="1800" kern="1200">
+                <a:solidFill>
+                  <a:schemeClr val="tx1"/>
+                </a:solidFill>
+                <a:latin typeface="+mn-lt"/>
+                <a:ea typeface="+mn-ea"/>
+                <a:cs typeface="+mn-cs"/>
+              </a:defRPr>
+            </a:lvl7pPr>
+            <a:lvl8pPr marL="3429000" indent="-228600" algn="l" defTabSz="914400" rtl="0" eaLnBrk="1" latinLnBrk="0" hangingPunct="1">
+              <a:lnSpc>
+                <a:spcPct val="90000"/>
+              </a:lnSpc>
+              <a:spcBef>
+                <a:spcPts val="500"/>
+              </a:spcBef>
+              <a:buFont typeface="Arial" panose="020B0604020202020204" pitchFamily="34" charset="0"/>
+              <a:buChar char="•"/>
+              <a:defRPr sz="1800" kern="1200">
+                <a:solidFill>
+                  <a:schemeClr val="tx1"/>
+                </a:solidFill>
+                <a:latin typeface="+mn-lt"/>
+                <a:ea typeface="+mn-ea"/>
+                <a:cs typeface="+mn-cs"/>
+              </a:defRPr>
+            </a:lvl8pPr>
+            <a:lvl9pPr marL="3886200" indent="-228600" algn="l" defTabSz="914400" rtl="0" eaLnBrk="1" latinLnBrk="0" hangingPunct="1">
+              <a:lnSpc>
+                <a:spcPct val="90000"/>
+              </a:lnSpc>
+              <a:spcBef>
+                <a:spcPts val="500"/>
+              </a:spcBef>
+              <a:buFont typeface="Arial" panose="020B0604020202020204" pitchFamily="34" charset="0"/>
+              <a:buChar char="•"/>
+              <a:defRPr sz="1800" kern="1200">
+                <a:solidFill>
+                  <a:schemeClr val="tx1"/>
+                </a:solidFill>
+                <a:latin typeface="+mn-lt"/>
+                <a:ea typeface="+mn-ea"/>
+                <a:cs typeface="+mn-cs"/>
+              </a:defRPr>
+            </a:lvl9pPr>
+          </a:lstStyle>
+          <a:p>
+            <a:pPr marL="0" indent="0">
+              <a:buNone/>
+            </a:pPr>
+            <a:r>
+              <a:rPr lang="ru-RU" dirty="0"/>
+              <a:t>Ключевое слово </a:t>
+            </a:r>
+            <a:r>
+              <a:rPr lang="ru-RU" b="1" dirty="0" err="1">
+                <a:solidFill>
+                  <a:srgbClr val="FF423F"/>
+                </a:solidFill>
+              </a:rPr>
+              <a:t>throws</a:t>
+            </a:r>
+            <a:r>
+              <a:rPr lang="ru-RU" dirty="0"/>
+              <a:t> используется для указания, что метод может выбросить проверяемое исключение. Тип исключения указывается после ключевого слова </a:t>
+            </a:r>
+            <a:r>
+              <a:rPr lang="ru-RU" b="1" dirty="0" err="1">
+                <a:solidFill>
+                  <a:srgbClr val="FF423F"/>
+                </a:solidFill>
+              </a:rPr>
+              <a:t>throws</a:t>
+            </a:r>
+            <a:r>
+              <a:rPr lang="ru-RU" dirty="0"/>
+              <a:t>.</a:t>
+            </a:r>
+          </a:p>
+          <a:p>
+            <a:pPr marL="0" indent="0">
+              <a:buNone/>
+            </a:pPr>
+            <a:r>
+              <a:rPr lang="ru-RU" dirty="0"/>
+              <a:t>Если метод может выбросить несколько </a:t>
+            </a:r>
+            <a:r>
+              <a:rPr lang="ru-RU" b="1" dirty="0">
+                <a:solidFill>
+                  <a:srgbClr val="FF423F"/>
+                </a:solidFill>
+              </a:rPr>
+              <a:t>проверяемых исключений</a:t>
+            </a:r>
+            <a:r>
+              <a:rPr lang="ru-RU" dirty="0"/>
+              <a:t>, вы можете указать их все, разделив запятыми</a:t>
+            </a:r>
+          </a:p>
+        </p:txBody>
+      </p:sp>
+      <p:sp>
+        <p:nvSpPr>
+          <p:cNvPr id="8" name="Объект 2">
+            <a:extLst>
+              <a:ext uri="{FF2B5EF4-FFF2-40B4-BE49-F238E27FC236}">
+                <a16:creationId xmlns:a16="http://schemas.microsoft.com/office/drawing/2014/main" id="{34A9FD93-9110-44C4-E4AF-91562435F3DF}"/>
+              </a:ext>
+            </a:extLst>
+          </p:cNvPr>
+          <p:cNvSpPr txBox="1">
+            <a:spLocks/>
+          </p:cNvSpPr>
+          <p:nvPr/>
+        </p:nvSpPr>
+        <p:spPr>
+          <a:xfrm>
+            <a:off x="515939" y="668180"/>
+            <a:ext cx="11160124" cy="365126"/>
+          </a:xfrm>
+          <a:prstGeom prst="rect">
+            <a:avLst/>
+          </a:prstGeom>
+          <a:solidFill>
+            <a:srgbClr val="171717"/>
+          </a:solidFill>
+        </p:spPr>
+        <p:txBody>
+          <a:bodyPr vert="horz" lIns="91440" tIns="45720" rIns="91440" bIns="45720" rtlCol="0">
+            <a:normAutofit/>
+          </a:bodyPr>
+          <a:lstStyle>
+            <a:lvl1pPr marL="228600" indent="-228600" algn="l" defTabSz="914400" rtl="0" eaLnBrk="1" latinLnBrk="0" hangingPunct="1">
+              <a:lnSpc>
+                <a:spcPct val="90000"/>
+              </a:lnSpc>
+              <a:spcBef>
+                <a:spcPts val="1000"/>
+              </a:spcBef>
+              <a:buFont typeface="Arial" panose="020B0604020202020204" pitchFamily="34" charset="0"/>
+              <a:buChar char="•"/>
+              <a:defRPr sz="1600" kern="1200">
+                <a:solidFill>
+                  <a:srgbClr val="DDDDDD"/>
+                </a:solidFill>
+                <a:latin typeface="Arial" panose="020B0604020202020204" pitchFamily="34" charset="0"/>
+                <a:ea typeface="+mn-ea"/>
+                <a:cs typeface="Arial" panose="020B0604020202020204" pitchFamily="34" charset="0"/>
+              </a:defRPr>
+            </a:lvl1pPr>
+            <a:lvl2pPr marL="685800" indent="-228600" algn="l" defTabSz="914400" rtl="0" eaLnBrk="1" latinLnBrk="0" hangingPunct="1">
+              <a:lnSpc>
+                <a:spcPct val="90000"/>
+              </a:lnSpc>
+              <a:spcBef>
+                <a:spcPts val="500"/>
+              </a:spcBef>
+              <a:buFont typeface="Arial" panose="020B0604020202020204" pitchFamily="34" charset="0"/>
+              <a:buChar char="•"/>
+              <a:defRPr sz="1600" kern="1200">
+                <a:solidFill>
+                  <a:srgbClr val="DDDDDD"/>
+                </a:solidFill>
+                <a:latin typeface="Arial" panose="020B0604020202020204" pitchFamily="34" charset="0"/>
+                <a:ea typeface="+mn-ea"/>
+                <a:cs typeface="Arial" panose="020B0604020202020204" pitchFamily="34" charset="0"/>
+              </a:defRPr>
+            </a:lvl2pPr>
+            <a:lvl3pPr marL="1143000" indent="-228600" algn="l" defTabSz="914400" rtl="0" eaLnBrk="1" latinLnBrk="0" hangingPunct="1">
+              <a:lnSpc>
+                <a:spcPct val="90000"/>
+              </a:lnSpc>
+              <a:spcBef>
+                <a:spcPts val="500"/>
+              </a:spcBef>
+              <a:buFont typeface="Arial" panose="020B0604020202020204" pitchFamily="34" charset="0"/>
+              <a:buChar char="•"/>
+              <a:defRPr sz="1600" kern="1200">
+                <a:solidFill>
+                  <a:srgbClr val="DDDDDD"/>
+                </a:solidFill>
+                <a:latin typeface="Arial" panose="020B0604020202020204" pitchFamily="34" charset="0"/>
+                <a:ea typeface="+mn-ea"/>
+                <a:cs typeface="Arial" panose="020B0604020202020204" pitchFamily="34" charset="0"/>
+              </a:defRPr>
+            </a:lvl3pPr>
+            <a:lvl4pPr marL="1600200" indent="-228600" algn="l" defTabSz="914400" rtl="0" eaLnBrk="1" latinLnBrk="0" hangingPunct="1">
+              <a:lnSpc>
+                <a:spcPct val="90000"/>
+              </a:lnSpc>
+              <a:spcBef>
+                <a:spcPts val="500"/>
+              </a:spcBef>
+              <a:buFont typeface="Arial" panose="020B0604020202020204" pitchFamily="34" charset="0"/>
+              <a:buChar char="•"/>
+              <a:defRPr sz="1400" kern="1200">
+                <a:solidFill>
+                  <a:srgbClr val="DDDDDD"/>
+                </a:solidFill>
+                <a:latin typeface="Arial" panose="020B0604020202020204" pitchFamily="34" charset="0"/>
+                <a:ea typeface="+mn-ea"/>
+                <a:cs typeface="Arial" panose="020B0604020202020204" pitchFamily="34" charset="0"/>
+              </a:defRPr>
+            </a:lvl4pPr>
+            <a:lvl5pPr marL="2057400" indent="-228600" algn="l" defTabSz="914400" rtl="0" eaLnBrk="1" latinLnBrk="0" hangingPunct="1">
+              <a:lnSpc>
+                <a:spcPct val="90000"/>
+              </a:lnSpc>
+              <a:spcBef>
+                <a:spcPts val="500"/>
+              </a:spcBef>
+              <a:buFont typeface="Arial" panose="020B0604020202020204" pitchFamily="34" charset="0"/>
+              <a:buChar char="•"/>
+              <a:defRPr sz="1400" kern="1200">
+                <a:solidFill>
+                  <a:srgbClr val="DDDDDD"/>
+                </a:solidFill>
+                <a:latin typeface="Arial" panose="020B0604020202020204" pitchFamily="34" charset="0"/>
+                <a:ea typeface="+mn-ea"/>
+                <a:cs typeface="Arial" panose="020B0604020202020204" pitchFamily="34" charset="0"/>
+              </a:defRPr>
+            </a:lvl5pPr>
+            <a:lvl6pPr marL="2514600" indent="-228600" algn="l" defTabSz="914400" rtl="0" eaLnBrk="1" latinLnBrk="0" hangingPunct="1">
+              <a:lnSpc>
+                <a:spcPct val="90000"/>
+              </a:lnSpc>
+              <a:spcBef>
+                <a:spcPts val="500"/>
+              </a:spcBef>
+              <a:buFont typeface="Arial" panose="020B0604020202020204" pitchFamily="34" charset="0"/>
+              <a:buChar char="•"/>
+              <a:defRPr sz="1800" kern="1200">
+                <a:solidFill>
+                  <a:schemeClr val="tx1"/>
+                </a:solidFill>
+                <a:latin typeface="+mn-lt"/>
+                <a:ea typeface="+mn-ea"/>
+                <a:cs typeface="+mn-cs"/>
+              </a:defRPr>
+            </a:lvl6pPr>
+            <a:lvl7pPr marL="2971800" indent="-228600" algn="l" defTabSz="914400" rtl="0" eaLnBrk="1" latinLnBrk="0" hangingPunct="1">
+              <a:lnSpc>
+                <a:spcPct val="90000"/>
+              </a:lnSpc>
+              <a:spcBef>
+                <a:spcPts val="500"/>
+              </a:spcBef>
+              <a:buFont typeface="Arial" panose="020B0604020202020204" pitchFamily="34" charset="0"/>
+              <a:buChar char="•"/>
+              <a:defRPr sz="1800" kern="1200">
+                <a:solidFill>
+                  <a:schemeClr val="tx1"/>
+                </a:solidFill>
+                <a:latin typeface="+mn-lt"/>
+                <a:ea typeface="+mn-ea"/>
+                <a:cs typeface="+mn-cs"/>
+              </a:defRPr>
+            </a:lvl7pPr>
+            <a:lvl8pPr marL="3429000" indent="-228600" algn="l" defTabSz="914400" rtl="0" eaLnBrk="1" latinLnBrk="0" hangingPunct="1">
+              <a:lnSpc>
+                <a:spcPct val="90000"/>
+              </a:lnSpc>
+              <a:spcBef>
+                <a:spcPts val="500"/>
+              </a:spcBef>
+              <a:buFont typeface="Arial" panose="020B0604020202020204" pitchFamily="34" charset="0"/>
+              <a:buChar char="•"/>
+              <a:defRPr sz="1800" kern="1200">
+                <a:solidFill>
+                  <a:schemeClr val="tx1"/>
+                </a:solidFill>
+                <a:latin typeface="+mn-lt"/>
+                <a:ea typeface="+mn-ea"/>
+                <a:cs typeface="+mn-cs"/>
+              </a:defRPr>
+            </a:lvl8pPr>
+            <a:lvl9pPr marL="3886200" indent="-228600" algn="l" defTabSz="914400" rtl="0" eaLnBrk="1" latinLnBrk="0" hangingPunct="1">
+              <a:lnSpc>
+                <a:spcPct val="90000"/>
+              </a:lnSpc>
+              <a:spcBef>
+                <a:spcPts val="500"/>
+              </a:spcBef>
+              <a:buFont typeface="Arial" panose="020B0604020202020204" pitchFamily="34" charset="0"/>
+              <a:buChar char="•"/>
+              <a:defRPr sz="1800" kern="1200">
+                <a:solidFill>
+                  <a:schemeClr val="tx1"/>
+                </a:solidFill>
+                <a:latin typeface="+mn-lt"/>
+                <a:ea typeface="+mn-ea"/>
+                <a:cs typeface="+mn-cs"/>
+              </a:defRPr>
+            </a:lvl9pPr>
+          </a:lstStyle>
+          <a:p>
+            <a:pPr marL="0" indent="0">
+              <a:buNone/>
+            </a:pPr>
+            <a:r>
+              <a:rPr lang="ru-RU" dirty="0"/>
+              <a:t>Базовый </a:t>
+            </a:r>
+            <a:r>
+              <a:rPr lang="ru-RU" dirty="0">
+                <a:solidFill>
+                  <a:srgbClr val="FF423F"/>
+                </a:solidFill>
+              </a:rPr>
+              <a:t>шаблон</a:t>
+            </a:r>
+            <a:r>
+              <a:rPr lang="ru-RU" dirty="0"/>
+              <a:t> </a:t>
+            </a:r>
+            <a:r>
+              <a:rPr lang="ru-RU" dirty="0">
+                <a:solidFill>
+                  <a:srgbClr val="FF423F"/>
+                </a:solidFill>
+              </a:rPr>
+              <a:t>генерации</a:t>
+            </a:r>
+            <a:r>
+              <a:rPr lang="ru-RU" dirty="0"/>
+              <a:t> исключения</a:t>
+            </a:r>
+          </a:p>
+        </p:txBody>
+      </p:sp>
+      <p:pic>
+        <p:nvPicPr>
+          <p:cNvPr id="12" name="Рисунок 11">
+            <a:extLst>
+              <a:ext uri="{FF2B5EF4-FFF2-40B4-BE49-F238E27FC236}">
+                <a16:creationId xmlns:a16="http://schemas.microsoft.com/office/drawing/2014/main" id="{DD4298FD-7676-8510-893E-E906EF98CDF2}"/>
+              </a:ext>
+            </a:extLst>
+          </p:cNvPr>
+          <p:cNvPicPr>
+            <a:picLocks noChangeAspect="1"/>
+          </p:cNvPicPr>
+          <p:nvPr/>
+        </p:nvPicPr>
+        <p:blipFill>
+          <a:blip r:embed="rId4"/>
+          <a:stretch>
+            <a:fillRect/>
+          </a:stretch>
+        </p:blipFill>
+        <p:spPr>
+          <a:xfrm>
+            <a:off x="2257021" y="1033306"/>
+            <a:ext cx="6891494" cy="719442"/>
+          </a:xfrm>
+          <a:prstGeom prst="rect">
+            <a:avLst/>
+          </a:prstGeom>
+        </p:spPr>
+      </p:pic>
+      <p:pic>
+        <p:nvPicPr>
+          <p:cNvPr id="15" name="Рисунок 14">
+            <a:extLst>
+              <a:ext uri="{FF2B5EF4-FFF2-40B4-BE49-F238E27FC236}">
+                <a16:creationId xmlns:a16="http://schemas.microsoft.com/office/drawing/2014/main" id="{998D57DA-282E-A2A1-12BD-696957BBA9BB}"/>
+              </a:ext>
+            </a:extLst>
+          </p:cNvPr>
+          <p:cNvPicPr>
+            <a:picLocks noChangeAspect="1"/>
+          </p:cNvPicPr>
+          <p:nvPr/>
+        </p:nvPicPr>
+        <p:blipFill>
+          <a:blip r:embed="rId5"/>
+          <a:stretch>
+            <a:fillRect/>
+          </a:stretch>
+        </p:blipFill>
+        <p:spPr>
+          <a:xfrm>
+            <a:off x="2619205" y="2531993"/>
+            <a:ext cx="6529310" cy="2169021"/>
+          </a:xfrm>
+          <a:prstGeom prst="rect">
+            <a:avLst/>
+          </a:prstGeom>
+        </p:spPr>
+      </p:pic>
+      <p:sp>
+        <p:nvSpPr>
+          <p:cNvPr id="16" name="Объект 2">
+            <a:extLst>
+              <a:ext uri="{FF2B5EF4-FFF2-40B4-BE49-F238E27FC236}">
+                <a16:creationId xmlns:a16="http://schemas.microsoft.com/office/drawing/2014/main" id="{04AD7F6F-4CA8-DE90-0B71-585501771453}"/>
+              </a:ext>
+            </a:extLst>
+          </p:cNvPr>
+          <p:cNvSpPr txBox="1">
+            <a:spLocks/>
+          </p:cNvSpPr>
+          <p:nvPr/>
+        </p:nvSpPr>
+        <p:spPr>
+          <a:xfrm>
+            <a:off x="515939" y="2000527"/>
+            <a:ext cx="11160124" cy="365126"/>
+          </a:xfrm>
+          <a:prstGeom prst="rect">
+            <a:avLst/>
+          </a:prstGeom>
+          <a:solidFill>
+            <a:srgbClr val="171717"/>
+          </a:solidFill>
+        </p:spPr>
+        <p:txBody>
+          <a:bodyPr vert="horz" lIns="91440" tIns="45720" rIns="91440" bIns="45720" rtlCol="0">
+            <a:normAutofit/>
+          </a:bodyPr>
+          <a:lstStyle>
+            <a:lvl1pPr marL="228600" indent="-228600" algn="l" defTabSz="914400" rtl="0" eaLnBrk="1" latinLnBrk="0" hangingPunct="1">
+              <a:lnSpc>
+                <a:spcPct val="90000"/>
+              </a:lnSpc>
+              <a:spcBef>
+                <a:spcPts val="1000"/>
+              </a:spcBef>
+              <a:buFont typeface="Arial" panose="020B0604020202020204" pitchFamily="34" charset="0"/>
+              <a:buChar char="•"/>
+              <a:defRPr sz="1600" kern="1200">
+                <a:solidFill>
+                  <a:srgbClr val="DDDDDD"/>
+                </a:solidFill>
+                <a:latin typeface="Arial" panose="020B0604020202020204" pitchFamily="34" charset="0"/>
+                <a:ea typeface="+mn-ea"/>
+                <a:cs typeface="Arial" panose="020B0604020202020204" pitchFamily="34" charset="0"/>
+              </a:defRPr>
+            </a:lvl1pPr>
+            <a:lvl2pPr marL="685800" indent="-228600" algn="l" defTabSz="914400" rtl="0" eaLnBrk="1" latinLnBrk="0" hangingPunct="1">
+              <a:lnSpc>
+                <a:spcPct val="90000"/>
+              </a:lnSpc>
+              <a:spcBef>
+                <a:spcPts val="500"/>
+              </a:spcBef>
+              <a:buFont typeface="Arial" panose="020B0604020202020204" pitchFamily="34" charset="0"/>
+              <a:buChar char="•"/>
+              <a:defRPr sz="1600" kern="1200">
+                <a:solidFill>
+                  <a:srgbClr val="DDDDDD"/>
+                </a:solidFill>
+                <a:latin typeface="Arial" panose="020B0604020202020204" pitchFamily="34" charset="0"/>
+                <a:ea typeface="+mn-ea"/>
+                <a:cs typeface="Arial" panose="020B0604020202020204" pitchFamily="34" charset="0"/>
+              </a:defRPr>
+            </a:lvl2pPr>
+            <a:lvl3pPr marL="1143000" indent="-228600" algn="l" defTabSz="914400" rtl="0" eaLnBrk="1" latinLnBrk="0" hangingPunct="1">
+              <a:lnSpc>
+                <a:spcPct val="90000"/>
+              </a:lnSpc>
+              <a:spcBef>
+                <a:spcPts val="500"/>
+              </a:spcBef>
+              <a:buFont typeface="Arial" panose="020B0604020202020204" pitchFamily="34" charset="0"/>
+              <a:buChar char="•"/>
+              <a:defRPr sz="1600" kern="1200">
+                <a:solidFill>
+                  <a:srgbClr val="DDDDDD"/>
+                </a:solidFill>
+                <a:latin typeface="Arial" panose="020B0604020202020204" pitchFamily="34" charset="0"/>
+                <a:ea typeface="+mn-ea"/>
+                <a:cs typeface="Arial" panose="020B0604020202020204" pitchFamily="34" charset="0"/>
+              </a:defRPr>
+            </a:lvl3pPr>
+            <a:lvl4pPr marL="1600200" indent="-228600" algn="l" defTabSz="914400" rtl="0" eaLnBrk="1" latinLnBrk="0" hangingPunct="1">
+              <a:lnSpc>
+                <a:spcPct val="90000"/>
+              </a:lnSpc>
+              <a:spcBef>
+                <a:spcPts val="500"/>
+              </a:spcBef>
+              <a:buFont typeface="Arial" panose="020B0604020202020204" pitchFamily="34" charset="0"/>
+              <a:buChar char="•"/>
+              <a:defRPr sz="1400" kern="1200">
+                <a:solidFill>
+                  <a:srgbClr val="DDDDDD"/>
+                </a:solidFill>
+                <a:latin typeface="Arial" panose="020B0604020202020204" pitchFamily="34" charset="0"/>
+                <a:ea typeface="+mn-ea"/>
+                <a:cs typeface="Arial" panose="020B0604020202020204" pitchFamily="34" charset="0"/>
+              </a:defRPr>
+            </a:lvl4pPr>
+            <a:lvl5pPr marL="2057400" indent="-228600" algn="l" defTabSz="914400" rtl="0" eaLnBrk="1" latinLnBrk="0" hangingPunct="1">
+              <a:lnSpc>
+                <a:spcPct val="90000"/>
+              </a:lnSpc>
+              <a:spcBef>
+                <a:spcPts val="500"/>
+              </a:spcBef>
+              <a:buFont typeface="Arial" panose="020B0604020202020204" pitchFamily="34" charset="0"/>
+              <a:buChar char="•"/>
+              <a:defRPr sz="1400" kern="1200">
+                <a:solidFill>
+                  <a:srgbClr val="DDDDDD"/>
+                </a:solidFill>
+                <a:latin typeface="Arial" panose="020B0604020202020204" pitchFamily="34" charset="0"/>
+                <a:ea typeface="+mn-ea"/>
+                <a:cs typeface="Arial" panose="020B0604020202020204" pitchFamily="34" charset="0"/>
+              </a:defRPr>
+            </a:lvl5pPr>
+            <a:lvl6pPr marL="2514600" indent="-228600" algn="l" defTabSz="914400" rtl="0" eaLnBrk="1" latinLnBrk="0" hangingPunct="1">
+              <a:lnSpc>
+                <a:spcPct val="90000"/>
+              </a:lnSpc>
+              <a:spcBef>
+                <a:spcPts val="500"/>
+              </a:spcBef>
+              <a:buFont typeface="Arial" panose="020B0604020202020204" pitchFamily="34" charset="0"/>
+              <a:buChar char="•"/>
+              <a:defRPr sz="1800" kern="1200">
+                <a:solidFill>
+                  <a:schemeClr val="tx1"/>
+                </a:solidFill>
+                <a:latin typeface="+mn-lt"/>
+                <a:ea typeface="+mn-ea"/>
+                <a:cs typeface="+mn-cs"/>
+              </a:defRPr>
+            </a:lvl6pPr>
+            <a:lvl7pPr marL="2971800" indent="-228600" algn="l" defTabSz="914400" rtl="0" eaLnBrk="1" latinLnBrk="0" hangingPunct="1">
+              <a:lnSpc>
+                <a:spcPct val="90000"/>
+              </a:lnSpc>
+              <a:spcBef>
+                <a:spcPts val="500"/>
+              </a:spcBef>
+              <a:buFont typeface="Arial" panose="020B0604020202020204" pitchFamily="34" charset="0"/>
+              <a:buChar char="•"/>
+              <a:defRPr sz="1800" kern="1200">
+                <a:solidFill>
+                  <a:schemeClr val="tx1"/>
+                </a:solidFill>
+                <a:latin typeface="+mn-lt"/>
+                <a:ea typeface="+mn-ea"/>
+                <a:cs typeface="+mn-cs"/>
+              </a:defRPr>
+            </a:lvl7pPr>
+            <a:lvl8pPr marL="3429000" indent="-228600" algn="l" defTabSz="914400" rtl="0" eaLnBrk="1" latinLnBrk="0" hangingPunct="1">
+              <a:lnSpc>
+                <a:spcPct val="90000"/>
+              </a:lnSpc>
+              <a:spcBef>
+                <a:spcPts val="500"/>
+              </a:spcBef>
+              <a:buFont typeface="Arial" panose="020B0604020202020204" pitchFamily="34" charset="0"/>
+              <a:buChar char="•"/>
+              <a:defRPr sz="1800" kern="1200">
+                <a:solidFill>
+                  <a:schemeClr val="tx1"/>
+                </a:solidFill>
+                <a:latin typeface="+mn-lt"/>
+                <a:ea typeface="+mn-ea"/>
+                <a:cs typeface="+mn-cs"/>
+              </a:defRPr>
+            </a:lvl8pPr>
+            <a:lvl9pPr marL="3886200" indent="-228600" algn="l" defTabSz="914400" rtl="0" eaLnBrk="1" latinLnBrk="0" hangingPunct="1">
+              <a:lnSpc>
+                <a:spcPct val="90000"/>
+              </a:lnSpc>
+              <a:spcBef>
+                <a:spcPts val="500"/>
+              </a:spcBef>
+              <a:buFont typeface="Arial" panose="020B0604020202020204" pitchFamily="34" charset="0"/>
+              <a:buChar char="•"/>
+              <a:defRPr sz="1800" kern="1200">
+                <a:solidFill>
+                  <a:schemeClr val="tx1"/>
+                </a:solidFill>
+                <a:latin typeface="+mn-lt"/>
+                <a:ea typeface="+mn-ea"/>
+                <a:cs typeface="+mn-cs"/>
+              </a:defRPr>
+            </a:lvl9pPr>
+          </a:lstStyle>
+          <a:p>
+            <a:pPr marL="0" indent="0">
+              <a:buNone/>
+            </a:pPr>
+            <a:r>
+              <a:rPr lang="ru-RU" dirty="0"/>
+              <a:t>Базовый </a:t>
+            </a:r>
+            <a:r>
+              <a:rPr lang="ru-RU" dirty="0">
+                <a:solidFill>
+                  <a:srgbClr val="FF423F"/>
+                </a:solidFill>
+              </a:rPr>
+              <a:t>шаблон</a:t>
+            </a:r>
+            <a:r>
+              <a:rPr lang="ru-RU" dirty="0"/>
+              <a:t> </a:t>
+            </a:r>
+            <a:r>
+              <a:rPr lang="ru-RU" dirty="0">
+                <a:solidFill>
+                  <a:srgbClr val="FF423F"/>
+                </a:solidFill>
+              </a:rPr>
+              <a:t>обработки</a:t>
+            </a:r>
+            <a:r>
+              <a:rPr lang="ru-RU" dirty="0"/>
+              <a:t> исключения</a:t>
+            </a:r>
+          </a:p>
+        </p:txBody>
+      </p:sp>
+    </p:spTree>
+    <p:extLst>
+      <p:ext uri="{BB962C8B-B14F-4D97-AF65-F5344CB8AC3E}">
+        <p14:creationId xmlns:p14="http://schemas.microsoft.com/office/powerpoint/2010/main" val="3464436653"/>
+      </p:ext>
+    </p:extLst>
+  </p:cSld>
+  <p:clrMapOvr>
+    <a:masterClrMapping/>
+  </p:clrMapOvr>
+</p:sld>
+</file>
+
+<file path=ppt/slides/slide4.xml><?xml version="1.0" encoding="utf-8"?>
+<p:sld xmlns:a="http://schemas.openxmlformats.org/drawingml/2006/main" xmlns:r="http://schemas.openxmlformats.org/officeDocument/2006/relationships" xmlns:p="http://schemas.openxmlformats.org/presentationml/2006/main">
+  <p:cSld>
+    <p:spTree>
+      <p:nvGrpSpPr>
+        <p:cNvPr id="1" name=""/>
+        <p:cNvGrpSpPr/>
+        <p:nvPr/>
+      </p:nvGrpSpPr>
+      <p:grpSpPr>
+        <a:xfrm>
+          <a:off x="0" y="0"/>
+          <a:ext cx="0" cy="0"/>
+          <a:chOff x="0" y="0"/>
+          <a:chExt cx="0" cy="0"/>
+        </a:xfrm>
+      </p:grpSpPr>
+      <p:sp>
+        <p:nvSpPr>
+          <p:cNvPr id="2" name="Заголовок 1">
+            <a:extLst>
+              <a:ext uri="{FF2B5EF4-FFF2-40B4-BE49-F238E27FC236}">
+                <a16:creationId xmlns:a16="http://schemas.microsoft.com/office/drawing/2014/main" id="{E2FE65B6-44BA-6974-F610-DAB03FCD3803}"/>
+              </a:ext>
+            </a:extLst>
+          </p:cNvPr>
+          <p:cNvSpPr>
+            <a:spLocks noGrp="1"/>
+          </p:cNvSpPr>
+          <p:nvPr>
+            <p:ph type="title"/>
+          </p:nvPr>
+        </p:nvSpPr>
+        <p:spPr/>
+        <p:txBody>
+          <a:bodyPr/>
+          <a:lstStyle/>
+          <a:p>
+            <a:r>
+              <a:rPr lang="ru-RU" dirty="0">
+                <a:solidFill>
+                  <a:srgbClr val="DDDDDD"/>
+                </a:solidFill>
+              </a:rPr>
+              <a:t>Полезные методы</a:t>
+            </a:r>
+          </a:p>
+        </p:txBody>
+      </p:sp>
+      <p:pic>
+        <p:nvPicPr>
+          <p:cNvPr id="10" name="Рисунок 9">
+            <a:extLst>
+              <a:ext uri="{FF2B5EF4-FFF2-40B4-BE49-F238E27FC236}">
+                <a16:creationId xmlns:a16="http://schemas.microsoft.com/office/drawing/2014/main" id="{A83E19A5-188A-5699-A020-FFD30AE536D4}"/>
+              </a:ext>
+            </a:extLst>
+          </p:cNvPr>
+          <p:cNvPicPr>
+            <a:picLocks noChangeAspect="1"/>
+          </p:cNvPicPr>
+          <p:nvPr/>
+        </p:nvPicPr>
+        <p:blipFill>
+          <a:blip r:embed="rId3"/>
+          <a:stretch>
+            <a:fillRect/>
+          </a:stretch>
+        </p:blipFill>
+        <p:spPr>
+          <a:xfrm>
+            <a:off x="2071126" y="1587285"/>
+            <a:ext cx="8049748" cy="1876687"/>
+          </a:xfrm>
+          <a:prstGeom prst="rect">
+            <a:avLst/>
+          </a:prstGeom>
+        </p:spPr>
+      </p:pic>
+      <p:sp>
+        <p:nvSpPr>
+          <p:cNvPr id="11" name="Объект 2">
+            <a:extLst>
+              <a:ext uri="{FF2B5EF4-FFF2-40B4-BE49-F238E27FC236}">
+                <a16:creationId xmlns:a16="http://schemas.microsoft.com/office/drawing/2014/main" id="{6ABDF512-49A0-5CF0-FE31-DF68ACEC89EA}"/>
+              </a:ext>
+            </a:extLst>
+          </p:cNvPr>
+          <p:cNvSpPr txBox="1">
+            <a:spLocks/>
+          </p:cNvSpPr>
+          <p:nvPr/>
+        </p:nvSpPr>
+        <p:spPr>
+          <a:xfrm>
+            <a:off x="515939" y="671381"/>
+            <a:ext cx="11160124" cy="738319"/>
+          </a:xfrm>
+          <a:prstGeom prst="rect">
+            <a:avLst/>
+          </a:prstGeom>
+          <a:solidFill>
+            <a:srgbClr val="171717"/>
+          </a:solidFill>
+        </p:spPr>
+        <p:txBody>
+          <a:bodyPr vert="horz" lIns="91440" tIns="45720" rIns="91440" bIns="45720" rtlCol="0">
+            <a:normAutofit/>
+          </a:bodyPr>
+          <a:lstStyle>
+            <a:lvl1pPr marL="228600" indent="-228600" algn="l" defTabSz="914400" rtl="0" eaLnBrk="1" latinLnBrk="0" hangingPunct="1">
+              <a:lnSpc>
+                <a:spcPct val="90000"/>
+              </a:lnSpc>
+              <a:spcBef>
+                <a:spcPts val="1000"/>
+              </a:spcBef>
+              <a:buFont typeface="Arial" panose="020B0604020202020204" pitchFamily="34" charset="0"/>
+              <a:buChar char="•"/>
+              <a:defRPr sz="1600" kern="1200">
+                <a:solidFill>
+                  <a:srgbClr val="DDDDDD"/>
+                </a:solidFill>
+                <a:latin typeface="Arial" panose="020B0604020202020204" pitchFamily="34" charset="0"/>
+                <a:ea typeface="+mn-ea"/>
+                <a:cs typeface="Arial" panose="020B0604020202020204" pitchFamily="34" charset="0"/>
+              </a:defRPr>
+            </a:lvl1pPr>
+            <a:lvl2pPr marL="685800" indent="-228600" algn="l" defTabSz="914400" rtl="0" eaLnBrk="1" latinLnBrk="0" hangingPunct="1">
+              <a:lnSpc>
+                <a:spcPct val="90000"/>
+              </a:lnSpc>
+              <a:spcBef>
+                <a:spcPts val="500"/>
+              </a:spcBef>
+              <a:buFont typeface="Arial" panose="020B0604020202020204" pitchFamily="34" charset="0"/>
+              <a:buChar char="•"/>
+              <a:defRPr sz="1600" kern="1200">
+                <a:solidFill>
+                  <a:srgbClr val="DDDDDD"/>
+                </a:solidFill>
+                <a:latin typeface="Arial" panose="020B0604020202020204" pitchFamily="34" charset="0"/>
+                <a:ea typeface="+mn-ea"/>
+                <a:cs typeface="Arial" panose="020B0604020202020204" pitchFamily="34" charset="0"/>
+              </a:defRPr>
+            </a:lvl2pPr>
+            <a:lvl3pPr marL="1143000" indent="-228600" algn="l" defTabSz="914400" rtl="0" eaLnBrk="1" latinLnBrk="0" hangingPunct="1">
+              <a:lnSpc>
+                <a:spcPct val="90000"/>
+              </a:lnSpc>
+              <a:spcBef>
+                <a:spcPts val="500"/>
+              </a:spcBef>
+              <a:buFont typeface="Arial" panose="020B0604020202020204" pitchFamily="34" charset="0"/>
+              <a:buChar char="•"/>
+              <a:defRPr sz="1600" kern="1200">
+                <a:solidFill>
+                  <a:srgbClr val="DDDDDD"/>
+                </a:solidFill>
+                <a:latin typeface="Arial" panose="020B0604020202020204" pitchFamily="34" charset="0"/>
+                <a:ea typeface="+mn-ea"/>
+                <a:cs typeface="Arial" panose="020B0604020202020204" pitchFamily="34" charset="0"/>
+              </a:defRPr>
+            </a:lvl3pPr>
+            <a:lvl4pPr marL="1600200" indent="-228600" algn="l" defTabSz="914400" rtl="0" eaLnBrk="1" latinLnBrk="0" hangingPunct="1">
+              <a:lnSpc>
+                <a:spcPct val="90000"/>
+              </a:lnSpc>
+              <a:spcBef>
+                <a:spcPts val="500"/>
+              </a:spcBef>
+              <a:buFont typeface="Arial" panose="020B0604020202020204" pitchFamily="34" charset="0"/>
+              <a:buChar char="•"/>
+              <a:defRPr sz="1400" kern="1200">
+                <a:solidFill>
+                  <a:srgbClr val="DDDDDD"/>
+                </a:solidFill>
+                <a:latin typeface="Arial" panose="020B0604020202020204" pitchFamily="34" charset="0"/>
+                <a:ea typeface="+mn-ea"/>
+                <a:cs typeface="Arial" panose="020B0604020202020204" pitchFamily="34" charset="0"/>
+              </a:defRPr>
+            </a:lvl4pPr>
+            <a:lvl5pPr marL="2057400" indent="-228600" algn="l" defTabSz="914400" rtl="0" eaLnBrk="1" latinLnBrk="0" hangingPunct="1">
+              <a:lnSpc>
+                <a:spcPct val="90000"/>
+              </a:lnSpc>
+              <a:spcBef>
+                <a:spcPts val="500"/>
+              </a:spcBef>
+              <a:buFont typeface="Arial" panose="020B0604020202020204" pitchFamily="34" charset="0"/>
+              <a:buChar char="•"/>
+              <a:defRPr sz="1400" kern="1200">
+                <a:solidFill>
+                  <a:srgbClr val="DDDDDD"/>
+                </a:solidFill>
+                <a:latin typeface="Arial" panose="020B0604020202020204" pitchFamily="34" charset="0"/>
+                <a:ea typeface="+mn-ea"/>
+                <a:cs typeface="Arial" panose="020B0604020202020204" pitchFamily="34" charset="0"/>
+              </a:defRPr>
+            </a:lvl5pPr>
+            <a:lvl6pPr marL="2514600" indent="-228600" algn="l" defTabSz="914400" rtl="0" eaLnBrk="1" latinLnBrk="0" hangingPunct="1">
+              <a:lnSpc>
+                <a:spcPct val="90000"/>
+              </a:lnSpc>
+              <a:spcBef>
+                <a:spcPts val="500"/>
+              </a:spcBef>
+              <a:buFont typeface="Arial" panose="020B0604020202020204" pitchFamily="34" charset="0"/>
+              <a:buChar char="•"/>
+              <a:defRPr sz="1800" kern="1200">
+                <a:solidFill>
+                  <a:schemeClr val="tx1"/>
+                </a:solidFill>
+                <a:latin typeface="+mn-lt"/>
+                <a:ea typeface="+mn-ea"/>
+                <a:cs typeface="+mn-cs"/>
+              </a:defRPr>
+            </a:lvl6pPr>
+            <a:lvl7pPr marL="2971800" indent="-228600" algn="l" defTabSz="914400" rtl="0" eaLnBrk="1" latinLnBrk="0" hangingPunct="1">
+              <a:lnSpc>
+                <a:spcPct val="90000"/>
+              </a:lnSpc>
+              <a:spcBef>
+                <a:spcPts val="500"/>
+              </a:spcBef>
+              <a:buFont typeface="Arial" panose="020B0604020202020204" pitchFamily="34" charset="0"/>
+              <a:buChar char="•"/>
+              <a:defRPr sz="1800" kern="1200">
+                <a:solidFill>
+                  <a:schemeClr val="tx1"/>
+                </a:solidFill>
+                <a:latin typeface="+mn-lt"/>
+                <a:ea typeface="+mn-ea"/>
+                <a:cs typeface="+mn-cs"/>
+              </a:defRPr>
+            </a:lvl7pPr>
+            <a:lvl8pPr marL="3429000" indent="-228600" algn="l" defTabSz="914400" rtl="0" eaLnBrk="1" latinLnBrk="0" hangingPunct="1">
+              <a:lnSpc>
+                <a:spcPct val="90000"/>
+              </a:lnSpc>
+              <a:spcBef>
+                <a:spcPts val="500"/>
+              </a:spcBef>
+              <a:buFont typeface="Arial" panose="020B0604020202020204" pitchFamily="34" charset="0"/>
+              <a:buChar char="•"/>
+              <a:defRPr sz="1800" kern="1200">
+                <a:solidFill>
+                  <a:schemeClr val="tx1"/>
+                </a:solidFill>
+                <a:latin typeface="+mn-lt"/>
+                <a:ea typeface="+mn-ea"/>
+                <a:cs typeface="+mn-cs"/>
+              </a:defRPr>
+            </a:lvl8pPr>
+            <a:lvl9pPr marL="3886200" indent="-228600" algn="l" defTabSz="914400" rtl="0" eaLnBrk="1" latinLnBrk="0" hangingPunct="1">
+              <a:lnSpc>
+                <a:spcPct val="90000"/>
+              </a:lnSpc>
+              <a:spcBef>
+                <a:spcPts val="500"/>
+              </a:spcBef>
+              <a:buFont typeface="Arial" panose="020B0604020202020204" pitchFamily="34" charset="0"/>
+              <a:buChar char="•"/>
+              <a:defRPr sz="1800" kern="1200">
+                <a:solidFill>
+                  <a:schemeClr val="tx1"/>
+                </a:solidFill>
+                <a:latin typeface="+mn-lt"/>
+                <a:ea typeface="+mn-ea"/>
+                <a:cs typeface="+mn-cs"/>
+              </a:defRPr>
+            </a:lvl9pPr>
+          </a:lstStyle>
+          <a:p>
+            <a:pPr marL="0" indent="0">
+              <a:buNone/>
+            </a:pPr>
+            <a:r>
+              <a:rPr lang="en-US" b="1" dirty="0">
+                <a:solidFill>
+                  <a:srgbClr val="FF423F"/>
+                </a:solidFill>
+              </a:rPr>
+              <a:t>1. </a:t>
+            </a:r>
+            <a:r>
+              <a:rPr lang="en-US" b="1" dirty="0" err="1">
+                <a:solidFill>
+                  <a:srgbClr val="FF423F"/>
+                </a:solidFill>
+              </a:rPr>
+              <a:t>getMessage</a:t>
+            </a:r>
+            <a:r>
+              <a:rPr lang="en-US" b="1" dirty="0">
+                <a:solidFill>
+                  <a:srgbClr val="FF423F"/>
+                </a:solidFill>
+              </a:rPr>
+              <a:t>()</a:t>
+            </a:r>
+            <a:r>
+              <a:rPr lang="en-US" dirty="0"/>
+              <a:t>. </a:t>
+            </a:r>
+            <a:r>
+              <a:rPr lang="ru-RU" dirty="0"/>
+              <a:t>Возвращает сообщение об ошибке, которое было передано в конструктор исключения.</a:t>
+            </a:r>
+            <a:endParaRPr lang="en-US" dirty="0"/>
+          </a:p>
+          <a:p>
+            <a:pPr marL="0" indent="0">
+              <a:buNone/>
+            </a:pPr>
+            <a:r>
+              <a:rPr lang="ru-RU" dirty="0"/>
+              <a:t>Это полезно для получения описания ошибки.</a:t>
+            </a:r>
+          </a:p>
+        </p:txBody>
+      </p:sp>
+      <p:sp>
+        <p:nvSpPr>
+          <p:cNvPr id="14" name="Объект 2">
+            <a:extLst>
+              <a:ext uri="{FF2B5EF4-FFF2-40B4-BE49-F238E27FC236}">
+                <a16:creationId xmlns:a16="http://schemas.microsoft.com/office/drawing/2014/main" id="{5ECAAB9E-39A9-B6B3-B2C7-5060728945CF}"/>
+              </a:ext>
+            </a:extLst>
+          </p:cNvPr>
+          <p:cNvSpPr txBox="1">
+            <a:spLocks/>
+          </p:cNvSpPr>
+          <p:nvPr/>
+        </p:nvSpPr>
+        <p:spPr>
+          <a:xfrm>
+            <a:off x="515938" y="3641557"/>
+            <a:ext cx="11160124" cy="738319"/>
+          </a:xfrm>
+          <a:prstGeom prst="rect">
+            <a:avLst/>
+          </a:prstGeom>
+          <a:solidFill>
+            <a:srgbClr val="171717"/>
+          </a:solidFill>
+        </p:spPr>
+        <p:txBody>
+          <a:bodyPr vert="horz" lIns="91440" tIns="45720" rIns="91440" bIns="45720" rtlCol="0">
+            <a:normAutofit/>
+          </a:bodyPr>
+          <a:lstStyle>
+            <a:lvl1pPr marL="228600" indent="-228600" algn="l" defTabSz="914400" rtl="0" eaLnBrk="1" latinLnBrk="0" hangingPunct="1">
+              <a:lnSpc>
+                <a:spcPct val="90000"/>
+              </a:lnSpc>
+              <a:spcBef>
+                <a:spcPts val="1000"/>
+              </a:spcBef>
+              <a:buFont typeface="Arial" panose="020B0604020202020204" pitchFamily="34" charset="0"/>
+              <a:buChar char="•"/>
+              <a:defRPr sz="1600" kern="1200">
+                <a:solidFill>
+                  <a:srgbClr val="DDDDDD"/>
+                </a:solidFill>
+                <a:latin typeface="Arial" panose="020B0604020202020204" pitchFamily="34" charset="0"/>
+                <a:ea typeface="+mn-ea"/>
+                <a:cs typeface="Arial" panose="020B0604020202020204" pitchFamily="34" charset="0"/>
+              </a:defRPr>
+            </a:lvl1pPr>
+            <a:lvl2pPr marL="685800" indent="-228600" algn="l" defTabSz="914400" rtl="0" eaLnBrk="1" latinLnBrk="0" hangingPunct="1">
+              <a:lnSpc>
+                <a:spcPct val="90000"/>
+              </a:lnSpc>
+              <a:spcBef>
+                <a:spcPts val="500"/>
+              </a:spcBef>
+              <a:buFont typeface="Arial" panose="020B0604020202020204" pitchFamily="34" charset="0"/>
+              <a:buChar char="•"/>
+              <a:defRPr sz="1600" kern="1200">
+                <a:solidFill>
+                  <a:srgbClr val="DDDDDD"/>
+                </a:solidFill>
+                <a:latin typeface="Arial" panose="020B0604020202020204" pitchFamily="34" charset="0"/>
+                <a:ea typeface="+mn-ea"/>
+                <a:cs typeface="Arial" panose="020B0604020202020204" pitchFamily="34" charset="0"/>
+              </a:defRPr>
+            </a:lvl2pPr>
+            <a:lvl3pPr marL="1143000" indent="-228600" algn="l" defTabSz="914400" rtl="0" eaLnBrk="1" latinLnBrk="0" hangingPunct="1">
+              <a:lnSpc>
+                <a:spcPct val="90000"/>
+              </a:lnSpc>
+              <a:spcBef>
+                <a:spcPts val="500"/>
+              </a:spcBef>
+              <a:buFont typeface="Arial" panose="020B0604020202020204" pitchFamily="34" charset="0"/>
+              <a:buChar char="•"/>
+              <a:defRPr sz="1600" kern="1200">
+                <a:solidFill>
+                  <a:srgbClr val="DDDDDD"/>
+                </a:solidFill>
+                <a:latin typeface="Arial" panose="020B0604020202020204" pitchFamily="34" charset="0"/>
+                <a:ea typeface="+mn-ea"/>
+                <a:cs typeface="Arial" panose="020B0604020202020204" pitchFamily="34" charset="0"/>
+              </a:defRPr>
+            </a:lvl3pPr>
+            <a:lvl4pPr marL="1600200" indent="-228600" algn="l" defTabSz="914400" rtl="0" eaLnBrk="1" latinLnBrk="0" hangingPunct="1">
+              <a:lnSpc>
+                <a:spcPct val="90000"/>
+              </a:lnSpc>
+              <a:spcBef>
+                <a:spcPts val="500"/>
+              </a:spcBef>
+              <a:buFont typeface="Arial" panose="020B0604020202020204" pitchFamily="34" charset="0"/>
+              <a:buChar char="•"/>
+              <a:defRPr sz="1400" kern="1200">
+                <a:solidFill>
+                  <a:srgbClr val="DDDDDD"/>
+                </a:solidFill>
+                <a:latin typeface="Arial" panose="020B0604020202020204" pitchFamily="34" charset="0"/>
+                <a:ea typeface="+mn-ea"/>
+                <a:cs typeface="Arial" panose="020B0604020202020204" pitchFamily="34" charset="0"/>
+              </a:defRPr>
+            </a:lvl4pPr>
+            <a:lvl5pPr marL="2057400" indent="-228600" algn="l" defTabSz="914400" rtl="0" eaLnBrk="1" latinLnBrk="0" hangingPunct="1">
+              <a:lnSpc>
+                <a:spcPct val="90000"/>
+              </a:lnSpc>
+              <a:spcBef>
+                <a:spcPts val="500"/>
+              </a:spcBef>
+              <a:buFont typeface="Arial" panose="020B0604020202020204" pitchFamily="34" charset="0"/>
+              <a:buChar char="•"/>
+              <a:defRPr sz="1400" kern="1200">
+                <a:solidFill>
+                  <a:srgbClr val="DDDDDD"/>
+                </a:solidFill>
+                <a:latin typeface="Arial" panose="020B0604020202020204" pitchFamily="34" charset="0"/>
+                <a:ea typeface="+mn-ea"/>
+                <a:cs typeface="Arial" panose="020B0604020202020204" pitchFamily="34" charset="0"/>
+              </a:defRPr>
+            </a:lvl5pPr>
+            <a:lvl6pPr marL="2514600" indent="-228600" algn="l" defTabSz="914400" rtl="0" eaLnBrk="1" latinLnBrk="0" hangingPunct="1">
+              <a:lnSpc>
+                <a:spcPct val="90000"/>
+              </a:lnSpc>
+              <a:spcBef>
+                <a:spcPts val="500"/>
+              </a:spcBef>
+              <a:buFont typeface="Arial" panose="020B0604020202020204" pitchFamily="34" charset="0"/>
+              <a:buChar char="•"/>
+              <a:defRPr sz="1800" kern="1200">
+                <a:solidFill>
+                  <a:schemeClr val="tx1"/>
+                </a:solidFill>
+                <a:latin typeface="+mn-lt"/>
+                <a:ea typeface="+mn-ea"/>
+                <a:cs typeface="+mn-cs"/>
+              </a:defRPr>
+            </a:lvl6pPr>
+            <a:lvl7pPr marL="2971800" indent="-228600" algn="l" defTabSz="914400" rtl="0" eaLnBrk="1" latinLnBrk="0" hangingPunct="1">
+              <a:lnSpc>
+                <a:spcPct val="90000"/>
+              </a:lnSpc>
+              <a:spcBef>
+                <a:spcPts val="500"/>
+              </a:spcBef>
+              <a:buFont typeface="Arial" panose="020B0604020202020204" pitchFamily="34" charset="0"/>
+              <a:buChar char="•"/>
+              <a:defRPr sz="1800" kern="1200">
+                <a:solidFill>
+                  <a:schemeClr val="tx1"/>
+                </a:solidFill>
+                <a:latin typeface="+mn-lt"/>
+                <a:ea typeface="+mn-ea"/>
+                <a:cs typeface="+mn-cs"/>
+              </a:defRPr>
+            </a:lvl7pPr>
+            <a:lvl8pPr marL="3429000" indent="-228600" algn="l" defTabSz="914400" rtl="0" eaLnBrk="1" latinLnBrk="0" hangingPunct="1">
+              <a:lnSpc>
+                <a:spcPct val="90000"/>
+              </a:lnSpc>
+              <a:spcBef>
+                <a:spcPts val="500"/>
+              </a:spcBef>
+              <a:buFont typeface="Arial" panose="020B0604020202020204" pitchFamily="34" charset="0"/>
+              <a:buChar char="•"/>
+              <a:defRPr sz="1800" kern="1200">
+                <a:solidFill>
+                  <a:schemeClr val="tx1"/>
+                </a:solidFill>
+                <a:latin typeface="+mn-lt"/>
+                <a:ea typeface="+mn-ea"/>
+                <a:cs typeface="+mn-cs"/>
+              </a:defRPr>
+            </a:lvl8pPr>
+            <a:lvl9pPr marL="3886200" indent="-228600" algn="l" defTabSz="914400" rtl="0" eaLnBrk="1" latinLnBrk="0" hangingPunct="1">
+              <a:lnSpc>
+                <a:spcPct val="90000"/>
+              </a:lnSpc>
+              <a:spcBef>
+                <a:spcPts val="500"/>
+              </a:spcBef>
+              <a:buFont typeface="Arial" panose="020B0604020202020204" pitchFamily="34" charset="0"/>
+              <a:buChar char="•"/>
+              <a:defRPr sz="1800" kern="1200">
+                <a:solidFill>
+                  <a:schemeClr val="tx1"/>
+                </a:solidFill>
+                <a:latin typeface="+mn-lt"/>
+                <a:ea typeface="+mn-ea"/>
+                <a:cs typeface="+mn-cs"/>
+              </a:defRPr>
+            </a:lvl9pPr>
+          </a:lstStyle>
+          <a:p>
+            <a:pPr marL="0" indent="0">
+              <a:buNone/>
+            </a:pPr>
+            <a:r>
+              <a:rPr lang="en-US" b="1" dirty="0">
+                <a:solidFill>
+                  <a:srgbClr val="FF423F"/>
+                </a:solidFill>
+              </a:rPr>
+              <a:t>2. </a:t>
+            </a:r>
+            <a:r>
+              <a:rPr lang="en-US" b="1" dirty="0" err="1">
+                <a:solidFill>
+                  <a:srgbClr val="FF423F"/>
+                </a:solidFill>
+              </a:rPr>
+              <a:t>getCause</a:t>
+            </a:r>
+            <a:r>
+              <a:rPr lang="en-US" b="1" dirty="0">
+                <a:solidFill>
+                  <a:srgbClr val="FF423F"/>
+                </a:solidFill>
+              </a:rPr>
+              <a:t>()</a:t>
+            </a:r>
+            <a:r>
+              <a:rPr lang="en-US" dirty="0"/>
+              <a:t>.</a:t>
+            </a:r>
+            <a:r>
+              <a:rPr lang="ru-RU" dirty="0"/>
+              <a:t> Возвращает причину исключения (другое исключение, которое вызвало текущее). Это полезно, если исключение является оберткой для другого исключения.</a:t>
+            </a:r>
+            <a:r>
+              <a:rPr lang="en-US" dirty="0"/>
+              <a:t>  </a:t>
+            </a:r>
+            <a:endParaRPr lang="ru-RU" dirty="0"/>
+          </a:p>
+        </p:txBody>
+      </p:sp>
+      <p:pic>
+        <p:nvPicPr>
+          <p:cNvPr id="17" name="Рисунок 16">
+            <a:extLst>
+              <a:ext uri="{FF2B5EF4-FFF2-40B4-BE49-F238E27FC236}">
+                <a16:creationId xmlns:a16="http://schemas.microsoft.com/office/drawing/2014/main" id="{F11D9001-09A1-818F-53C3-C4DCDDC23AD0}"/>
+              </a:ext>
+            </a:extLst>
+          </p:cNvPr>
+          <p:cNvPicPr>
+            <a:picLocks noChangeAspect="1"/>
+          </p:cNvPicPr>
+          <p:nvPr/>
+        </p:nvPicPr>
+        <p:blipFill>
+          <a:blip r:embed="rId4"/>
+          <a:stretch>
+            <a:fillRect/>
+          </a:stretch>
+        </p:blipFill>
+        <p:spPr>
+          <a:xfrm>
+            <a:off x="2390258" y="4712594"/>
+            <a:ext cx="7411484" cy="1933845"/>
+          </a:xfrm>
+          <a:prstGeom prst="rect">
+            <a:avLst/>
+          </a:prstGeom>
+        </p:spPr>
+      </p:pic>
+    </p:spTree>
+    <p:extLst>
+      <p:ext uri="{BB962C8B-B14F-4D97-AF65-F5344CB8AC3E}">
+        <p14:creationId xmlns:p14="http://schemas.microsoft.com/office/powerpoint/2010/main" val="3916806411"/>
+      </p:ext>
+    </p:extLst>
+  </p:cSld>
+  <p:clrMapOvr>
+    <a:masterClrMapping/>
+  </p:clrMapOvr>
+</p:sld>
+</file>
+
+<file path=ppt/slides/slide5.xml><?xml version="1.0" encoding="utf-8"?>
+<p:sld xmlns:a="http://schemas.openxmlformats.org/drawingml/2006/main" xmlns:r="http://schemas.openxmlformats.org/officeDocument/2006/relationships" xmlns:p="http://schemas.openxmlformats.org/presentationml/2006/main">
+  <p:cSld>
+    <p:spTree>
+      <p:nvGrpSpPr>
+        <p:cNvPr id="1" name=""/>
+        <p:cNvGrpSpPr/>
+        <p:nvPr/>
+      </p:nvGrpSpPr>
+      <p:grpSpPr>
+        <a:xfrm>
+          <a:off x="0" y="0"/>
+          <a:ext cx="0" cy="0"/>
+          <a:chOff x="0" y="0"/>
+          <a:chExt cx="0" cy="0"/>
+        </a:xfrm>
+      </p:grpSpPr>
+      <p:sp>
+        <p:nvSpPr>
+          <p:cNvPr id="2" name="Заголовок 1">
+            <a:extLst>
+              <a:ext uri="{FF2B5EF4-FFF2-40B4-BE49-F238E27FC236}">
+                <a16:creationId xmlns:a16="http://schemas.microsoft.com/office/drawing/2014/main" id="{E2FE65B6-44BA-6974-F610-DAB03FCD3803}"/>
+              </a:ext>
+            </a:extLst>
+          </p:cNvPr>
+          <p:cNvSpPr>
+            <a:spLocks noGrp="1"/>
+          </p:cNvSpPr>
+          <p:nvPr>
+            <p:ph type="title"/>
+          </p:nvPr>
+        </p:nvSpPr>
+        <p:spPr/>
+        <p:txBody>
+          <a:bodyPr/>
+          <a:lstStyle/>
+          <a:p>
+            <a:r>
+              <a:rPr lang="ru-RU" dirty="0">
+                <a:solidFill>
+                  <a:srgbClr val="DDDDDD"/>
+                </a:solidFill>
+              </a:rPr>
+              <a:t>Полезные методы</a:t>
+            </a:r>
+          </a:p>
+        </p:txBody>
+      </p:sp>
+      <p:sp>
+        <p:nvSpPr>
+          <p:cNvPr id="11" name="Объект 2">
+            <a:extLst>
+              <a:ext uri="{FF2B5EF4-FFF2-40B4-BE49-F238E27FC236}">
+                <a16:creationId xmlns:a16="http://schemas.microsoft.com/office/drawing/2014/main" id="{6ABDF512-49A0-5CF0-FE31-DF68ACEC89EA}"/>
+              </a:ext>
+            </a:extLst>
+          </p:cNvPr>
+          <p:cNvSpPr txBox="1">
+            <a:spLocks/>
+          </p:cNvSpPr>
+          <p:nvPr/>
+        </p:nvSpPr>
+        <p:spPr>
+          <a:xfrm>
+            <a:off x="515939" y="671381"/>
+            <a:ext cx="11160124" cy="738319"/>
+          </a:xfrm>
+          <a:prstGeom prst="rect">
+            <a:avLst/>
+          </a:prstGeom>
+          <a:solidFill>
+            <a:srgbClr val="171717"/>
+          </a:solidFill>
+        </p:spPr>
+        <p:txBody>
+          <a:bodyPr vert="horz" lIns="91440" tIns="45720" rIns="91440" bIns="45720" rtlCol="0">
+            <a:normAutofit/>
+          </a:bodyPr>
+          <a:lstStyle>
+            <a:lvl1pPr marL="228600" indent="-228600" algn="l" defTabSz="914400" rtl="0" eaLnBrk="1" latinLnBrk="0" hangingPunct="1">
+              <a:lnSpc>
+                <a:spcPct val="90000"/>
+              </a:lnSpc>
+              <a:spcBef>
+                <a:spcPts val="1000"/>
+              </a:spcBef>
+              <a:buFont typeface="Arial" panose="020B0604020202020204" pitchFamily="34" charset="0"/>
+              <a:buChar char="•"/>
+              <a:defRPr sz="1600" kern="1200">
+                <a:solidFill>
+                  <a:srgbClr val="DDDDDD"/>
+                </a:solidFill>
+                <a:latin typeface="Arial" panose="020B0604020202020204" pitchFamily="34" charset="0"/>
+                <a:ea typeface="+mn-ea"/>
+                <a:cs typeface="Arial" panose="020B0604020202020204" pitchFamily="34" charset="0"/>
+              </a:defRPr>
+            </a:lvl1pPr>
+            <a:lvl2pPr marL="685800" indent="-228600" algn="l" defTabSz="914400" rtl="0" eaLnBrk="1" latinLnBrk="0" hangingPunct="1">
+              <a:lnSpc>
+                <a:spcPct val="90000"/>
+              </a:lnSpc>
+              <a:spcBef>
+                <a:spcPts val="500"/>
+              </a:spcBef>
+              <a:buFont typeface="Arial" panose="020B0604020202020204" pitchFamily="34" charset="0"/>
+              <a:buChar char="•"/>
+              <a:defRPr sz="1600" kern="1200">
+                <a:solidFill>
+                  <a:srgbClr val="DDDDDD"/>
+                </a:solidFill>
+                <a:latin typeface="Arial" panose="020B0604020202020204" pitchFamily="34" charset="0"/>
+                <a:ea typeface="+mn-ea"/>
+                <a:cs typeface="Arial" panose="020B0604020202020204" pitchFamily="34" charset="0"/>
+              </a:defRPr>
+            </a:lvl2pPr>
+            <a:lvl3pPr marL="1143000" indent="-228600" algn="l" defTabSz="914400" rtl="0" eaLnBrk="1" latinLnBrk="0" hangingPunct="1">
+              <a:lnSpc>
+                <a:spcPct val="90000"/>
+              </a:lnSpc>
+              <a:spcBef>
+                <a:spcPts val="500"/>
+              </a:spcBef>
+              <a:buFont typeface="Arial" panose="020B0604020202020204" pitchFamily="34" charset="0"/>
+              <a:buChar char="•"/>
+              <a:defRPr sz="1600" kern="1200">
+                <a:solidFill>
+                  <a:srgbClr val="DDDDDD"/>
+                </a:solidFill>
+                <a:latin typeface="Arial" panose="020B0604020202020204" pitchFamily="34" charset="0"/>
+                <a:ea typeface="+mn-ea"/>
+                <a:cs typeface="Arial" panose="020B0604020202020204" pitchFamily="34" charset="0"/>
+              </a:defRPr>
+            </a:lvl3pPr>
+            <a:lvl4pPr marL="1600200" indent="-228600" algn="l" defTabSz="914400" rtl="0" eaLnBrk="1" latinLnBrk="0" hangingPunct="1">
+              <a:lnSpc>
+                <a:spcPct val="90000"/>
+              </a:lnSpc>
+              <a:spcBef>
+                <a:spcPts val="500"/>
+              </a:spcBef>
+              <a:buFont typeface="Arial" panose="020B0604020202020204" pitchFamily="34" charset="0"/>
+              <a:buChar char="•"/>
+              <a:defRPr sz="1400" kern="1200">
+                <a:solidFill>
+                  <a:srgbClr val="DDDDDD"/>
+                </a:solidFill>
+                <a:latin typeface="Arial" panose="020B0604020202020204" pitchFamily="34" charset="0"/>
+                <a:ea typeface="+mn-ea"/>
+                <a:cs typeface="Arial" panose="020B0604020202020204" pitchFamily="34" charset="0"/>
+              </a:defRPr>
+            </a:lvl4pPr>
+            <a:lvl5pPr marL="2057400" indent="-228600" algn="l" defTabSz="914400" rtl="0" eaLnBrk="1" latinLnBrk="0" hangingPunct="1">
+              <a:lnSpc>
+                <a:spcPct val="90000"/>
+              </a:lnSpc>
+              <a:spcBef>
+                <a:spcPts val="500"/>
+              </a:spcBef>
+              <a:buFont typeface="Arial" panose="020B0604020202020204" pitchFamily="34" charset="0"/>
+              <a:buChar char="•"/>
+              <a:defRPr sz="1400" kern="1200">
+                <a:solidFill>
+                  <a:srgbClr val="DDDDDD"/>
+                </a:solidFill>
+                <a:latin typeface="Arial" panose="020B0604020202020204" pitchFamily="34" charset="0"/>
+                <a:ea typeface="+mn-ea"/>
+                <a:cs typeface="Arial" panose="020B0604020202020204" pitchFamily="34" charset="0"/>
+              </a:defRPr>
+            </a:lvl5pPr>
+            <a:lvl6pPr marL="2514600" indent="-228600" algn="l" defTabSz="914400" rtl="0" eaLnBrk="1" latinLnBrk="0" hangingPunct="1">
+              <a:lnSpc>
+                <a:spcPct val="90000"/>
+              </a:lnSpc>
+              <a:spcBef>
+                <a:spcPts val="500"/>
+              </a:spcBef>
+              <a:buFont typeface="Arial" panose="020B0604020202020204" pitchFamily="34" charset="0"/>
+              <a:buChar char="•"/>
+              <a:defRPr sz="1800" kern="1200">
+                <a:solidFill>
+                  <a:schemeClr val="tx1"/>
+                </a:solidFill>
+                <a:latin typeface="+mn-lt"/>
+                <a:ea typeface="+mn-ea"/>
+                <a:cs typeface="+mn-cs"/>
+              </a:defRPr>
+            </a:lvl6pPr>
+            <a:lvl7pPr marL="2971800" indent="-228600" algn="l" defTabSz="914400" rtl="0" eaLnBrk="1" latinLnBrk="0" hangingPunct="1">
+              <a:lnSpc>
+                <a:spcPct val="90000"/>
+              </a:lnSpc>
+              <a:spcBef>
+                <a:spcPts val="500"/>
+              </a:spcBef>
+              <a:buFont typeface="Arial" panose="020B0604020202020204" pitchFamily="34" charset="0"/>
+              <a:buChar char="•"/>
+              <a:defRPr sz="1800" kern="1200">
+                <a:solidFill>
+                  <a:schemeClr val="tx1"/>
+                </a:solidFill>
+                <a:latin typeface="+mn-lt"/>
+                <a:ea typeface="+mn-ea"/>
+                <a:cs typeface="+mn-cs"/>
+              </a:defRPr>
+            </a:lvl7pPr>
+            <a:lvl8pPr marL="3429000" indent="-228600" algn="l" defTabSz="914400" rtl="0" eaLnBrk="1" latinLnBrk="0" hangingPunct="1">
+              <a:lnSpc>
+                <a:spcPct val="90000"/>
+              </a:lnSpc>
+              <a:spcBef>
+                <a:spcPts val="500"/>
+              </a:spcBef>
+              <a:buFont typeface="Arial" panose="020B0604020202020204" pitchFamily="34" charset="0"/>
+              <a:buChar char="•"/>
+              <a:defRPr sz="1800" kern="1200">
+                <a:solidFill>
+                  <a:schemeClr val="tx1"/>
+                </a:solidFill>
+                <a:latin typeface="+mn-lt"/>
+                <a:ea typeface="+mn-ea"/>
+                <a:cs typeface="+mn-cs"/>
+              </a:defRPr>
+            </a:lvl8pPr>
+            <a:lvl9pPr marL="3886200" indent="-228600" algn="l" defTabSz="914400" rtl="0" eaLnBrk="1" latinLnBrk="0" hangingPunct="1">
+              <a:lnSpc>
+                <a:spcPct val="90000"/>
+              </a:lnSpc>
+              <a:spcBef>
+                <a:spcPts val="500"/>
+              </a:spcBef>
+              <a:buFont typeface="Arial" panose="020B0604020202020204" pitchFamily="34" charset="0"/>
+              <a:buChar char="•"/>
+              <a:defRPr sz="1800" kern="1200">
+                <a:solidFill>
+                  <a:schemeClr val="tx1"/>
+                </a:solidFill>
+                <a:latin typeface="+mn-lt"/>
+                <a:ea typeface="+mn-ea"/>
+                <a:cs typeface="+mn-cs"/>
+              </a:defRPr>
+            </a:lvl9pPr>
+          </a:lstStyle>
+          <a:p>
+            <a:pPr marL="0" indent="0">
+              <a:buNone/>
+            </a:pPr>
+            <a:r>
+              <a:rPr lang="en-US" b="1" dirty="0">
+                <a:solidFill>
+                  <a:srgbClr val="FF423F"/>
+                </a:solidFill>
+              </a:rPr>
+              <a:t>3. </a:t>
+            </a:r>
+            <a:r>
+              <a:rPr lang="en-US" b="1" dirty="0" err="1">
+                <a:solidFill>
+                  <a:srgbClr val="FF423F"/>
+                </a:solidFill>
+              </a:rPr>
+              <a:t>printStackTrace</a:t>
+            </a:r>
+            <a:r>
+              <a:rPr lang="en-US" b="1" dirty="0">
+                <a:solidFill>
+                  <a:srgbClr val="FF423F"/>
+                </a:solidFill>
+              </a:rPr>
+              <a:t>()</a:t>
+            </a:r>
+            <a:r>
+              <a:rPr lang="en-US" dirty="0"/>
+              <a:t>. </a:t>
+            </a:r>
+            <a:r>
+              <a:rPr lang="ru-RU" dirty="0"/>
+              <a:t>Выводит трассировку стека (</a:t>
+            </a:r>
+            <a:r>
+              <a:rPr lang="ru-RU" dirty="0" err="1"/>
+              <a:t>stack</a:t>
+            </a:r>
+            <a:r>
+              <a:rPr lang="ru-RU" dirty="0"/>
+              <a:t> </a:t>
+            </a:r>
+            <a:r>
+              <a:rPr lang="ru-RU" dirty="0" err="1"/>
+              <a:t>trace</a:t>
+            </a:r>
+            <a:r>
+              <a:rPr lang="ru-RU" dirty="0"/>
+              <a:t>) в стандартный поток ошибок (</a:t>
+            </a:r>
+            <a:r>
+              <a:rPr lang="ru-RU" dirty="0" err="1"/>
+              <a:t>System.err</a:t>
+            </a:r>
+            <a:r>
+              <a:rPr lang="ru-RU" dirty="0"/>
+              <a:t>). Это помогает понять, где именно произошла ошибка.</a:t>
+            </a:r>
+          </a:p>
+        </p:txBody>
+      </p:sp>
+      <p:sp>
+        <p:nvSpPr>
+          <p:cNvPr id="14" name="Объект 2">
+            <a:extLst>
+              <a:ext uri="{FF2B5EF4-FFF2-40B4-BE49-F238E27FC236}">
+                <a16:creationId xmlns:a16="http://schemas.microsoft.com/office/drawing/2014/main" id="{5ECAAB9E-39A9-B6B3-B2C7-5060728945CF}"/>
+              </a:ext>
+            </a:extLst>
+          </p:cNvPr>
+          <p:cNvSpPr txBox="1">
+            <a:spLocks/>
+          </p:cNvSpPr>
+          <p:nvPr/>
+        </p:nvSpPr>
+        <p:spPr>
+          <a:xfrm>
+            <a:off x="515938" y="3498850"/>
+            <a:ext cx="11160124" cy="738319"/>
+          </a:xfrm>
+          <a:prstGeom prst="rect">
+            <a:avLst/>
+          </a:prstGeom>
+          <a:solidFill>
+            <a:srgbClr val="171717"/>
+          </a:solidFill>
+        </p:spPr>
+        <p:txBody>
+          <a:bodyPr vert="horz" lIns="91440" tIns="45720" rIns="91440" bIns="45720" rtlCol="0">
+            <a:normAutofit/>
+          </a:bodyPr>
+          <a:lstStyle>
+            <a:lvl1pPr marL="228600" indent="-228600" algn="l" defTabSz="914400" rtl="0" eaLnBrk="1" latinLnBrk="0" hangingPunct="1">
+              <a:lnSpc>
+                <a:spcPct val="90000"/>
+              </a:lnSpc>
+              <a:spcBef>
+                <a:spcPts val="1000"/>
+              </a:spcBef>
+              <a:buFont typeface="Arial" panose="020B0604020202020204" pitchFamily="34" charset="0"/>
+              <a:buChar char="•"/>
+              <a:defRPr sz="1600" kern="1200">
+                <a:solidFill>
+                  <a:srgbClr val="DDDDDD"/>
+                </a:solidFill>
+                <a:latin typeface="Arial" panose="020B0604020202020204" pitchFamily="34" charset="0"/>
+                <a:ea typeface="+mn-ea"/>
+                <a:cs typeface="Arial" panose="020B0604020202020204" pitchFamily="34" charset="0"/>
+              </a:defRPr>
+            </a:lvl1pPr>
+            <a:lvl2pPr marL="685800" indent="-228600" algn="l" defTabSz="914400" rtl="0" eaLnBrk="1" latinLnBrk="0" hangingPunct="1">
+              <a:lnSpc>
+                <a:spcPct val="90000"/>
+              </a:lnSpc>
+              <a:spcBef>
+                <a:spcPts val="500"/>
+              </a:spcBef>
+              <a:buFont typeface="Arial" panose="020B0604020202020204" pitchFamily="34" charset="0"/>
+              <a:buChar char="•"/>
+              <a:defRPr sz="1600" kern="1200">
+                <a:solidFill>
+                  <a:srgbClr val="DDDDDD"/>
+                </a:solidFill>
+                <a:latin typeface="Arial" panose="020B0604020202020204" pitchFamily="34" charset="0"/>
+                <a:ea typeface="+mn-ea"/>
+                <a:cs typeface="Arial" panose="020B0604020202020204" pitchFamily="34" charset="0"/>
+              </a:defRPr>
+            </a:lvl2pPr>
+            <a:lvl3pPr marL="1143000" indent="-228600" algn="l" defTabSz="914400" rtl="0" eaLnBrk="1" latinLnBrk="0" hangingPunct="1">
+              <a:lnSpc>
+                <a:spcPct val="90000"/>
+              </a:lnSpc>
+              <a:spcBef>
+                <a:spcPts val="500"/>
+              </a:spcBef>
+              <a:buFont typeface="Arial" panose="020B0604020202020204" pitchFamily="34" charset="0"/>
+              <a:buChar char="•"/>
+              <a:defRPr sz="1600" kern="1200">
+                <a:solidFill>
+                  <a:srgbClr val="DDDDDD"/>
+                </a:solidFill>
+                <a:latin typeface="Arial" panose="020B0604020202020204" pitchFamily="34" charset="0"/>
+                <a:ea typeface="+mn-ea"/>
+                <a:cs typeface="Arial" panose="020B0604020202020204" pitchFamily="34" charset="0"/>
+              </a:defRPr>
+            </a:lvl3pPr>
+            <a:lvl4pPr marL="1600200" indent="-228600" algn="l" defTabSz="914400" rtl="0" eaLnBrk="1" latinLnBrk="0" hangingPunct="1">
+              <a:lnSpc>
+                <a:spcPct val="90000"/>
+              </a:lnSpc>
+              <a:spcBef>
+                <a:spcPts val="500"/>
+              </a:spcBef>
+              <a:buFont typeface="Arial" panose="020B0604020202020204" pitchFamily="34" charset="0"/>
+              <a:buChar char="•"/>
+              <a:defRPr sz="1400" kern="1200">
+                <a:solidFill>
+                  <a:srgbClr val="DDDDDD"/>
+                </a:solidFill>
+                <a:latin typeface="Arial" panose="020B0604020202020204" pitchFamily="34" charset="0"/>
+                <a:ea typeface="+mn-ea"/>
+                <a:cs typeface="Arial" panose="020B0604020202020204" pitchFamily="34" charset="0"/>
+              </a:defRPr>
+            </a:lvl4pPr>
+            <a:lvl5pPr marL="2057400" indent="-228600" algn="l" defTabSz="914400" rtl="0" eaLnBrk="1" latinLnBrk="0" hangingPunct="1">
+              <a:lnSpc>
+                <a:spcPct val="90000"/>
+              </a:lnSpc>
+              <a:spcBef>
+                <a:spcPts val="500"/>
+              </a:spcBef>
+              <a:buFont typeface="Arial" panose="020B0604020202020204" pitchFamily="34" charset="0"/>
+              <a:buChar char="•"/>
+              <a:defRPr sz="1400" kern="1200">
+                <a:solidFill>
+                  <a:srgbClr val="DDDDDD"/>
+                </a:solidFill>
+                <a:latin typeface="Arial" panose="020B0604020202020204" pitchFamily="34" charset="0"/>
+                <a:ea typeface="+mn-ea"/>
+                <a:cs typeface="Arial" panose="020B0604020202020204" pitchFamily="34" charset="0"/>
+              </a:defRPr>
+            </a:lvl5pPr>
+            <a:lvl6pPr marL="2514600" indent="-228600" algn="l" defTabSz="914400" rtl="0" eaLnBrk="1" latinLnBrk="0" hangingPunct="1">
+              <a:lnSpc>
+                <a:spcPct val="90000"/>
+              </a:lnSpc>
+              <a:spcBef>
+                <a:spcPts val="500"/>
+              </a:spcBef>
+              <a:buFont typeface="Arial" panose="020B0604020202020204" pitchFamily="34" charset="0"/>
+              <a:buChar char="•"/>
+              <a:defRPr sz="1800" kern="1200">
+                <a:solidFill>
+                  <a:schemeClr val="tx1"/>
+                </a:solidFill>
+                <a:latin typeface="+mn-lt"/>
+                <a:ea typeface="+mn-ea"/>
+                <a:cs typeface="+mn-cs"/>
+              </a:defRPr>
+            </a:lvl6pPr>
+            <a:lvl7pPr marL="2971800" indent="-228600" algn="l" defTabSz="914400" rtl="0" eaLnBrk="1" latinLnBrk="0" hangingPunct="1">
+              <a:lnSpc>
+                <a:spcPct val="90000"/>
+              </a:lnSpc>
+              <a:spcBef>
+                <a:spcPts val="500"/>
+              </a:spcBef>
+              <a:buFont typeface="Arial" panose="020B0604020202020204" pitchFamily="34" charset="0"/>
+              <a:buChar char="•"/>
+              <a:defRPr sz="1800" kern="1200">
+                <a:solidFill>
+                  <a:schemeClr val="tx1"/>
+                </a:solidFill>
+                <a:latin typeface="+mn-lt"/>
+                <a:ea typeface="+mn-ea"/>
+                <a:cs typeface="+mn-cs"/>
+              </a:defRPr>
+            </a:lvl7pPr>
+            <a:lvl8pPr marL="3429000" indent="-228600" algn="l" defTabSz="914400" rtl="0" eaLnBrk="1" latinLnBrk="0" hangingPunct="1">
+              <a:lnSpc>
+                <a:spcPct val="90000"/>
+              </a:lnSpc>
+              <a:spcBef>
+                <a:spcPts val="500"/>
+              </a:spcBef>
+              <a:buFont typeface="Arial" panose="020B0604020202020204" pitchFamily="34" charset="0"/>
+              <a:buChar char="•"/>
+              <a:defRPr sz="1800" kern="1200">
+                <a:solidFill>
+                  <a:schemeClr val="tx1"/>
+                </a:solidFill>
+                <a:latin typeface="+mn-lt"/>
+                <a:ea typeface="+mn-ea"/>
+                <a:cs typeface="+mn-cs"/>
+              </a:defRPr>
+            </a:lvl8pPr>
+            <a:lvl9pPr marL="3886200" indent="-228600" algn="l" defTabSz="914400" rtl="0" eaLnBrk="1" latinLnBrk="0" hangingPunct="1">
+              <a:lnSpc>
+                <a:spcPct val="90000"/>
+              </a:lnSpc>
+              <a:spcBef>
+                <a:spcPts val="500"/>
+              </a:spcBef>
+              <a:buFont typeface="Arial" panose="020B0604020202020204" pitchFamily="34" charset="0"/>
+              <a:buChar char="•"/>
+              <a:defRPr sz="1800" kern="1200">
+                <a:solidFill>
+                  <a:schemeClr val="tx1"/>
+                </a:solidFill>
+                <a:latin typeface="+mn-lt"/>
+                <a:ea typeface="+mn-ea"/>
+                <a:cs typeface="+mn-cs"/>
+              </a:defRPr>
+            </a:lvl9pPr>
+          </a:lstStyle>
+          <a:p>
+            <a:pPr marL="0" indent="0">
+              <a:buNone/>
+            </a:pPr>
+            <a:r>
+              <a:rPr lang="en-US" b="1" dirty="0">
+                <a:solidFill>
+                  <a:srgbClr val="FF423F"/>
+                </a:solidFill>
+              </a:rPr>
+              <a:t>4. </a:t>
+            </a:r>
+            <a:r>
+              <a:rPr lang="en-US" b="1" dirty="0" err="1">
+                <a:solidFill>
+                  <a:srgbClr val="FF423F"/>
+                </a:solidFill>
+              </a:rPr>
+              <a:t>getStackTrace</a:t>
+            </a:r>
+            <a:r>
+              <a:rPr lang="en-US" b="1" dirty="0">
+                <a:solidFill>
+                  <a:srgbClr val="FF423F"/>
+                </a:solidFill>
+              </a:rPr>
+              <a:t>()</a:t>
+            </a:r>
+            <a:r>
+              <a:rPr lang="en-US" dirty="0"/>
+              <a:t>.</a:t>
+            </a:r>
+            <a:r>
+              <a:rPr lang="ru-RU" dirty="0"/>
+              <a:t> Возвращает массив элементов </a:t>
+            </a:r>
+            <a:r>
+              <a:rPr lang="ru-RU" dirty="0" err="1"/>
+              <a:t>StackTraceElement</a:t>
+            </a:r>
+            <a:r>
+              <a:rPr lang="ru-RU" dirty="0"/>
+              <a:t>, которые представляют собой трассировку стека. Это полезно для программного анализа стека вызовов.</a:t>
+            </a:r>
+          </a:p>
+        </p:txBody>
+      </p:sp>
+      <p:pic>
+        <p:nvPicPr>
+          <p:cNvPr id="13" name="Рисунок 12">
+            <a:extLst>
+              <a:ext uri="{FF2B5EF4-FFF2-40B4-BE49-F238E27FC236}">
+                <a16:creationId xmlns:a16="http://schemas.microsoft.com/office/drawing/2014/main" id="{496DB7CB-B78B-B021-4DBB-BA424EC902CA}"/>
+              </a:ext>
+            </a:extLst>
+          </p:cNvPr>
+          <p:cNvPicPr>
+            <a:picLocks noChangeAspect="1"/>
+          </p:cNvPicPr>
+          <p:nvPr/>
+        </p:nvPicPr>
+        <p:blipFill>
+          <a:blip r:embed="rId3"/>
+          <a:stretch>
+            <a:fillRect/>
+          </a:stretch>
+        </p:blipFill>
+        <p:spPr>
+          <a:xfrm>
+            <a:off x="3857312" y="1515931"/>
+            <a:ext cx="4477375" cy="1876687"/>
+          </a:xfrm>
+          <a:prstGeom prst="rect">
+            <a:avLst/>
+          </a:prstGeom>
+        </p:spPr>
+      </p:pic>
+      <p:pic>
+        <p:nvPicPr>
+          <p:cNvPr id="16" name="Рисунок 15">
+            <a:extLst>
+              <a:ext uri="{FF2B5EF4-FFF2-40B4-BE49-F238E27FC236}">
+                <a16:creationId xmlns:a16="http://schemas.microsoft.com/office/drawing/2014/main" id="{1B47FC90-3515-8B8B-A285-C88023830D60}"/>
+              </a:ext>
+            </a:extLst>
+          </p:cNvPr>
+          <p:cNvPicPr>
+            <a:picLocks noChangeAspect="1"/>
+          </p:cNvPicPr>
+          <p:nvPr/>
+        </p:nvPicPr>
+        <p:blipFill>
+          <a:blip r:embed="rId4"/>
+          <a:stretch>
+            <a:fillRect/>
+          </a:stretch>
+        </p:blipFill>
+        <p:spPr>
+          <a:xfrm>
+            <a:off x="3142837" y="4314470"/>
+            <a:ext cx="5906324" cy="2543530"/>
+          </a:xfrm>
+          <a:prstGeom prst="rect">
+            <a:avLst/>
+          </a:prstGeom>
+        </p:spPr>
+      </p:pic>
+    </p:spTree>
+    <p:extLst>
+      <p:ext uri="{BB962C8B-B14F-4D97-AF65-F5344CB8AC3E}">
+        <p14:creationId xmlns:p14="http://schemas.microsoft.com/office/powerpoint/2010/main" val="2325417064"/>
+      </p:ext>
+    </p:extLst>
+  </p:cSld>
+  <p:clrMapOvr>
+    <a:masterClrMapping/>
+  </p:clrMapOvr>
+</p:sld>
+</file>
+
+<file path=ppt/slides/slide6.xml><?xml version="1.0" encoding="utf-8"?>
+<p:sld xmlns:a="http://schemas.openxmlformats.org/drawingml/2006/main" xmlns:r="http://schemas.openxmlformats.org/officeDocument/2006/relationships" xmlns:p="http://schemas.openxmlformats.org/presentationml/2006/main">
+  <p:cSld>
+    <p:spTree>
+      <p:nvGrpSpPr>
+        <p:cNvPr id="1" name=""/>
+        <p:cNvGrpSpPr/>
+        <p:nvPr/>
+      </p:nvGrpSpPr>
+      <p:grpSpPr>
+        <a:xfrm>
+          <a:off x="0" y="0"/>
+          <a:ext cx="0" cy="0"/>
+          <a:chOff x="0" y="0"/>
+          <a:chExt cx="0" cy="0"/>
+        </a:xfrm>
+      </p:grpSpPr>
+      <p:sp>
+        <p:nvSpPr>
+          <p:cNvPr id="2" name="Заголовок 1">
+            <a:extLst>
+              <a:ext uri="{FF2B5EF4-FFF2-40B4-BE49-F238E27FC236}">
+                <a16:creationId xmlns:a16="http://schemas.microsoft.com/office/drawing/2014/main" id="{E2FE65B6-44BA-6974-F610-DAB03FCD3803}"/>
+              </a:ext>
+            </a:extLst>
+          </p:cNvPr>
+          <p:cNvSpPr>
+            <a:spLocks noGrp="1"/>
+          </p:cNvSpPr>
+          <p:nvPr>
+            <p:ph type="title"/>
+          </p:nvPr>
+        </p:nvSpPr>
+        <p:spPr/>
+        <p:txBody>
+          <a:bodyPr/>
+          <a:lstStyle/>
+          <a:p>
+            <a:r>
+              <a:rPr lang="ru-RU" dirty="0">
+                <a:solidFill>
+                  <a:srgbClr val="DDDDDD"/>
+                </a:solidFill>
+              </a:rPr>
+              <a:t>Полезные методы</a:t>
+            </a:r>
+          </a:p>
+        </p:txBody>
+      </p:sp>
+      <p:sp>
+        <p:nvSpPr>
+          <p:cNvPr id="11" name="Объект 2">
+            <a:extLst>
+              <a:ext uri="{FF2B5EF4-FFF2-40B4-BE49-F238E27FC236}">
+                <a16:creationId xmlns:a16="http://schemas.microsoft.com/office/drawing/2014/main" id="{6ABDF512-49A0-5CF0-FE31-DF68ACEC89EA}"/>
+              </a:ext>
+            </a:extLst>
+          </p:cNvPr>
+          <p:cNvSpPr txBox="1">
+            <a:spLocks/>
+          </p:cNvSpPr>
+          <p:nvPr/>
+        </p:nvSpPr>
+        <p:spPr>
+          <a:xfrm>
+            <a:off x="515939" y="671381"/>
+            <a:ext cx="11160124" cy="365125"/>
+          </a:xfrm>
+          <a:prstGeom prst="rect">
+            <a:avLst/>
+          </a:prstGeom>
+          <a:solidFill>
+            <a:srgbClr val="171717"/>
+          </a:solidFill>
+        </p:spPr>
+        <p:txBody>
+          <a:bodyPr vert="horz" lIns="91440" tIns="45720" rIns="91440" bIns="45720" rtlCol="0">
+            <a:normAutofit/>
+          </a:bodyPr>
+          <a:lstStyle>
+            <a:lvl1pPr marL="228600" indent="-228600" algn="l" defTabSz="914400" rtl="0" eaLnBrk="1" latinLnBrk="0" hangingPunct="1">
+              <a:lnSpc>
+                <a:spcPct val="90000"/>
+              </a:lnSpc>
+              <a:spcBef>
+                <a:spcPts val="1000"/>
+              </a:spcBef>
+              <a:buFont typeface="Arial" panose="020B0604020202020204" pitchFamily="34" charset="0"/>
+              <a:buChar char="•"/>
+              <a:defRPr sz="1600" kern="1200">
+                <a:solidFill>
+                  <a:srgbClr val="DDDDDD"/>
+                </a:solidFill>
+                <a:latin typeface="Arial" panose="020B0604020202020204" pitchFamily="34" charset="0"/>
+                <a:ea typeface="+mn-ea"/>
+                <a:cs typeface="Arial" panose="020B0604020202020204" pitchFamily="34" charset="0"/>
+              </a:defRPr>
+            </a:lvl1pPr>
+            <a:lvl2pPr marL="685800" indent="-228600" algn="l" defTabSz="914400" rtl="0" eaLnBrk="1" latinLnBrk="0" hangingPunct="1">
+              <a:lnSpc>
+                <a:spcPct val="90000"/>
+              </a:lnSpc>
+              <a:spcBef>
+                <a:spcPts val="500"/>
+              </a:spcBef>
+              <a:buFont typeface="Arial" panose="020B0604020202020204" pitchFamily="34" charset="0"/>
+              <a:buChar char="•"/>
+              <a:defRPr sz="1600" kern="1200">
+                <a:solidFill>
+                  <a:srgbClr val="DDDDDD"/>
+                </a:solidFill>
+                <a:latin typeface="Arial" panose="020B0604020202020204" pitchFamily="34" charset="0"/>
+                <a:ea typeface="+mn-ea"/>
+                <a:cs typeface="Arial" panose="020B0604020202020204" pitchFamily="34" charset="0"/>
+              </a:defRPr>
+            </a:lvl2pPr>
+            <a:lvl3pPr marL="1143000" indent="-228600" algn="l" defTabSz="914400" rtl="0" eaLnBrk="1" latinLnBrk="0" hangingPunct="1">
+              <a:lnSpc>
+                <a:spcPct val="90000"/>
+              </a:lnSpc>
+              <a:spcBef>
+                <a:spcPts val="500"/>
+              </a:spcBef>
+              <a:buFont typeface="Arial" panose="020B0604020202020204" pitchFamily="34" charset="0"/>
+              <a:buChar char="•"/>
+              <a:defRPr sz="1600" kern="1200">
+                <a:solidFill>
+                  <a:srgbClr val="DDDDDD"/>
+                </a:solidFill>
+                <a:latin typeface="Arial" panose="020B0604020202020204" pitchFamily="34" charset="0"/>
+                <a:ea typeface="+mn-ea"/>
+                <a:cs typeface="Arial" panose="020B0604020202020204" pitchFamily="34" charset="0"/>
+              </a:defRPr>
+            </a:lvl3pPr>
+            <a:lvl4pPr marL="1600200" indent="-228600" algn="l" defTabSz="914400" rtl="0" eaLnBrk="1" latinLnBrk="0" hangingPunct="1">
+              <a:lnSpc>
+                <a:spcPct val="90000"/>
+              </a:lnSpc>
+              <a:spcBef>
+                <a:spcPts val="500"/>
+              </a:spcBef>
+              <a:buFont typeface="Arial" panose="020B0604020202020204" pitchFamily="34" charset="0"/>
+              <a:buChar char="•"/>
+              <a:defRPr sz="1400" kern="1200">
+                <a:solidFill>
+                  <a:srgbClr val="DDDDDD"/>
+                </a:solidFill>
+                <a:latin typeface="Arial" panose="020B0604020202020204" pitchFamily="34" charset="0"/>
+                <a:ea typeface="+mn-ea"/>
+                <a:cs typeface="Arial" panose="020B0604020202020204" pitchFamily="34" charset="0"/>
+              </a:defRPr>
+            </a:lvl4pPr>
+            <a:lvl5pPr marL="2057400" indent="-228600" algn="l" defTabSz="914400" rtl="0" eaLnBrk="1" latinLnBrk="0" hangingPunct="1">
+              <a:lnSpc>
+                <a:spcPct val="90000"/>
+              </a:lnSpc>
+              <a:spcBef>
+                <a:spcPts val="500"/>
+              </a:spcBef>
+              <a:buFont typeface="Arial" panose="020B0604020202020204" pitchFamily="34" charset="0"/>
+              <a:buChar char="•"/>
+              <a:defRPr sz="1400" kern="1200">
+                <a:solidFill>
+                  <a:srgbClr val="DDDDDD"/>
+                </a:solidFill>
+                <a:latin typeface="Arial" panose="020B0604020202020204" pitchFamily="34" charset="0"/>
+                <a:ea typeface="+mn-ea"/>
+                <a:cs typeface="Arial" panose="020B0604020202020204" pitchFamily="34" charset="0"/>
+              </a:defRPr>
+            </a:lvl5pPr>
+            <a:lvl6pPr marL="2514600" indent="-228600" algn="l" defTabSz="914400" rtl="0" eaLnBrk="1" latinLnBrk="0" hangingPunct="1">
+              <a:lnSpc>
+                <a:spcPct val="90000"/>
+              </a:lnSpc>
+              <a:spcBef>
+                <a:spcPts val="500"/>
+              </a:spcBef>
+              <a:buFont typeface="Arial" panose="020B0604020202020204" pitchFamily="34" charset="0"/>
+              <a:buChar char="•"/>
+              <a:defRPr sz="1800" kern="1200">
+                <a:solidFill>
+                  <a:schemeClr val="tx1"/>
+                </a:solidFill>
+                <a:latin typeface="+mn-lt"/>
+                <a:ea typeface="+mn-ea"/>
+                <a:cs typeface="+mn-cs"/>
+              </a:defRPr>
+            </a:lvl6pPr>
+            <a:lvl7pPr marL="2971800" indent="-228600" algn="l" defTabSz="914400" rtl="0" eaLnBrk="1" latinLnBrk="0" hangingPunct="1">
+              <a:lnSpc>
+                <a:spcPct val="90000"/>
+              </a:lnSpc>
+              <a:spcBef>
+                <a:spcPts val="500"/>
+              </a:spcBef>
+              <a:buFont typeface="Arial" panose="020B0604020202020204" pitchFamily="34" charset="0"/>
+              <a:buChar char="•"/>
+              <a:defRPr sz="1800" kern="1200">
+                <a:solidFill>
+                  <a:schemeClr val="tx1"/>
+                </a:solidFill>
+                <a:latin typeface="+mn-lt"/>
+                <a:ea typeface="+mn-ea"/>
+                <a:cs typeface="+mn-cs"/>
+              </a:defRPr>
+            </a:lvl7pPr>
+            <a:lvl8pPr marL="3429000" indent="-228600" algn="l" defTabSz="914400" rtl="0" eaLnBrk="1" latinLnBrk="0" hangingPunct="1">
+              <a:lnSpc>
+                <a:spcPct val="90000"/>
+              </a:lnSpc>
+              <a:spcBef>
+                <a:spcPts val="500"/>
+              </a:spcBef>
+              <a:buFont typeface="Arial" panose="020B0604020202020204" pitchFamily="34" charset="0"/>
+              <a:buChar char="•"/>
+              <a:defRPr sz="1800" kern="1200">
+                <a:solidFill>
+                  <a:schemeClr val="tx1"/>
+                </a:solidFill>
+                <a:latin typeface="+mn-lt"/>
+                <a:ea typeface="+mn-ea"/>
+                <a:cs typeface="+mn-cs"/>
+              </a:defRPr>
+            </a:lvl8pPr>
+            <a:lvl9pPr marL="3886200" indent="-228600" algn="l" defTabSz="914400" rtl="0" eaLnBrk="1" latinLnBrk="0" hangingPunct="1">
+              <a:lnSpc>
+                <a:spcPct val="90000"/>
+              </a:lnSpc>
+              <a:spcBef>
+                <a:spcPts val="500"/>
+              </a:spcBef>
+              <a:buFont typeface="Arial" panose="020B0604020202020204" pitchFamily="34" charset="0"/>
+              <a:buChar char="•"/>
+              <a:defRPr sz="1800" kern="1200">
+                <a:solidFill>
+                  <a:schemeClr val="tx1"/>
+                </a:solidFill>
+                <a:latin typeface="+mn-lt"/>
+                <a:ea typeface="+mn-ea"/>
+                <a:cs typeface="+mn-cs"/>
+              </a:defRPr>
+            </a:lvl9pPr>
+          </a:lstStyle>
+          <a:p>
+            <a:pPr marL="0" indent="0">
+              <a:buNone/>
+            </a:pPr>
+            <a:r>
+              <a:rPr lang="en-US" b="1" dirty="0">
+                <a:solidFill>
+                  <a:srgbClr val="FF423F"/>
+                </a:solidFill>
+              </a:rPr>
+              <a:t>5. </a:t>
+            </a:r>
+            <a:r>
+              <a:rPr lang="en-US" b="1" dirty="0" err="1">
+                <a:solidFill>
+                  <a:srgbClr val="FF423F"/>
+                </a:solidFill>
+              </a:rPr>
+              <a:t>toString</a:t>
+            </a:r>
+            <a:r>
+              <a:rPr lang="en-US" b="1" dirty="0">
+                <a:solidFill>
+                  <a:srgbClr val="FF423F"/>
+                </a:solidFill>
+              </a:rPr>
+              <a:t>()</a:t>
+            </a:r>
+            <a:r>
+              <a:rPr lang="en-US" dirty="0"/>
+              <a:t>. </a:t>
+            </a:r>
+            <a:r>
+              <a:rPr lang="ru-RU" dirty="0"/>
+              <a:t>Возвращает строковое представление исключения, включая имя класса и сообщение об ошибке.</a:t>
+            </a:r>
+          </a:p>
+        </p:txBody>
+      </p:sp>
+      <p:sp>
+        <p:nvSpPr>
+          <p:cNvPr id="14" name="Объект 2">
+            <a:extLst>
+              <a:ext uri="{FF2B5EF4-FFF2-40B4-BE49-F238E27FC236}">
+                <a16:creationId xmlns:a16="http://schemas.microsoft.com/office/drawing/2014/main" id="{5ECAAB9E-39A9-B6B3-B2C7-5060728945CF}"/>
+              </a:ext>
+            </a:extLst>
+          </p:cNvPr>
+          <p:cNvSpPr txBox="1">
+            <a:spLocks/>
+          </p:cNvSpPr>
+          <p:nvPr/>
+        </p:nvSpPr>
+        <p:spPr>
+          <a:xfrm>
+            <a:off x="515939" y="3287416"/>
+            <a:ext cx="11160124" cy="738319"/>
+          </a:xfrm>
+          <a:prstGeom prst="rect">
+            <a:avLst/>
+          </a:prstGeom>
+          <a:solidFill>
+            <a:srgbClr val="171717"/>
+          </a:solidFill>
+        </p:spPr>
+        <p:txBody>
+          <a:bodyPr vert="horz" lIns="91440" tIns="45720" rIns="91440" bIns="45720" rtlCol="0">
+            <a:normAutofit/>
+          </a:bodyPr>
+          <a:lstStyle>
+            <a:lvl1pPr marL="228600" indent="-228600" algn="l" defTabSz="914400" rtl="0" eaLnBrk="1" latinLnBrk="0" hangingPunct="1">
+              <a:lnSpc>
+                <a:spcPct val="90000"/>
+              </a:lnSpc>
+              <a:spcBef>
+                <a:spcPts val="1000"/>
+              </a:spcBef>
+              <a:buFont typeface="Arial" panose="020B0604020202020204" pitchFamily="34" charset="0"/>
+              <a:buChar char="•"/>
+              <a:defRPr sz="1600" kern="1200">
+                <a:solidFill>
+                  <a:srgbClr val="DDDDDD"/>
+                </a:solidFill>
+                <a:latin typeface="Arial" panose="020B0604020202020204" pitchFamily="34" charset="0"/>
+                <a:ea typeface="+mn-ea"/>
+                <a:cs typeface="Arial" panose="020B0604020202020204" pitchFamily="34" charset="0"/>
+              </a:defRPr>
+            </a:lvl1pPr>
+            <a:lvl2pPr marL="685800" indent="-228600" algn="l" defTabSz="914400" rtl="0" eaLnBrk="1" latinLnBrk="0" hangingPunct="1">
+              <a:lnSpc>
+                <a:spcPct val="90000"/>
+              </a:lnSpc>
+              <a:spcBef>
+                <a:spcPts val="500"/>
+              </a:spcBef>
+              <a:buFont typeface="Arial" panose="020B0604020202020204" pitchFamily="34" charset="0"/>
+              <a:buChar char="•"/>
+              <a:defRPr sz="1600" kern="1200">
+                <a:solidFill>
+                  <a:srgbClr val="DDDDDD"/>
+                </a:solidFill>
+                <a:latin typeface="Arial" panose="020B0604020202020204" pitchFamily="34" charset="0"/>
+                <a:ea typeface="+mn-ea"/>
+                <a:cs typeface="Arial" panose="020B0604020202020204" pitchFamily="34" charset="0"/>
+              </a:defRPr>
+            </a:lvl2pPr>
+            <a:lvl3pPr marL="1143000" indent="-228600" algn="l" defTabSz="914400" rtl="0" eaLnBrk="1" latinLnBrk="0" hangingPunct="1">
+              <a:lnSpc>
+                <a:spcPct val="90000"/>
+              </a:lnSpc>
+              <a:spcBef>
+                <a:spcPts val="500"/>
+              </a:spcBef>
+              <a:buFont typeface="Arial" panose="020B0604020202020204" pitchFamily="34" charset="0"/>
+              <a:buChar char="•"/>
+              <a:defRPr sz="1600" kern="1200">
+                <a:solidFill>
+                  <a:srgbClr val="DDDDDD"/>
+                </a:solidFill>
+                <a:latin typeface="Arial" panose="020B0604020202020204" pitchFamily="34" charset="0"/>
+                <a:ea typeface="+mn-ea"/>
+                <a:cs typeface="Arial" panose="020B0604020202020204" pitchFamily="34" charset="0"/>
+              </a:defRPr>
+            </a:lvl3pPr>
+            <a:lvl4pPr marL="1600200" indent="-228600" algn="l" defTabSz="914400" rtl="0" eaLnBrk="1" latinLnBrk="0" hangingPunct="1">
+              <a:lnSpc>
+                <a:spcPct val="90000"/>
+              </a:lnSpc>
+              <a:spcBef>
+                <a:spcPts val="500"/>
+              </a:spcBef>
+              <a:buFont typeface="Arial" panose="020B0604020202020204" pitchFamily="34" charset="0"/>
+              <a:buChar char="•"/>
+              <a:defRPr sz="1400" kern="1200">
+                <a:solidFill>
+                  <a:srgbClr val="DDDDDD"/>
+                </a:solidFill>
+                <a:latin typeface="Arial" panose="020B0604020202020204" pitchFamily="34" charset="0"/>
+                <a:ea typeface="+mn-ea"/>
+                <a:cs typeface="Arial" panose="020B0604020202020204" pitchFamily="34" charset="0"/>
+              </a:defRPr>
+            </a:lvl4pPr>
+            <a:lvl5pPr marL="2057400" indent="-228600" algn="l" defTabSz="914400" rtl="0" eaLnBrk="1" latinLnBrk="0" hangingPunct="1">
+              <a:lnSpc>
+                <a:spcPct val="90000"/>
+              </a:lnSpc>
+              <a:spcBef>
+                <a:spcPts val="500"/>
+              </a:spcBef>
+              <a:buFont typeface="Arial" panose="020B0604020202020204" pitchFamily="34" charset="0"/>
+              <a:buChar char="•"/>
+              <a:defRPr sz="1400" kern="1200">
+                <a:solidFill>
+                  <a:srgbClr val="DDDDDD"/>
+                </a:solidFill>
+                <a:latin typeface="Arial" panose="020B0604020202020204" pitchFamily="34" charset="0"/>
+                <a:ea typeface="+mn-ea"/>
+                <a:cs typeface="Arial" panose="020B0604020202020204" pitchFamily="34" charset="0"/>
+              </a:defRPr>
+            </a:lvl5pPr>
+            <a:lvl6pPr marL="2514600" indent="-228600" algn="l" defTabSz="914400" rtl="0" eaLnBrk="1" latinLnBrk="0" hangingPunct="1">
+              <a:lnSpc>
+                <a:spcPct val="90000"/>
+              </a:lnSpc>
+              <a:spcBef>
+                <a:spcPts val="500"/>
+              </a:spcBef>
+              <a:buFont typeface="Arial" panose="020B0604020202020204" pitchFamily="34" charset="0"/>
+              <a:buChar char="•"/>
+              <a:defRPr sz="1800" kern="1200">
+                <a:solidFill>
+                  <a:schemeClr val="tx1"/>
+                </a:solidFill>
+                <a:latin typeface="+mn-lt"/>
+                <a:ea typeface="+mn-ea"/>
+                <a:cs typeface="+mn-cs"/>
+              </a:defRPr>
+            </a:lvl6pPr>
+            <a:lvl7pPr marL="2971800" indent="-228600" algn="l" defTabSz="914400" rtl="0" eaLnBrk="1" latinLnBrk="0" hangingPunct="1">
+              <a:lnSpc>
+                <a:spcPct val="90000"/>
+              </a:lnSpc>
+              <a:spcBef>
+                <a:spcPts val="500"/>
+              </a:spcBef>
+              <a:buFont typeface="Arial" panose="020B0604020202020204" pitchFamily="34" charset="0"/>
+              <a:buChar char="•"/>
+              <a:defRPr sz="1800" kern="1200">
+                <a:solidFill>
+                  <a:schemeClr val="tx1"/>
+                </a:solidFill>
+                <a:latin typeface="+mn-lt"/>
+                <a:ea typeface="+mn-ea"/>
+                <a:cs typeface="+mn-cs"/>
+              </a:defRPr>
+            </a:lvl7pPr>
+            <a:lvl8pPr marL="3429000" indent="-228600" algn="l" defTabSz="914400" rtl="0" eaLnBrk="1" latinLnBrk="0" hangingPunct="1">
+              <a:lnSpc>
+                <a:spcPct val="90000"/>
+              </a:lnSpc>
+              <a:spcBef>
+                <a:spcPts val="500"/>
+              </a:spcBef>
+              <a:buFont typeface="Arial" panose="020B0604020202020204" pitchFamily="34" charset="0"/>
+              <a:buChar char="•"/>
+              <a:defRPr sz="1800" kern="1200">
+                <a:solidFill>
+                  <a:schemeClr val="tx1"/>
+                </a:solidFill>
+                <a:latin typeface="+mn-lt"/>
+                <a:ea typeface="+mn-ea"/>
+                <a:cs typeface="+mn-cs"/>
+              </a:defRPr>
+            </a:lvl8pPr>
+            <a:lvl9pPr marL="3886200" indent="-228600" algn="l" defTabSz="914400" rtl="0" eaLnBrk="1" latinLnBrk="0" hangingPunct="1">
+              <a:lnSpc>
+                <a:spcPct val="90000"/>
+              </a:lnSpc>
+              <a:spcBef>
+                <a:spcPts val="500"/>
+              </a:spcBef>
+              <a:buFont typeface="Arial" panose="020B0604020202020204" pitchFamily="34" charset="0"/>
+              <a:buChar char="•"/>
+              <a:defRPr sz="1800" kern="1200">
+                <a:solidFill>
+                  <a:schemeClr val="tx1"/>
+                </a:solidFill>
+                <a:latin typeface="+mn-lt"/>
+                <a:ea typeface="+mn-ea"/>
+                <a:cs typeface="+mn-cs"/>
+              </a:defRPr>
+            </a:lvl9pPr>
+          </a:lstStyle>
+          <a:p>
+            <a:pPr marL="0" indent="0">
+              <a:buNone/>
+            </a:pPr>
+            <a:r>
+              <a:rPr lang="en-US" b="1" dirty="0">
+                <a:solidFill>
+                  <a:srgbClr val="FF423F"/>
+                </a:solidFill>
+              </a:rPr>
+              <a:t>6. </a:t>
+            </a:r>
+            <a:r>
+              <a:rPr lang="en-US" b="1" dirty="0" err="1">
+                <a:solidFill>
+                  <a:srgbClr val="FF423F"/>
+                </a:solidFill>
+              </a:rPr>
+              <a:t>initCause</a:t>
+            </a:r>
+            <a:r>
+              <a:rPr lang="en-US" b="1" dirty="0">
+                <a:solidFill>
+                  <a:srgbClr val="FF423F"/>
+                </a:solidFill>
+              </a:rPr>
+              <a:t>(Throwable cause)</a:t>
+            </a:r>
+            <a:r>
+              <a:rPr lang="en-US" dirty="0"/>
+              <a:t>. </a:t>
+            </a:r>
+            <a:r>
+              <a:rPr lang="ru-RU" dirty="0"/>
+              <a:t>Устанавливает причину исключения. Это полезно, если вы создаете собственное исключение и хотите указать, что его вызвало.</a:t>
+            </a:r>
+          </a:p>
+        </p:txBody>
+      </p:sp>
+      <p:pic>
+        <p:nvPicPr>
+          <p:cNvPr id="4" name="Рисунок 3">
+            <a:extLst>
+              <a:ext uri="{FF2B5EF4-FFF2-40B4-BE49-F238E27FC236}">
+                <a16:creationId xmlns:a16="http://schemas.microsoft.com/office/drawing/2014/main" id="{BC9985F4-F89D-D502-4114-43A03A435119}"/>
+              </a:ext>
+            </a:extLst>
+          </p:cNvPr>
+          <p:cNvPicPr>
+            <a:picLocks noChangeAspect="1"/>
+          </p:cNvPicPr>
+          <p:nvPr/>
+        </p:nvPicPr>
+        <p:blipFill>
+          <a:blip r:embed="rId3"/>
+          <a:stretch>
+            <a:fillRect/>
+          </a:stretch>
+        </p:blipFill>
+        <p:spPr>
+          <a:xfrm>
+            <a:off x="3976391" y="1158465"/>
+            <a:ext cx="4239217" cy="1895740"/>
+          </a:xfrm>
+          <a:prstGeom prst="rect">
+            <a:avLst/>
+          </a:prstGeom>
+        </p:spPr>
+      </p:pic>
+      <p:pic>
+        <p:nvPicPr>
+          <p:cNvPr id="6" name="Рисунок 5">
+            <a:extLst>
+              <a:ext uri="{FF2B5EF4-FFF2-40B4-BE49-F238E27FC236}">
+                <a16:creationId xmlns:a16="http://schemas.microsoft.com/office/drawing/2014/main" id="{767BDFDC-AA56-8567-4070-B80264860824}"/>
+              </a:ext>
+            </a:extLst>
+          </p:cNvPr>
+          <p:cNvPicPr>
+            <a:picLocks noChangeAspect="1"/>
+          </p:cNvPicPr>
+          <p:nvPr/>
+        </p:nvPicPr>
+        <p:blipFill>
+          <a:blip r:embed="rId4"/>
+          <a:stretch>
+            <a:fillRect/>
+          </a:stretch>
+        </p:blipFill>
+        <p:spPr>
+          <a:xfrm>
+            <a:off x="2490283" y="4125205"/>
+            <a:ext cx="7211431" cy="2581635"/>
+          </a:xfrm>
+          <a:prstGeom prst="rect">
+            <a:avLst/>
+          </a:prstGeom>
+        </p:spPr>
+      </p:pic>
+    </p:spTree>
+    <p:extLst>
+      <p:ext uri="{BB962C8B-B14F-4D97-AF65-F5344CB8AC3E}">
+        <p14:creationId xmlns:p14="http://schemas.microsoft.com/office/powerpoint/2010/main" val="4265744730"/>
+      </p:ext>
+    </p:extLst>
+  </p:cSld>
+  <p:clrMapOvr>
+    <a:masterClrMapping/>
+  </p:clrMapOvr>
+</p:sld>
+</file>
+
 <file path=ppt/slides/slide7.xml><?xml version="1.0" encoding="utf-8"?>
 <p:sld xmlns:a="http://schemas.openxmlformats.org/drawingml/2006/main" xmlns:r="http://schemas.openxmlformats.org/officeDocument/2006/relationships" xmlns:p="http://schemas.openxmlformats.org/presentationml/2006/main">
   <p:cSld>
@@ -6890,6 +8824,1086 @@
     <p:extLst>
       <p:ext uri="{BB962C8B-B14F-4D97-AF65-F5344CB8AC3E}">
         <p14:creationId xmlns:p14="http://schemas.microsoft.com/office/powerpoint/2010/main" val="2751494002"/>
+      </p:ext>
+    </p:extLst>
+  </p:cSld>
+  <p:clrMapOvr>
+    <a:masterClrMapping/>
+  </p:clrMapOvr>
+</p:sld>
+</file>
+
+<file path=ppt/slides/slide8.xml><?xml version="1.0" encoding="utf-8"?>
+<p:sld xmlns:a="http://schemas.openxmlformats.org/drawingml/2006/main" xmlns:r="http://schemas.openxmlformats.org/officeDocument/2006/relationships" xmlns:p="http://schemas.openxmlformats.org/presentationml/2006/main">
+  <p:cSld>
+    <p:spTree>
+      <p:nvGrpSpPr>
+        <p:cNvPr id="1" name=""/>
+        <p:cNvGrpSpPr/>
+        <p:nvPr/>
+      </p:nvGrpSpPr>
+      <p:grpSpPr>
+        <a:xfrm>
+          <a:off x="0" y="0"/>
+          <a:ext cx="0" cy="0"/>
+          <a:chOff x="0" y="0"/>
+          <a:chExt cx="0" cy="0"/>
+        </a:xfrm>
+      </p:grpSpPr>
+      <p:sp>
+        <p:nvSpPr>
+          <p:cNvPr id="2" name="Заголовок 1">
+            <a:extLst>
+              <a:ext uri="{FF2B5EF4-FFF2-40B4-BE49-F238E27FC236}">
+                <a16:creationId xmlns:a16="http://schemas.microsoft.com/office/drawing/2014/main" id="{E2FE65B6-44BA-6974-F610-DAB03FCD3803}"/>
+              </a:ext>
+            </a:extLst>
+          </p:cNvPr>
+          <p:cNvSpPr>
+            <a:spLocks noGrp="1"/>
+          </p:cNvSpPr>
+          <p:nvPr>
+            <p:ph type="title"/>
+          </p:nvPr>
+        </p:nvSpPr>
+        <p:spPr/>
+        <p:txBody>
+          <a:bodyPr/>
+          <a:lstStyle/>
+          <a:p>
+            <a:r>
+              <a:rPr lang="ru-RU" dirty="0">
+                <a:solidFill>
+                  <a:srgbClr val="DDDDDD"/>
+                </a:solidFill>
+              </a:rPr>
+              <a:t>Отличия</a:t>
+            </a:r>
+            <a:r>
+              <a:rPr lang="en-US" dirty="0">
+                <a:solidFill>
+                  <a:srgbClr val="DDDDDD"/>
+                </a:solidFill>
+              </a:rPr>
+              <a:t> checked </a:t>
+            </a:r>
+            <a:r>
+              <a:rPr lang="ru-RU" dirty="0">
+                <a:solidFill>
+                  <a:srgbClr val="DDDDDD"/>
+                </a:solidFill>
+              </a:rPr>
+              <a:t>от</a:t>
+            </a:r>
+            <a:r>
+              <a:rPr lang="en-US" dirty="0">
+                <a:solidFill>
+                  <a:srgbClr val="DDDDDD"/>
+                </a:solidFill>
+              </a:rPr>
+              <a:t> unchecked </a:t>
+            </a:r>
+            <a:endParaRPr lang="ru-RU" dirty="0">
+              <a:solidFill>
+                <a:srgbClr val="DDDDDD"/>
+              </a:solidFill>
+            </a:endParaRPr>
+          </a:p>
+        </p:txBody>
+      </p:sp>
+      <p:sp>
+        <p:nvSpPr>
+          <p:cNvPr id="18" name="Объект 2">
+            <a:extLst>
+              <a:ext uri="{FF2B5EF4-FFF2-40B4-BE49-F238E27FC236}">
+                <a16:creationId xmlns:a16="http://schemas.microsoft.com/office/drawing/2014/main" id="{26A79860-9805-7924-0E54-0F8D8AA9482A}"/>
+              </a:ext>
+            </a:extLst>
+          </p:cNvPr>
+          <p:cNvSpPr txBox="1">
+            <a:spLocks/>
+          </p:cNvSpPr>
+          <p:nvPr/>
+        </p:nvSpPr>
+        <p:spPr>
+          <a:xfrm>
+            <a:off x="515939" y="657225"/>
+            <a:ext cx="11160124" cy="1260475"/>
+          </a:xfrm>
+          <a:prstGeom prst="rect">
+            <a:avLst/>
+          </a:prstGeom>
+          <a:solidFill>
+            <a:srgbClr val="171717"/>
+          </a:solidFill>
+        </p:spPr>
+        <p:txBody>
+          <a:bodyPr vert="horz" lIns="91440" tIns="45720" rIns="91440" bIns="45720" rtlCol="0">
+            <a:normAutofit/>
+          </a:bodyPr>
+          <a:lstStyle>
+            <a:lvl1pPr marL="228600" indent="-228600" algn="l" defTabSz="914400" rtl="0" eaLnBrk="1" latinLnBrk="0" hangingPunct="1">
+              <a:lnSpc>
+                <a:spcPct val="90000"/>
+              </a:lnSpc>
+              <a:spcBef>
+                <a:spcPts val="1000"/>
+              </a:spcBef>
+              <a:buFont typeface="Arial" panose="020B0604020202020204" pitchFamily="34" charset="0"/>
+              <a:buChar char="•"/>
+              <a:defRPr sz="1600" kern="1200">
+                <a:solidFill>
+                  <a:srgbClr val="DDDDDD"/>
+                </a:solidFill>
+                <a:latin typeface="Arial" panose="020B0604020202020204" pitchFamily="34" charset="0"/>
+                <a:ea typeface="+mn-ea"/>
+                <a:cs typeface="Arial" panose="020B0604020202020204" pitchFamily="34" charset="0"/>
+              </a:defRPr>
+            </a:lvl1pPr>
+            <a:lvl2pPr marL="685800" indent="-228600" algn="l" defTabSz="914400" rtl="0" eaLnBrk="1" latinLnBrk="0" hangingPunct="1">
+              <a:lnSpc>
+                <a:spcPct val="90000"/>
+              </a:lnSpc>
+              <a:spcBef>
+                <a:spcPts val="500"/>
+              </a:spcBef>
+              <a:buFont typeface="Arial" panose="020B0604020202020204" pitchFamily="34" charset="0"/>
+              <a:buChar char="•"/>
+              <a:defRPr sz="1600" kern="1200">
+                <a:solidFill>
+                  <a:srgbClr val="DDDDDD"/>
+                </a:solidFill>
+                <a:latin typeface="Arial" panose="020B0604020202020204" pitchFamily="34" charset="0"/>
+                <a:ea typeface="+mn-ea"/>
+                <a:cs typeface="Arial" panose="020B0604020202020204" pitchFamily="34" charset="0"/>
+              </a:defRPr>
+            </a:lvl2pPr>
+            <a:lvl3pPr marL="1143000" indent="-228600" algn="l" defTabSz="914400" rtl="0" eaLnBrk="1" latinLnBrk="0" hangingPunct="1">
+              <a:lnSpc>
+                <a:spcPct val="90000"/>
+              </a:lnSpc>
+              <a:spcBef>
+                <a:spcPts val="500"/>
+              </a:spcBef>
+              <a:buFont typeface="Arial" panose="020B0604020202020204" pitchFamily="34" charset="0"/>
+              <a:buChar char="•"/>
+              <a:defRPr sz="1600" kern="1200">
+                <a:solidFill>
+                  <a:srgbClr val="DDDDDD"/>
+                </a:solidFill>
+                <a:latin typeface="Arial" panose="020B0604020202020204" pitchFamily="34" charset="0"/>
+                <a:ea typeface="+mn-ea"/>
+                <a:cs typeface="Arial" panose="020B0604020202020204" pitchFamily="34" charset="0"/>
+              </a:defRPr>
+            </a:lvl3pPr>
+            <a:lvl4pPr marL="1600200" indent="-228600" algn="l" defTabSz="914400" rtl="0" eaLnBrk="1" latinLnBrk="0" hangingPunct="1">
+              <a:lnSpc>
+                <a:spcPct val="90000"/>
+              </a:lnSpc>
+              <a:spcBef>
+                <a:spcPts val="500"/>
+              </a:spcBef>
+              <a:buFont typeface="Arial" panose="020B0604020202020204" pitchFamily="34" charset="0"/>
+              <a:buChar char="•"/>
+              <a:defRPr sz="1400" kern="1200">
+                <a:solidFill>
+                  <a:srgbClr val="DDDDDD"/>
+                </a:solidFill>
+                <a:latin typeface="Arial" panose="020B0604020202020204" pitchFamily="34" charset="0"/>
+                <a:ea typeface="+mn-ea"/>
+                <a:cs typeface="Arial" panose="020B0604020202020204" pitchFamily="34" charset="0"/>
+              </a:defRPr>
+            </a:lvl4pPr>
+            <a:lvl5pPr marL="2057400" indent="-228600" algn="l" defTabSz="914400" rtl="0" eaLnBrk="1" latinLnBrk="0" hangingPunct="1">
+              <a:lnSpc>
+                <a:spcPct val="90000"/>
+              </a:lnSpc>
+              <a:spcBef>
+                <a:spcPts val="500"/>
+              </a:spcBef>
+              <a:buFont typeface="Arial" panose="020B0604020202020204" pitchFamily="34" charset="0"/>
+              <a:buChar char="•"/>
+              <a:defRPr sz="1400" kern="1200">
+                <a:solidFill>
+                  <a:srgbClr val="DDDDDD"/>
+                </a:solidFill>
+                <a:latin typeface="Arial" panose="020B0604020202020204" pitchFamily="34" charset="0"/>
+                <a:ea typeface="+mn-ea"/>
+                <a:cs typeface="Arial" panose="020B0604020202020204" pitchFamily="34" charset="0"/>
+              </a:defRPr>
+            </a:lvl5pPr>
+            <a:lvl6pPr marL="2514600" indent="-228600" algn="l" defTabSz="914400" rtl="0" eaLnBrk="1" latinLnBrk="0" hangingPunct="1">
+              <a:lnSpc>
+                <a:spcPct val="90000"/>
+              </a:lnSpc>
+              <a:spcBef>
+                <a:spcPts val="500"/>
+              </a:spcBef>
+              <a:buFont typeface="Arial" panose="020B0604020202020204" pitchFamily="34" charset="0"/>
+              <a:buChar char="•"/>
+              <a:defRPr sz="1800" kern="1200">
+                <a:solidFill>
+                  <a:schemeClr val="tx1"/>
+                </a:solidFill>
+                <a:latin typeface="+mn-lt"/>
+                <a:ea typeface="+mn-ea"/>
+                <a:cs typeface="+mn-cs"/>
+              </a:defRPr>
+            </a:lvl6pPr>
+            <a:lvl7pPr marL="2971800" indent="-228600" algn="l" defTabSz="914400" rtl="0" eaLnBrk="1" latinLnBrk="0" hangingPunct="1">
+              <a:lnSpc>
+                <a:spcPct val="90000"/>
+              </a:lnSpc>
+              <a:spcBef>
+                <a:spcPts val="500"/>
+              </a:spcBef>
+              <a:buFont typeface="Arial" panose="020B0604020202020204" pitchFamily="34" charset="0"/>
+              <a:buChar char="•"/>
+              <a:defRPr sz="1800" kern="1200">
+                <a:solidFill>
+                  <a:schemeClr val="tx1"/>
+                </a:solidFill>
+                <a:latin typeface="+mn-lt"/>
+                <a:ea typeface="+mn-ea"/>
+                <a:cs typeface="+mn-cs"/>
+              </a:defRPr>
+            </a:lvl7pPr>
+            <a:lvl8pPr marL="3429000" indent="-228600" algn="l" defTabSz="914400" rtl="0" eaLnBrk="1" latinLnBrk="0" hangingPunct="1">
+              <a:lnSpc>
+                <a:spcPct val="90000"/>
+              </a:lnSpc>
+              <a:spcBef>
+                <a:spcPts val="500"/>
+              </a:spcBef>
+              <a:buFont typeface="Arial" panose="020B0604020202020204" pitchFamily="34" charset="0"/>
+              <a:buChar char="•"/>
+              <a:defRPr sz="1800" kern="1200">
+                <a:solidFill>
+                  <a:schemeClr val="tx1"/>
+                </a:solidFill>
+                <a:latin typeface="+mn-lt"/>
+                <a:ea typeface="+mn-ea"/>
+                <a:cs typeface="+mn-cs"/>
+              </a:defRPr>
+            </a:lvl8pPr>
+            <a:lvl9pPr marL="3886200" indent="-228600" algn="l" defTabSz="914400" rtl="0" eaLnBrk="1" latinLnBrk="0" hangingPunct="1">
+              <a:lnSpc>
+                <a:spcPct val="90000"/>
+              </a:lnSpc>
+              <a:spcBef>
+                <a:spcPts val="500"/>
+              </a:spcBef>
+              <a:buFont typeface="Arial" panose="020B0604020202020204" pitchFamily="34" charset="0"/>
+              <a:buChar char="•"/>
+              <a:defRPr sz="1800" kern="1200">
+                <a:solidFill>
+                  <a:schemeClr val="tx1"/>
+                </a:solidFill>
+                <a:latin typeface="+mn-lt"/>
+                <a:ea typeface="+mn-ea"/>
+                <a:cs typeface="+mn-cs"/>
+              </a:defRPr>
+            </a:lvl9pPr>
+          </a:lstStyle>
+          <a:p>
+            <a:pPr marL="0" indent="0">
+              <a:buNone/>
+            </a:pPr>
+            <a:r>
+              <a:rPr lang="ru-RU" dirty="0"/>
+              <a:t>Если метод выбрасывает </a:t>
+            </a:r>
+            <a:r>
+              <a:rPr lang="en-US" dirty="0">
+                <a:solidFill>
+                  <a:srgbClr val="FF423F"/>
+                </a:solidFill>
+              </a:rPr>
+              <a:t>checked</a:t>
+            </a:r>
+            <a:r>
+              <a:rPr lang="en-US" dirty="0"/>
+              <a:t> </a:t>
+            </a:r>
+            <a:r>
+              <a:rPr lang="ru-RU" dirty="0"/>
+              <a:t>исключение, то он должен содержать в своем заголовке тип этого исключения (в сигнатуре) после </a:t>
+            </a:r>
+            <a:r>
+              <a:rPr lang="en-US" dirty="0">
+                <a:solidFill>
+                  <a:srgbClr val="CC7832"/>
+                </a:solidFill>
+              </a:rPr>
+              <a:t>throws</a:t>
+            </a:r>
+            <a:r>
+              <a:rPr lang="ru-RU" dirty="0"/>
+              <a:t>. Вызывающие методы должны быть в курсе возможного исключения.</a:t>
+            </a:r>
+          </a:p>
+          <a:p>
+            <a:pPr marL="0" indent="0">
+              <a:buNone/>
+            </a:pPr>
+            <a:r>
+              <a:rPr lang="en-US" dirty="0"/>
+              <a:t> </a:t>
+            </a:r>
+            <a:endParaRPr lang="ru-RU" dirty="0"/>
+          </a:p>
+          <a:p>
+            <a:pPr marL="0" indent="0">
+              <a:buNone/>
+            </a:pPr>
+            <a:r>
+              <a:rPr lang="ru-RU" dirty="0"/>
+              <a:t>Если метод планирует выкинуть несколько исключений, то их можно </a:t>
+            </a:r>
+            <a:r>
+              <a:rPr lang="ru-RU" dirty="0">
+                <a:solidFill>
+                  <a:srgbClr val="BC5CFF"/>
+                </a:solidFill>
+              </a:rPr>
+              <a:t>перечислить через запятую.</a:t>
+            </a:r>
+          </a:p>
+          <a:p>
+            <a:pPr marL="342900" indent="-342900">
+              <a:buFont typeface="+mj-lt"/>
+              <a:buAutoNum type="arabicPeriod"/>
+            </a:pPr>
+            <a:endParaRPr lang="ru-RU" dirty="0"/>
+          </a:p>
+        </p:txBody>
+      </p:sp>
+      <p:pic>
+        <p:nvPicPr>
+          <p:cNvPr id="20" name="Рисунок 19">
+            <a:extLst>
+              <a:ext uri="{FF2B5EF4-FFF2-40B4-BE49-F238E27FC236}">
+                <a16:creationId xmlns:a16="http://schemas.microsoft.com/office/drawing/2014/main" id="{F2DE9B13-7C68-7D4F-7C07-0E1B129CA39A}"/>
+              </a:ext>
+            </a:extLst>
+          </p:cNvPr>
+          <p:cNvPicPr>
+            <a:picLocks noChangeAspect="1"/>
+          </p:cNvPicPr>
+          <p:nvPr/>
+        </p:nvPicPr>
+        <p:blipFill>
+          <a:blip r:embed="rId3"/>
+          <a:srcRect r="9440"/>
+          <a:stretch/>
+        </p:blipFill>
+        <p:spPr>
+          <a:xfrm>
+            <a:off x="2751138" y="2180664"/>
+            <a:ext cx="6176962" cy="4020111"/>
+          </a:xfrm>
+          <a:prstGeom prst="rect">
+            <a:avLst/>
+          </a:prstGeom>
+        </p:spPr>
+      </p:pic>
+    </p:spTree>
+    <p:extLst>
+      <p:ext uri="{BB962C8B-B14F-4D97-AF65-F5344CB8AC3E}">
+        <p14:creationId xmlns:p14="http://schemas.microsoft.com/office/powerpoint/2010/main" val="1220026050"/>
+      </p:ext>
+    </p:extLst>
+  </p:cSld>
+  <p:clrMapOvr>
+    <a:masterClrMapping/>
+  </p:clrMapOvr>
+</p:sld>
+</file>
+
+<file path=ppt/slides/slide9.xml><?xml version="1.0" encoding="utf-8"?>
+<p:sld xmlns:a="http://schemas.openxmlformats.org/drawingml/2006/main" xmlns:r="http://schemas.openxmlformats.org/officeDocument/2006/relationships" xmlns:p="http://schemas.openxmlformats.org/presentationml/2006/main">
+  <p:cSld>
+    <p:spTree>
+      <p:nvGrpSpPr>
+        <p:cNvPr id="1" name=""/>
+        <p:cNvGrpSpPr/>
+        <p:nvPr/>
+      </p:nvGrpSpPr>
+      <p:grpSpPr>
+        <a:xfrm>
+          <a:off x="0" y="0"/>
+          <a:ext cx="0" cy="0"/>
+          <a:chOff x="0" y="0"/>
+          <a:chExt cx="0" cy="0"/>
+        </a:xfrm>
+      </p:grpSpPr>
+      <p:sp>
+        <p:nvSpPr>
+          <p:cNvPr id="2" name="Заголовок 1">
+            <a:extLst>
+              <a:ext uri="{FF2B5EF4-FFF2-40B4-BE49-F238E27FC236}">
+                <a16:creationId xmlns:a16="http://schemas.microsoft.com/office/drawing/2014/main" id="{E2FE65B6-44BA-6974-F610-DAB03FCD3803}"/>
+              </a:ext>
+            </a:extLst>
+          </p:cNvPr>
+          <p:cNvSpPr>
+            <a:spLocks noGrp="1"/>
+          </p:cNvSpPr>
+          <p:nvPr>
+            <p:ph type="title"/>
+          </p:nvPr>
+        </p:nvSpPr>
+        <p:spPr/>
+        <p:txBody>
+          <a:bodyPr/>
+          <a:lstStyle/>
+          <a:p>
+            <a:r>
+              <a:rPr lang="ru-RU" dirty="0">
+                <a:solidFill>
+                  <a:srgbClr val="DDDDDD"/>
+                </a:solidFill>
+              </a:rPr>
+              <a:t>Отличия</a:t>
+            </a:r>
+            <a:r>
+              <a:rPr lang="en-US" dirty="0">
+                <a:solidFill>
+                  <a:srgbClr val="DDDDDD"/>
+                </a:solidFill>
+              </a:rPr>
+              <a:t> checked </a:t>
+            </a:r>
+            <a:r>
+              <a:rPr lang="ru-RU" dirty="0">
+                <a:solidFill>
+                  <a:srgbClr val="DDDDDD"/>
+                </a:solidFill>
+              </a:rPr>
+              <a:t>от</a:t>
+            </a:r>
+            <a:r>
+              <a:rPr lang="en-US" dirty="0">
+                <a:solidFill>
+                  <a:srgbClr val="DDDDDD"/>
+                </a:solidFill>
+              </a:rPr>
+              <a:t> unchecked </a:t>
+            </a:r>
+            <a:endParaRPr lang="ru-RU" dirty="0">
+              <a:solidFill>
+                <a:srgbClr val="DDDDDD"/>
+              </a:solidFill>
+            </a:endParaRPr>
+          </a:p>
+        </p:txBody>
+      </p:sp>
+      <p:sp>
+        <p:nvSpPr>
+          <p:cNvPr id="18" name="Объект 2">
+            <a:extLst>
+              <a:ext uri="{FF2B5EF4-FFF2-40B4-BE49-F238E27FC236}">
+                <a16:creationId xmlns:a16="http://schemas.microsoft.com/office/drawing/2014/main" id="{26A79860-9805-7924-0E54-0F8D8AA9482A}"/>
+              </a:ext>
+            </a:extLst>
+          </p:cNvPr>
+          <p:cNvSpPr txBox="1">
+            <a:spLocks/>
+          </p:cNvSpPr>
+          <p:nvPr/>
+        </p:nvSpPr>
+        <p:spPr>
+          <a:xfrm>
+            <a:off x="515939" y="657225"/>
+            <a:ext cx="11160124" cy="765175"/>
+          </a:xfrm>
+          <a:prstGeom prst="rect">
+            <a:avLst/>
+          </a:prstGeom>
+          <a:solidFill>
+            <a:srgbClr val="171717"/>
+          </a:solidFill>
+        </p:spPr>
+        <p:txBody>
+          <a:bodyPr vert="horz" lIns="91440" tIns="45720" rIns="91440" bIns="45720" rtlCol="0">
+            <a:normAutofit/>
+          </a:bodyPr>
+          <a:lstStyle>
+            <a:lvl1pPr marL="228600" indent="-228600" algn="l" defTabSz="914400" rtl="0" eaLnBrk="1" latinLnBrk="0" hangingPunct="1">
+              <a:lnSpc>
+                <a:spcPct val="90000"/>
+              </a:lnSpc>
+              <a:spcBef>
+                <a:spcPts val="1000"/>
+              </a:spcBef>
+              <a:buFont typeface="Arial" panose="020B0604020202020204" pitchFamily="34" charset="0"/>
+              <a:buChar char="•"/>
+              <a:defRPr sz="1600" kern="1200">
+                <a:solidFill>
+                  <a:srgbClr val="DDDDDD"/>
+                </a:solidFill>
+                <a:latin typeface="Arial" panose="020B0604020202020204" pitchFamily="34" charset="0"/>
+                <a:ea typeface="+mn-ea"/>
+                <a:cs typeface="Arial" panose="020B0604020202020204" pitchFamily="34" charset="0"/>
+              </a:defRPr>
+            </a:lvl1pPr>
+            <a:lvl2pPr marL="685800" indent="-228600" algn="l" defTabSz="914400" rtl="0" eaLnBrk="1" latinLnBrk="0" hangingPunct="1">
+              <a:lnSpc>
+                <a:spcPct val="90000"/>
+              </a:lnSpc>
+              <a:spcBef>
+                <a:spcPts val="500"/>
+              </a:spcBef>
+              <a:buFont typeface="Arial" panose="020B0604020202020204" pitchFamily="34" charset="0"/>
+              <a:buChar char="•"/>
+              <a:defRPr sz="1600" kern="1200">
+                <a:solidFill>
+                  <a:srgbClr val="DDDDDD"/>
+                </a:solidFill>
+                <a:latin typeface="Arial" panose="020B0604020202020204" pitchFamily="34" charset="0"/>
+                <a:ea typeface="+mn-ea"/>
+                <a:cs typeface="Arial" panose="020B0604020202020204" pitchFamily="34" charset="0"/>
+              </a:defRPr>
+            </a:lvl2pPr>
+            <a:lvl3pPr marL="1143000" indent="-228600" algn="l" defTabSz="914400" rtl="0" eaLnBrk="1" latinLnBrk="0" hangingPunct="1">
+              <a:lnSpc>
+                <a:spcPct val="90000"/>
+              </a:lnSpc>
+              <a:spcBef>
+                <a:spcPts val="500"/>
+              </a:spcBef>
+              <a:buFont typeface="Arial" panose="020B0604020202020204" pitchFamily="34" charset="0"/>
+              <a:buChar char="•"/>
+              <a:defRPr sz="1600" kern="1200">
+                <a:solidFill>
+                  <a:srgbClr val="DDDDDD"/>
+                </a:solidFill>
+                <a:latin typeface="Arial" panose="020B0604020202020204" pitchFamily="34" charset="0"/>
+                <a:ea typeface="+mn-ea"/>
+                <a:cs typeface="Arial" panose="020B0604020202020204" pitchFamily="34" charset="0"/>
+              </a:defRPr>
+            </a:lvl3pPr>
+            <a:lvl4pPr marL="1600200" indent="-228600" algn="l" defTabSz="914400" rtl="0" eaLnBrk="1" latinLnBrk="0" hangingPunct="1">
+              <a:lnSpc>
+                <a:spcPct val="90000"/>
+              </a:lnSpc>
+              <a:spcBef>
+                <a:spcPts val="500"/>
+              </a:spcBef>
+              <a:buFont typeface="Arial" panose="020B0604020202020204" pitchFamily="34" charset="0"/>
+              <a:buChar char="•"/>
+              <a:defRPr sz="1400" kern="1200">
+                <a:solidFill>
+                  <a:srgbClr val="DDDDDD"/>
+                </a:solidFill>
+                <a:latin typeface="Arial" panose="020B0604020202020204" pitchFamily="34" charset="0"/>
+                <a:ea typeface="+mn-ea"/>
+                <a:cs typeface="Arial" panose="020B0604020202020204" pitchFamily="34" charset="0"/>
+              </a:defRPr>
+            </a:lvl4pPr>
+            <a:lvl5pPr marL="2057400" indent="-228600" algn="l" defTabSz="914400" rtl="0" eaLnBrk="1" latinLnBrk="0" hangingPunct="1">
+              <a:lnSpc>
+                <a:spcPct val="90000"/>
+              </a:lnSpc>
+              <a:spcBef>
+                <a:spcPts val="500"/>
+              </a:spcBef>
+              <a:buFont typeface="Arial" panose="020B0604020202020204" pitchFamily="34" charset="0"/>
+              <a:buChar char="•"/>
+              <a:defRPr sz="1400" kern="1200">
+                <a:solidFill>
+                  <a:srgbClr val="DDDDDD"/>
+                </a:solidFill>
+                <a:latin typeface="Arial" panose="020B0604020202020204" pitchFamily="34" charset="0"/>
+                <a:ea typeface="+mn-ea"/>
+                <a:cs typeface="Arial" panose="020B0604020202020204" pitchFamily="34" charset="0"/>
+              </a:defRPr>
+            </a:lvl5pPr>
+            <a:lvl6pPr marL="2514600" indent="-228600" algn="l" defTabSz="914400" rtl="0" eaLnBrk="1" latinLnBrk="0" hangingPunct="1">
+              <a:lnSpc>
+                <a:spcPct val="90000"/>
+              </a:lnSpc>
+              <a:spcBef>
+                <a:spcPts val="500"/>
+              </a:spcBef>
+              <a:buFont typeface="Arial" panose="020B0604020202020204" pitchFamily="34" charset="0"/>
+              <a:buChar char="•"/>
+              <a:defRPr sz="1800" kern="1200">
+                <a:solidFill>
+                  <a:schemeClr val="tx1"/>
+                </a:solidFill>
+                <a:latin typeface="+mn-lt"/>
+                <a:ea typeface="+mn-ea"/>
+                <a:cs typeface="+mn-cs"/>
+              </a:defRPr>
+            </a:lvl6pPr>
+            <a:lvl7pPr marL="2971800" indent="-228600" algn="l" defTabSz="914400" rtl="0" eaLnBrk="1" latinLnBrk="0" hangingPunct="1">
+              <a:lnSpc>
+                <a:spcPct val="90000"/>
+              </a:lnSpc>
+              <a:spcBef>
+                <a:spcPts val="500"/>
+              </a:spcBef>
+              <a:buFont typeface="Arial" panose="020B0604020202020204" pitchFamily="34" charset="0"/>
+              <a:buChar char="•"/>
+              <a:defRPr sz="1800" kern="1200">
+                <a:solidFill>
+                  <a:schemeClr val="tx1"/>
+                </a:solidFill>
+                <a:latin typeface="+mn-lt"/>
+                <a:ea typeface="+mn-ea"/>
+                <a:cs typeface="+mn-cs"/>
+              </a:defRPr>
+            </a:lvl7pPr>
+            <a:lvl8pPr marL="3429000" indent="-228600" algn="l" defTabSz="914400" rtl="0" eaLnBrk="1" latinLnBrk="0" hangingPunct="1">
+              <a:lnSpc>
+                <a:spcPct val="90000"/>
+              </a:lnSpc>
+              <a:spcBef>
+                <a:spcPts val="500"/>
+              </a:spcBef>
+              <a:buFont typeface="Arial" panose="020B0604020202020204" pitchFamily="34" charset="0"/>
+              <a:buChar char="•"/>
+              <a:defRPr sz="1800" kern="1200">
+                <a:solidFill>
+                  <a:schemeClr val="tx1"/>
+                </a:solidFill>
+                <a:latin typeface="+mn-lt"/>
+                <a:ea typeface="+mn-ea"/>
+                <a:cs typeface="+mn-cs"/>
+              </a:defRPr>
+            </a:lvl8pPr>
+            <a:lvl9pPr marL="3886200" indent="-228600" algn="l" defTabSz="914400" rtl="0" eaLnBrk="1" latinLnBrk="0" hangingPunct="1">
+              <a:lnSpc>
+                <a:spcPct val="90000"/>
+              </a:lnSpc>
+              <a:spcBef>
+                <a:spcPts val="500"/>
+              </a:spcBef>
+              <a:buFont typeface="Arial" panose="020B0604020202020204" pitchFamily="34" charset="0"/>
+              <a:buChar char="•"/>
+              <a:defRPr sz="1800" kern="1200">
+                <a:solidFill>
+                  <a:schemeClr val="tx1"/>
+                </a:solidFill>
+                <a:latin typeface="+mn-lt"/>
+                <a:ea typeface="+mn-ea"/>
+                <a:cs typeface="+mn-cs"/>
+              </a:defRPr>
+            </a:lvl9pPr>
+          </a:lstStyle>
+          <a:p>
+            <a:pPr marL="0" indent="0">
+              <a:buNone/>
+            </a:pPr>
+            <a:r>
+              <a:rPr lang="en-US" b="1" dirty="0">
+                <a:solidFill>
+                  <a:srgbClr val="FF423F"/>
+                </a:solidFill>
+              </a:rPr>
+              <a:t>Checked</a:t>
+            </a:r>
+            <a:r>
+              <a:rPr lang="en-US" dirty="0"/>
+              <a:t> </a:t>
+            </a:r>
+            <a:r>
+              <a:rPr lang="ru-RU" dirty="0"/>
+              <a:t>исключения проверяются на этапе компиляции: компилятор требует, чтобы </a:t>
+            </a:r>
+            <a:r>
+              <a:rPr lang="ru-RU" b="1" dirty="0" err="1">
+                <a:solidFill>
+                  <a:srgbClr val="FF423F"/>
+                </a:solidFill>
+              </a:rPr>
+              <a:t>checked</a:t>
+            </a:r>
+            <a:r>
+              <a:rPr lang="ru-RU" dirty="0"/>
+              <a:t> исключения либо были обработаны с помощью </a:t>
+            </a:r>
+            <a:r>
+              <a:rPr lang="ru-RU" dirty="0" err="1">
+                <a:solidFill>
+                  <a:srgbClr val="BC5CFF"/>
+                </a:solidFill>
+              </a:rPr>
+              <a:t>try-catch</a:t>
+            </a:r>
+            <a:r>
+              <a:rPr lang="ru-RU" dirty="0"/>
+              <a:t>, либо проброшены и объявлены в сигнатуре метода с помощью </a:t>
+            </a:r>
+            <a:r>
+              <a:rPr lang="ru-RU" dirty="0" err="1">
+                <a:solidFill>
+                  <a:srgbClr val="BC5CFF"/>
+                </a:solidFill>
+              </a:rPr>
+              <a:t>throws</a:t>
+            </a:r>
+            <a:r>
+              <a:rPr lang="ru-RU" dirty="0"/>
+              <a:t>.</a:t>
+            </a:r>
+          </a:p>
+          <a:p>
+            <a:pPr marL="0" indent="0">
+              <a:buNone/>
+            </a:pPr>
+            <a:endParaRPr lang="ru-RU" dirty="0"/>
+          </a:p>
+        </p:txBody>
+      </p:sp>
+      <p:pic>
+        <p:nvPicPr>
+          <p:cNvPr id="4" name="Рисунок 3">
+            <a:extLst>
+              <a:ext uri="{FF2B5EF4-FFF2-40B4-BE49-F238E27FC236}">
+                <a16:creationId xmlns:a16="http://schemas.microsoft.com/office/drawing/2014/main" id="{8417A67A-E84C-B1FD-663D-49AB4EFF0DF2}"/>
+              </a:ext>
+            </a:extLst>
+          </p:cNvPr>
+          <p:cNvPicPr>
+            <a:picLocks noChangeAspect="1"/>
+          </p:cNvPicPr>
+          <p:nvPr/>
+        </p:nvPicPr>
+        <p:blipFill>
+          <a:blip r:embed="rId3"/>
+          <a:stretch>
+            <a:fillRect/>
+          </a:stretch>
+        </p:blipFill>
+        <p:spPr>
+          <a:xfrm>
+            <a:off x="2437874" y="1585829"/>
+            <a:ext cx="7544853" cy="2257740"/>
+          </a:xfrm>
+          <a:prstGeom prst="rect">
+            <a:avLst/>
+          </a:prstGeom>
+        </p:spPr>
+      </p:pic>
+      <p:sp>
+        <p:nvSpPr>
+          <p:cNvPr id="5" name="Объект 2">
+            <a:extLst>
+              <a:ext uri="{FF2B5EF4-FFF2-40B4-BE49-F238E27FC236}">
+                <a16:creationId xmlns:a16="http://schemas.microsoft.com/office/drawing/2014/main" id="{EA5A3950-0F0A-C92E-323F-376BFA497E2E}"/>
+              </a:ext>
+            </a:extLst>
+          </p:cNvPr>
+          <p:cNvSpPr txBox="1">
+            <a:spLocks/>
+          </p:cNvSpPr>
+          <p:nvPr/>
+        </p:nvSpPr>
+        <p:spPr>
+          <a:xfrm>
+            <a:off x="630239" y="4259327"/>
+            <a:ext cx="11160124" cy="1941448"/>
+          </a:xfrm>
+          <a:prstGeom prst="rect">
+            <a:avLst/>
+          </a:prstGeom>
+          <a:solidFill>
+            <a:srgbClr val="171717"/>
+          </a:solidFill>
+        </p:spPr>
+        <p:txBody>
+          <a:bodyPr vert="horz" lIns="91440" tIns="45720" rIns="91440" bIns="45720" rtlCol="0">
+            <a:normAutofit/>
+          </a:bodyPr>
+          <a:lstStyle>
+            <a:lvl1pPr marL="228600" indent="-228600" algn="l" defTabSz="914400" rtl="0" eaLnBrk="1" latinLnBrk="0" hangingPunct="1">
+              <a:lnSpc>
+                <a:spcPct val="90000"/>
+              </a:lnSpc>
+              <a:spcBef>
+                <a:spcPts val="1000"/>
+              </a:spcBef>
+              <a:buFont typeface="Arial" panose="020B0604020202020204" pitchFamily="34" charset="0"/>
+              <a:buChar char="•"/>
+              <a:defRPr sz="1600" kern="1200">
+                <a:solidFill>
+                  <a:srgbClr val="DDDDDD"/>
+                </a:solidFill>
+                <a:latin typeface="Arial" panose="020B0604020202020204" pitchFamily="34" charset="0"/>
+                <a:ea typeface="+mn-ea"/>
+                <a:cs typeface="Arial" panose="020B0604020202020204" pitchFamily="34" charset="0"/>
+              </a:defRPr>
+            </a:lvl1pPr>
+            <a:lvl2pPr marL="685800" indent="-228600" algn="l" defTabSz="914400" rtl="0" eaLnBrk="1" latinLnBrk="0" hangingPunct="1">
+              <a:lnSpc>
+                <a:spcPct val="90000"/>
+              </a:lnSpc>
+              <a:spcBef>
+                <a:spcPts val="500"/>
+              </a:spcBef>
+              <a:buFont typeface="Arial" panose="020B0604020202020204" pitchFamily="34" charset="0"/>
+              <a:buChar char="•"/>
+              <a:defRPr sz="1600" kern="1200">
+                <a:solidFill>
+                  <a:srgbClr val="DDDDDD"/>
+                </a:solidFill>
+                <a:latin typeface="Arial" panose="020B0604020202020204" pitchFamily="34" charset="0"/>
+                <a:ea typeface="+mn-ea"/>
+                <a:cs typeface="Arial" panose="020B0604020202020204" pitchFamily="34" charset="0"/>
+              </a:defRPr>
+            </a:lvl2pPr>
+            <a:lvl3pPr marL="1143000" indent="-228600" algn="l" defTabSz="914400" rtl="0" eaLnBrk="1" latinLnBrk="0" hangingPunct="1">
+              <a:lnSpc>
+                <a:spcPct val="90000"/>
+              </a:lnSpc>
+              <a:spcBef>
+                <a:spcPts val="500"/>
+              </a:spcBef>
+              <a:buFont typeface="Arial" panose="020B0604020202020204" pitchFamily="34" charset="0"/>
+              <a:buChar char="•"/>
+              <a:defRPr sz="1600" kern="1200">
+                <a:solidFill>
+                  <a:srgbClr val="DDDDDD"/>
+                </a:solidFill>
+                <a:latin typeface="Arial" panose="020B0604020202020204" pitchFamily="34" charset="0"/>
+                <a:ea typeface="+mn-ea"/>
+                <a:cs typeface="Arial" panose="020B0604020202020204" pitchFamily="34" charset="0"/>
+              </a:defRPr>
+            </a:lvl3pPr>
+            <a:lvl4pPr marL="1600200" indent="-228600" algn="l" defTabSz="914400" rtl="0" eaLnBrk="1" latinLnBrk="0" hangingPunct="1">
+              <a:lnSpc>
+                <a:spcPct val="90000"/>
+              </a:lnSpc>
+              <a:spcBef>
+                <a:spcPts val="500"/>
+              </a:spcBef>
+              <a:buFont typeface="Arial" panose="020B0604020202020204" pitchFamily="34" charset="0"/>
+              <a:buChar char="•"/>
+              <a:defRPr sz="1400" kern="1200">
+                <a:solidFill>
+                  <a:srgbClr val="DDDDDD"/>
+                </a:solidFill>
+                <a:latin typeface="Arial" panose="020B0604020202020204" pitchFamily="34" charset="0"/>
+                <a:ea typeface="+mn-ea"/>
+                <a:cs typeface="Arial" panose="020B0604020202020204" pitchFamily="34" charset="0"/>
+              </a:defRPr>
+            </a:lvl4pPr>
+            <a:lvl5pPr marL="2057400" indent="-228600" algn="l" defTabSz="914400" rtl="0" eaLnBrk="1" latinLnBrk="0" hangingPunct="1">
+              <a:lnSpc>
+                <a:spcPct val="90000"/>
+              </a:lnSpc>
+              <a:spcBef>
+                <a:spcPts val="500"/>
+              </a:spcBef>
+              <a:buFont typeface="Arial" panose="020B0604020202020204" pitchFamily="34" charset="0"/>
+              <a:buChar char="•"/>
+              <a:defRPr sz="1400" kern="1200">
+                <a:solidFill>
+                  <a:srgbClr val="DDDDDD"/>
+                </a:solidFill>
+                <a:latin typeface="Arial" panose="020B0604020202020204" pitchFamily="34" charset="0"/>
+                <a:ea typeface="+mn-ea"/>
+                <a:cs typeface="Arial" panose="020B0604020202020204" pitchFamily="34" charset="0"/>
+              </a:defRPr>
+            </a:lvl5pPr>
+            <a:lvl6pPr marL="2514600" indent="-228600" algn="l" defTabSz="914400" rtl="0" eaLnBrk="1" latinLnBrk="0" hangingPunct="1">
+              <a:lnSpc>
+                <a:spcPct val="90000"/>
+              </a:lnSpc>
+              <a:spcBef>
+                <a:spcPts val="500"/>
+              </a:spcBef>
+              <a:buFont typeface="Arial" panose="020B0604020202020204" pitchFamily="34" charset="0"/>
+              <a:buChar char="•"/>
+              <a:defRPr sz="1800" kern="1200">
+                <a:solidFill>
+                  <a:schemeClr val="tx1"/>
+                </a:solidFill>
+                <a:latin typeface="+mn-lt"/>
+                <a:ea typeface="+mn-ea"/>
+                <a:cs typeface="+mn-cs"/>
+              </a:defRPr>
+            </a:lvl6pPr>
+            <a:lvl7pPr marL="2971800" indent="-228600" algn="l" defTabSz="914400" rtl="0" eaLnBrk="1" latinLnBrk="0" hangingPunct="1">
+              <a:lnSpc>
+                <a:spcPct val="90000"/>
+              </a:lnSpc>
+              <a:spcBef>
+                <a:spcPts val="500"/>
+              </a:spcBef>
+              <a:buFont typeface="Arial" panose="020B0604020202020204" pitchFamily="34" charset="0"/>
+              <a:buChar char="•"/>
+              <a:defRPr sz="1800" kern="1200">
+                <a:solidFill>
+                  <a:schemeClr val="tx1"/>
+                </a:solidFill>
+                <a:latin typeface="+mn-lt"/>
+                <a:ea typeface="+mn-ea"/>
+                <a:cs typeface="+mn-cs"/>
+              </a:defRPr>
+            </a:lvl7pPr>
+            <a:lvl8pPr marL="3429000" indent="-228600" algn="l" defTabSz="914400" rtl="0" eaLnBrk="1" latinLnBrk="0" hangingPunct="1">
+              <a:lnSpc>
+                <a:spcPct val="90000"/>
+              </a:lnSpc>
+              <a:spcBef>
+                <a:spcPts val="500"/>
+              </a:spcBef>
+              <a:buFont typeface="Arial" panose="020B0604020202020204" pitchFamily="34" charset="0"/>
+              <a:buChar char="•"/>
+              <a:defRPr sz="1800" kern="1200">
+                <a:solidFill>
+                  <a:schemeClr val="tx1"/>
+                </a:solidFill>
+                <a:latin typeface="+mn-lt"/>
+                <a:ea typeface="+mn-ea"/>
+                <a:cs typeface="+mn-cs"/>
+              </a:defRPr>
+            </a:lvl8pPr>
+            <a:lvl9pPr marL="3886200" indent="-228600" algn="l" defTabSz="914400" rtl="0" eaLnBrk="1" latinLnBrk="0" hangingPunct="1">
+              <a:lnSpc>
+                <a:spcPct val="90000"/>
+              </a:lnSpc>
+              <a:spcBef>
+                <a:spcPts val="500"/>
+              </a:spcBef>
+              <a:buFont typeface="Arial" panose="020B0604020202020204" pitchFamily="34" charset="0"/>
+              <a:buChar char="•"/>
+              <a:defRPr sz="1800" kern="1200">
+                <a:solidFill>
+                  <a:schemeClr val="tx1"/>
+                </a:solidFill>
+                <a:latin typeface="+mn-lt"/>
+                <a:ea typeface="+mn-ea"/>
+                <a:cs typeface="+mn-cs"/>
+              </a:defRPr>
+            </a:lvl9pPr>
+          </a:lstStyle>
+          <a:p>
+            <a:pPr marL="0" indent="0">
+              <a:buNone/>
+            </a:pPr>
+            <a:r>
+              <a:rPr lang="ru-RU" dirty="0"/>
+              <a:t>Можно выполнить обработку </a:t>
+            </a:r>
+            <a:r>
+              <a:rPr lang="ru-RU" dirty="0">
+                <a:solidFill>
+                  <a:srgbClr val="FF423F"/>
+                </a:solidFill>
+              </a:rPr>
+              <a:t>тремя способами:</a:t>
+            </a:r>
+          </a:p>
+          <a:p>
+            <a:pPr marL="342900" indent="-342900">
+              <a:buAutoNum type="arabicParenR"/>
+            </a:pPr>
+            <a:r>
+              <a:rPr lang="ru-RU" dirty="0"/>
+              <a:t>Не перехватываем возникающие исключения, просто добавить в сигнатуру </a:t>
+            </a:r>
+            <a:r>
+              <a:rPr lang="en-US" dirty="0">
+                <a:solidFill>
+                  <a:srgbClr val="BC5CFF"/>
+                </a:solidFill>
+              </a:rPr>
+              <a:t>throws</a:t>
+            </a:r>
+            <a:r>
+              <a:rPr lang="ru-RU" dirty="0"/>
+              <a:t> и прокинуть их дальше</a:t>
+            </a:r>
+            <a:r>
+              <a:rPr lang="en-US" dirty="0"/>
+              <a:t>.</a:t>
+            </a:r>
+            <a:endParaRPr lang="ru-RU" dirty="0"/>
+          </a:p>
+          <a:p>
+            <a:pPr marL="342900" indent="-342900">
+              <a:buAutoNum type="arabicParenR"/>
+            </a:pPr>
+            <a:r>
+              <a:rPr lang="ru-RU" dirty="0"/>
+              <a:t>Перехватить в блоке </a:t>
+            </a:r>
+            <a:r>
+              <a:rPr lang="en-US" dirty="0">
+                <a:solidFill>
+                  <a:srgbClr val="BC5CFF"/>
+                </a:solidFill>
+              </a:rPr>
+              <a:t>catch</a:t>
+            </a:r>
+            <a:r>
+              <a:rPr lang="en-US" dirty="0"/>
+              <a:t> </a:t>
+            </a:r>
+            <a:r>
+              <a:rPr lang="ru-RU" dirty="0"/>
+              <a:t>нужные исключение, а остальные прокинуть через </a:t>
+            </a:r>
+            <a:r>
+              <a:rPr lang="en-US" dirty="0" err="1">
+                <a:solidFill>
+                  <a:srgbClr val="BC5CFF"/>
+                </a:solidFill>
+              </a:rPr>
+              <a:t>thorws</a:t>
+            </a:r>
+            <a:r>
+              <a:rPr lang="en-US" dirty="0"/>
+              <a:t>.</a:t>
+            </a:r>
+            <a:endParaRPr lang="ru-RU" dirty="0"/>
+          </a:p>
+          <a:p>
+            <a:pPr marL="342900" indent="-342900">
+              <a:buAutoNum type="arabicParenR"/>
+            </a:pPr>
+            <a:r>
+              <a:rPr lang="ru-RU" dirty="0"/>
+              <a:t>Перехватить в блоке </a:t>
+            </a:r>
+            <a:r>
+              <a:rPr lang="en-US" dirty="0">
+                <a:solidFill>
+                  <a:srgbClr val="BC5CFF"/>
+                </a:solidFill>
+              </a:rPr>
+              <a:t>catch</a:t>
+            </a:r>
+            <a:r>
+              <a:rPr lang="en-US" dirty="0"/>
+              <a:t> </a:t>
+            </a:r>
+            <a:r>
+              <a:rPr lang="ru-RU" dirty="0"/>
+              <a:t>все исключения</a:t>
+            </a:r>
+            <a:r>
+              <a:rPr lang="en-US" dirty="0"/>
+              <a:t>.</a:t>
+            </a:r>
+            <a:endParaRPr lang="ru-RU" dirty="0"/>
+          </a:p>
+          <a:p>
+            <a:pPr marL="0" indent="0">
+              <a:buNone/>
+            </a:pPr>
+            <a:endParaRPr lang="ru-RU" dirty="0"/>
+          </a:p>
+        </p:txBody>
+      </p:sp>
+    </p:spTree>
+    <p:extLst>
+      <p:ext uri="{BB962C8B-B14F-4D97-AF65-F5344CB8AC3E}">
+        <p14:creationId xmlns:p14="http://schemas.microsoft.com/office/powerpoint/2010/main" val="3766287481"/>
       </p:ext>
     </p:extLst>
   </p:cSld>
